--- a/AES Project Presentation.pptx
+++ b/AES Project Presentation.pptx
@@ -22,11 +22,12 @@
     <p:sldId id="267" r:id="rId16"/>
     <p:sldId id="268" r:id="rId17"/>
     <p:sldId id="269" r:id="rId18"/>
-    <p:sldId id="270" r:id="rId19"/>
-    <p:sldId id="272" r:id="rId20"/>
-    <p:sldId id="271" r:id="rId21"/>
-    <p:sldId id="273" r:id="rId22"/>
-    <p:sldId id="274" r:id="rId23"/>
+    <p:sldId id="275" r:id="rId19"/>
+    <p:sldId id="270" r:id="rId20"/>
+    <p:sldId id="272" r:id="rId21"/>
+    <p:sldId id="271" r:id="rId22"/>
+    <p:sldId id="273" r:id="rId23"/>
+    <p:sldId id="274" r:id="rId24"/>
   </p:sldIdLst>
   <p:sldSz cx="9144000" cy="5143500" type="screen16x9"/>
   <p:notesSz cx="6858000" cy="9144000"/>
@@ -9148,679 +9149,6 @@
           <a:fontRef idx="minor"/>
         </p:style>
       </p:sp>
-      <p:grpSp>
-        <p:nvGrpSpPr>
-          <p:cNvPr id="169" name="Group 2"/>
-          <p:cNvGrpSpPr/>
-          <p:nvPr/>
-        </p:nvGrpSpPr>
-        <p:grpSpPr>
-          <a:xfrm>
-            <a:off x="1110240" y="376200"/>
-            <a:ext cx="2341800" cy="1664280"/>
-            <a:chOff x="1110240" y="376200"/>
-            <a:chExt cx="2341800" cy="1664280"/>
-          </a:xfrm>
-        </p:grpSpPr>
-        <p:sp>
-          <p:nvSpPr>
-            <p:cNvPr id="170" name="CustomShape 3"/>
-            <p:cNvSpPr/>
-            <p:nvPr/>
-          </p:nvSpPr>
-          <p:spPr>
-            <a:xfrm>
-              <a:off x="1848240" y="896400"/>
-              <a:ext cx="810720" cy="1142640"/>
-            </a:xfrm>
-            <a:custGeom>
-              <a:avLst/>
-              <a:gdLst/>
-              <a:ahLst/>
-              <a:cxnLst/>
-              <a:rect l="l" t="t" r="r" b="b"/>
-              <a:pathLst>
-                <a:path w="99746" h="140542">
-                  <a:moveTo>
-                    <a:pt x="86262" y="95423"/>
-                  </a:moveTo>
-                  <a:lnTo>
-                    <a:pt x="86262" y="53416"/>
-                  </a:lnTo>
-                  <a:cubicBezTo>
-                    <a:pt x="86780" y="53243"/>
-                    <a:pt x="87126" y="53071"/>
-                    <a:pt x="87645" y="52898"/>
-                  </a:cubicBezTo>
-                  <a:cubicBezTo>
-                    <a:pt x="99745" y="47366"/>
-                    <a:pt x="95251" y="29215"/>
-                    <a:pt x="82113" y="29734"/>
-                  </a:cubicBezTo>
-                  <a:cubicBezTo>
-                    <a:pt x="68802" y="30252"/>
-                    <a:pt x="65863" y="48749"/>
-                    <a:pt x="78310" y="53243"/>
-                  </a:cubicBezTo>
-                  <a:lnTo>
-                    <a:pt x="78828" y="53416"/>
-                  </a:lnTo>
-                  <a:lnTo>
-                    <a:pt x="78828" y="91447"/>
-                  </a:lnTo>
-                  <a:lnTo>
-                    <a:pt x="49960" y="111154"/>
-                  </a:lnTo>
-                  <a:lnTo>
-                    <a:pt x="49960" y="23856"/>
-                  </a:lnTo>
-                  <a:cubicBezTo>
-                    <a:pt x="62925" y="19534"/>
-                    <a:pt x="60159" y="519"/>
-                    <a:pt x="46502" y="173"/>
-                  </a:cubicBezTo>
-                  <a:cubicBezTo>
-                    <a:pt x="33019" y="0"/>
-                    <a:pt x="29388" y="18843"/>
-                    <a:pt x="42008" y="23510"/>
-                  </a:cubicBezTo>
-                  <a:lnTo>
-                    <a:pt x="42526" y="23683"/>
-                  </a:lnTo>
-                  <a:lnTo>
-                    <a:pt x="42526" y="82285"/>
-                  </a:lnTo>
-                  <a:lnTo>
-                    <a:pt x="20399" y="71567"/>
-                  </a:lnTo>
-                  <a:lnTo>
-                    <a:pt x="20399" y="43909"/>
-                  </a:lnTo>
-                  <a:cubicBezTo>
-                    <a:pt x="20918" y="43736"/>
-                    <a:pt x="21264" y="43736"/>
-                    <a:pt x="21782" y="43563"/>
-                  </a:cubicBezTo>
-                  <a:cubicBezTo>
-                    <a:pt x="33883" y="37858"/>
-                    <a:pt x="29388" y="19880"/>
-                    <a:pt x="16250" y="20399"/>
-                  </a:cubicBezTo>
-                  <a:cubicBezTo>
-                    <a:pt x="2940" y="20917"/>
-                    <a:pt x="1" y="39241"/>
-                    <a:pt x="12447" y="43909"/>
-                  </a:cubicBezTo>
-                  <a:lnTo>
-                    <a:pt x="12966" y="44082"/>
-                  </a:lnTo>
-                  <a:lnTo>
-                    <a:pt x="12966" y="76235"/>
-                  </a:lnTo>
-                  <a:lnTo>
-                    <a:pt x="42526" y="90756"/>
-                  </a:lnTo>
-                  <a:lnTo>
-                    <a:pt x="42526" y="140541"/>
-                  </a:lnTo>
-                  <a:lnTo>
-                    <a:pt x="49960" y="140541"/>
-                  </a:lnTo>
-                  <a:lnTo>
-                    <a:pt x="49960" y="120143"/>
-                  </a:lnTo>
-                  <a:close/>
-                  <a:moveTo>
-                    <a:pt x="78310" y="40278"/>
-                  </a:moveTo>
-                  <a:cubicBezTo>
-                    <a:pt x="78828" y="38550"/>
-                    <a:pt x="80557" y="37340"/>
-                    <a:pt x="82632" y="37340"/>
-                  </a:cubicBezTo>
-                  <a:cubicBezTo>
-                    <a:pt x="83150" y="37340"/>
-                    <a:pt x="83669" y="37340"/>
-                    <a:pt x="84187" y="37513"/>
-                  </a:cubicBezTo>
-                  <a:cubicBezTo>
-                    <a:pt x="88163" y="38895"/>
-                    <a:pt x="88336" y="44600"/>
-                    <a:pt x="84533" y="46156"/>
-                  </a:cubicBezTo>
-                  <a:cubicBezTo>
-                    <a:pt x="80730" y="47885"/>
-                    <a:pt x="76754" y="44254"/>
-                    <a:pt x="78137" y="40451"/>
-                  </a:cubicBezTo>
-                  <a:close/>
-                  <a:moveTo>
-                    <a:pt x="12447" y="34401"/>
-                  </a:moveTo>
-                  <a:cubicBezTo>
-                    <a:pt x="11064" y="31289"/>
-                    <a:pt x="13484" y="28005"/>
-                    <a:pt x="16769" y="28005"/>
-                  </a:cubicBezTo>
-                  <a:cubicBezTo>
-                    <a:pt x="17288" y="28005"/>
-                    <a:pt x="17806" y="28005"/>
-                    <a:pt x="18325" y="28178"/>
-                  </a:cubicBezTo>
-                  <a:cubicBezTo>
-                    <a:pt x="22301" y="29388"/>
-                    <a:pt x="22474" y="35092"/>
-                    <a:pt x="18671" y="36821"/>
-                  </a:cubicBezTo>
-                  <a:cubicBezTo>
-                    <a:pt x="16250" y="37858"/>
-                    <a:pt x="13484" y="36821"/>
-                    <a:pt x="12447" y="34574"/>
-                  </a:cubicBezTo>
-                  <a:close/>
-                  <a:moveTo>
-                    <a:pt x="42008" y="14176"/>
-                  </a:moveTo>
-                  <a:cubicBezTo>
-                    <a:pt x="41489" y="12965"/>
-                    <a:pt x="41489" y="11755"/>
-                    <a:pt x="42008" y="10545"/>
-                  </a:cubicBezTo>
-                  <a:cubicBezTo>
-                    <a:pt x="42699" y="8817"/>
-                    <a:pt x="44428" y="7607"/>
-                    <a:pt x="46329" y="7607"/>
-                  </a:cubicBezTo>
-                  <a:cubicBezTo>
-                    <a:pt x="48058" y="7607"/>
-                    <a:pt x="49787" y="8644"/>
-                    <a:pt x="50478" y="10200"/>
-                  </a:cubicBezTo>
-                  <a:cubicBezTo>
-                    <a:pt x="50997" y="11410"/>
-                    <a:pt x="50997" y="12620"/>
-                    <a:pt x="50651" y="13830"/>
-                  </a:cubicBezTo>
-                  <a:cubicBezTo>
-                    <a:pt x="49787" y="16250"/>
-                    <a:pt x="47194" y="17460"/>
-                    <a:pt x="44774" y="16596"/>
-                  </a:cubicBezTo>
-                  <a:cubicBezTo>
-                    <a:pt x="43563" y="16077"/>
-                    <a:pt x="42526" y="15213"/>
-                    <a:pt x="42008" y="14176"/>
-                  </a:cubicBezTo>
-                  <a:close/>
-                </a:path>
-              </a:pathLst>
-            </a:custGeom>
-            <a:solidFill>
-              <a:schemeClr val="accent1"/>
-            </a:solidFill>
-            <a:ln>
-              <a:noFill/>
-            </a:ln>
-          </p:spPr>
-          <p:style>
-            <a:lnRef idx="0">
-              <a:scrgbClr r="0" g="0" b="0"/>
-            </a:lnRef>
-            <a:fillRef idx="0">
-              <a:scrgbClr r="0" g="0" b="0"/>
-            </a:fillRef>
-            <a:effectRef idx="0">
-              <a:scrgbClr r="0" g="0" b="0"/>
-            </a:effectRef>
-            <a:fontRef idx="minor"/>
-          </p:style>
-        </p:sp>
-        <p:sp>
-          <p:nvSpPr>
-            <p:cNvPr id="171" name="CustomShape 4"/>
-            <p:cNvSpPr/>
-            <p:nvPr/>
-          </p:nvSpPr>
-          <p:spPr>
-            <a:xfrm>
-              <a:off x="1110240" y="376200"/>
-              <a:ext cx="2341800" cy="1664280"/>
-            </a:xfrm>
-            <a:custGeom>
-              <a:avLst/>
-              <a:gdLst/>
-              <a:ahLst/>
-              <a:cxnLst/>
-              <a:rect l="l" t="t" r="r" b="b"/>
-              <a:pathLst>
-                <a:path w="287998" h="204676">
-                  <a:moveTo>
-                    <a:pt x="219196" y="79865"/>
-                  </a:moveTo>
-                  <a:cubicBezTo>
-                    <a:pt x="217468" y="40106"/>
-                    <a:pt x="186697" y="7607"/>
-                    <a:pt x="146938" y="3804"/>
-                  </a:cubicBezTo>
-                  <a:cubicBezTo>
-                    <a:pt x="107178" y="1"/>
-                    <a:pt x="70876" y="26104"/>
-                    <a:pt x="61714" y="64999"/>
-                  </a:cubicBezTo>
-                  <a:cubicBezTo>
-                    <a:pt x="25585" y="70876"/>
-                    <a:pt x="0" y="103548"/>
-                    <a:pt x="2939" y="140023"/>
-                  </a:cubicBezTo>
-                  <a:cubicBezTo>
-                    <a:pt x="5878" y="176498"/>
-                    <a:pt x="36648" y="204675"/>
-                    <a:pt x="73296" y="204502"/>
-                  </a:cubicBezTo>
-                  <a:lnTo>
-                    <a:pt x="86088" y="204502"/>
-                  </a:lnTo>
-                  <a:lnTo>
-                    <a:pt x="86088" y="148321"/>
-                  </a:lnTo>
-                  <a:cubicBezTo>
-                    <a:pt x="87471" y="147802"/>
-                    <a:pt x="88854" y="147110"/>
-                    <a:pt x="89891" y="146073"/>
-                  </a:cubicBezTo>
-                  <a:cubicBezTo>
-                    <a:pt x="92485" y="144172"/>
-                    <a:pt x="94040" y="141233"/>
-                    <a:pt x="94386" y="137948"/>
-                  </a:cubicBezTo>
-                  <a:cubicBezTo>
-                    <a:pt x="95596" y="127749"/>
-                    <a:pt x="84360" y="120835"/>
-                    <a:pt x="75716" y="126366"/>
-                  </a:cubicBezTo>
-                  <a:cubicBezTo>
-                    <a:pt x="67246" y="131898"/>
-                    <a:pt x="68802" y="145036"/>
-                    <a:pt x="78655" y="148148"/>
-                  </a:cubicBezTo>
-                  <a:lnTo>
-                    <a:pt x="78655" y="196896"/>
-                  </a:lnTo>
-                  <a:lnTo>
-                    <a:pt x="73296" y="196896"/>
-                  </a:lnTo>
-                  <a:cubicBezTo>
-                    <a:pt x="40279" y="196723"/>
-                    <a:pt x="12965" y="171139"/>
-                    <a:pt x="10891" y="138121"/>
-                  </a:cubicBezTo>
-                  <a:cubicBezTo>
-                    <a:pt x="8817" y="105277"/>
-                    <a:pt x="32672" y="76235"/>
-                    <a:pt x="65344" y="72086"/>
-                  </a:cubicBezTo>
-                  <a:lnTo>
-                    <a:pt x="67937" y="71740"/>
-                  </a:lnTo>
-                  <a:lnTo>
-                    <a:pt x="68456" y="69147"/>
-                  </a:lnTo>
-                  <a:cubicBezTo>
-                    <a:pt x="75716" y="32673"/>
-                    <a:pt x="109598" y="7780"/>
-                    <a:pt x="146592" y="11410"/>
-                  </a:cubicBezTo>
-                  <a:cubicBezTo>
-                    <a:pt x="183413" y="15040"/>
-                    <a:pt x="211590" y="46156"/>
-                    <a:pt x="211763" y="83323"/>
-                  </a:cubicBezTo>
-                  <a:lnTo>
-                    <a:pt x="211763" y="86780"/>
-                  </a:lnTo>
-                  <a:lnTo>
-                    <a:pt x="215220" y="86953"/>
-                  </a:lnTo>
-                  <a:cubicBezTo>
-                    <a:pt x="226630" y="88163"/>
-                    <a:pt x="237693" y="91102"/>
-                    <a:pt x="248238" y="95942"/>
-                  </a:cubicBezTo>
-                  <a:cubicBezTo>
-                    <a:pt x="269501" y="106141"/>
-                    <a:pt x="280392" y="122045"/>
-                    <a:pt x="280392" y="143653"/>
-                  </a:cubicBezTo>
-                  <a:cubicBezTo>
-                    <a:pt x="280392" y="171485"/>
-                    <a:pt x="257400" y="196896"/>
-                    <a:pt x="232161" y="196896"/>
-                  </a:cubicBezTo>
-                  <a:lnTo>
-                    <a:pt x="205886" y="196896"/>
-                  </a:lnTo>
-                  <a:lnTo>
-                    <a:pt x="205886" y="156791"/>
-                  </a:lnTo>
-                  <a:cubicBezTo>
-                    <a:pt x="219196" y="153334"/>
-                    <a:pt x="217468" y="133800"/>
-                    <a:pt x="203638" y="132935"/>
-                  </a:cubicBezTo>
-                  <a:cubicBezTo>
-                    <a:pt x="189982" y="131898"/>
-                    <a:pt x="185487" y="151086"/>
-                    <a:pt x="198279" y="156272"/>
-                  </a:cubicBezTo>
-                  <a:lnTo>
-                    <a:pt x="198279" y="204502"/>
-                  </a:lnTo>
-                  <a:lnTo>
-                    <a:pt x="232334" y="204502"/>
-                  </a:lnTo>
-                  <a:cubicBezTo>
-                    <a:pt x="261895" y="204502"/>
-                    <a:pt x="287998" y="176152"/>
-                    <a:pt x="287998" y="143826"/>
-                  </a:cubicBezTo>
-                  <a:cubicBezTo>
-                    <a:pt x="287998" y="92657"/>
-                    <a:pt x="233544" y="81940"/>
-                    <a:pt x="219196" y="79865"/>
-                  </a:cubicBezTo>
-                  <a:close/>
-                  <a:moveTo>
-                    <a:pt x="77791" y="136047"/>
-                  </a:moveTo>
-                  <a:cubicBezTo>
-                    <a:pt x="77964" y="133800"/>
-                    <a:pt x="80038" y="132071"/>
-                    <a:pt x="82285" y="132071"/>
-                  </a:cubicBezTo>
-                  <a:lnTo>
-                    <a:pt x="82804" y="132071"/>
-                  </a:lnTo>
-                  <a:cubicBezTo>
-                    <a:pt x="85397" y="132244"/>
-                    <a:pt x="87298" y="134664"/>
-                    <a:pt x="86953" y="137257"/>
-                  </a:cubicBezTo>
-                  <a:cubicBezTo>
-                    <a:pt x="86780" y="138467"/>
-                    <a:pt x="86261" y="139504"/>
-                    <a:pt x="85224" y="140369"/>
-                  </a:cubicBezTo>
-                  <a:cubicBezTo>
-                    <a:pt x="81940" y="142962"/>
-                    <a:pt x="77272" y="140196"/>
-                    <a:pt x="77791" y="136220"/>
-                  </a:cubicBezTo>
-                  <a:close/>
-                  <a:moveTo>
-                    <a:pt x="198279" y="144517"/>
-                  </a:moveTo>
-                  <a:cubicBezTo>
-                    <a:pt x="198452" y="142097"/>
-                    <a:pt x="200527" y="140369"/>
-                    <a:pt x="202774" y="140369"/>
-                  </a:cubicBezTo>
-                  <a:lnTo>
-                    <a:pt x="203293" y="140369"/>
-                  </a:lnTo>
-                  <a:cubicBezTo>
-                    <a:pt x="204503" y="140541"/>
-                    <a:pt x="205713" y="141060"/>
-                    <a:pt x="206404" y="142097"/>
-                  </a:cubicBezTo>
-                  <a:cubicBezTo>
-                    <a:pt x="208997" y="145209"/>
-                    <a:pt x="206404" y="150049"/>
-                    <a:pt x="202255" y="149531"/>
-                  </a:cubicBezTo>
-                  <a:cubicBezTo>
-                    <a:pt x="199835" y="149185"/>
-                    <a:pt x="197934" y="146938"/>
-                    <a:pt x="198279" y="144517"/>
-                  </a:cubicBezTo>
-                  <a:close/>
-                </a:path>
-              </a:pathLst>
-            </a:custGeom>
-            <a:solidFill>
-              <a:schemeClr val="accent1"/>
-            </a:solidFill>
-            <a:ln>
-              <a:noFill/>
-            </a:ln>
-          </p:spPr>
-          <p:style>
-            <a:lnRef idx="0">
-              <a:scrgbClr r="0" g="0" b="0"/>
-            </a:lnRef>
-            <a:fillRef idx="0">
-              <a:scrgbClr r="0" g="0" b="0"/>
-            </a:fillRef>
-            <a:effectRef idx="0">
-              <a:scrgbClr r="0" g="0" b="0"/>
-            </a:effectRef>
-            <a:fontRef idx="minor"/>
-          </p:style>
-        </p:sp>
-        <p:sp>
-          <p:nvSpPr>
-            <p:cNvPr id="172" name="CustomShape 5"/>
-            <p:cNvSpPr/>
-            <p:nvPr/>
-          </p:nvSpPr>
-          <p:spPr>
-            <a:xfrm>
-              <a:off x="1862280" y="1657080"/>
-              <a:ext cx="235800" cy="381960"/>
-            </a:xfrm>
-            <a:custGeom>
-              <a:avLst/>
-              <a:gdLst/>
-              <a:ahLst/>
-              <a:cxnLst/>
-              <a:rect l="l" t="t" r="r" b="b"/>
-              <a:pathLst>
-                <a:path w="29043" h="47021">
-                  <a:moveTo>
-                    <a:pt x="19189" y="1038"/>
-                  </a:moveTo>
-                  <a:cubicBezTo>
-                    <a:pt x="16077" y="0"/>
-                    <a:pt x="12793" y="173"/>
-                    <a:pt x="9854" y="1556"/>
-                  </a:cubicBezTo>
-                  <a:cubicBezTo>
-                    <a:pt x="1" y="6051"/>
-                    <a:pt x="519" y="20053"/>
-                    <a:pt x="10718" y="23856"/>
-                  </a:cubicBezTo>
-                  <a:lnTo>
-                    <a:pt x="11237" y="24029"/>
-                  </a:lnTo>
-                  <a:lnTo>
-                    <a:pt x="11237" y="47020"/>
-                  </a:lnTo>
-                  <a:lnTo>
-                    <a:pt x="18670" y="47020"/>
-                  </a:lnTo>
-                  <a:lnTo>
-                    <a:pt x="18670" y="24029"/>
-                  </a:lnTo>
-                  <a:cubicBezTo>
-                    <a:pt x="25585" y="21782"/>
-                    <a:pt x="29042" y="14003"/>
-                    <a:pt x="25931" y="7434"/>
-                  </a:cubicBezTo>
-                  <a:cubicBezTo>
-                    <a:pt x="24548" y="4495"/>
-                    <a:pt x="22128" y="2248"/>
-                    <a:pt x="19189" y="1038"/>
-                  </a:cubicBezTo>
-                  <a:close/>
-                  <a:moveTo>
-                    <a:pt x="19189" y="14003"/>
-                  </a:moveTo>
-                  <a:cubicBezTo>
-                    <a:pt x="17979" y="17633"/>
-                    <a:pt x="13311" y="18151"/>
-                    <a:pt x="11064" y="15040"/>
-                  </a:cubicBezTo>
-                  <a:cubicBezTo>
-                    <a:pt x="8990" y="12101"/>
-                    <a:pt x="11237" y="7779"/>
-                    <a:pt x="14867" y="7779"/>
-                  </a:cubicBezTo>
-                  <a:cubicBezTo>
-                    <a:pt x="15386" y="7779"/>
-                    <a:pt x="16077" y="7952"/>
-                    <a:pt x="16596" y="8125"/>
-                  </a:cubicBezTo>
-                  <a:cubicBezTo>
-                    <a:pt x="19016" y="8990"/>
-                    <a:pt x="20226" y="11583"/>
-                    <a:pt x="19189" y="14003"/>
-                  </a:cubicBezTo>
-                  <a:close/>
-                </a:path>
-              </a:pathLst>
-            </a:custGeom>
-            <a:solidFill>
-              <a:schemeClr val="accent1"/>
-            </a:solidFill>
-            <a:ln>
-              <a:noFill/>
-            </a:ln>
-          </p:spPr>
-          <p:style>
-            <a:lnRef idx="0">
-              <a:scrgbClr r="0" g="0" b="0"/>
-            </a:lnRef>
-            <a:fillRef idx="0">
-              <a:scrgbClr r="0" g="0" b="0"/>
-            </a:fillRef>
-            <a:effectRef idx="0">
-              <a:scrgbClr r="0" g="0" b="0"/>
-            </a:effectRef>
-            <a:fontRef idx="minor"/>
-          </p:style>
-        </p:sp>
-        <p:sp>
-          <p:nvSpPr>
-            <p:cNvPr id="173" name="CustomShape 6"/>
-            <p:cNvSpPr/>
-            <p:nvPr/>
-          </p:nvSpPr>
-          <p:spPr>
-            <a:xfrm>
-              <a:off x="2377080" y="1738440"/>
-              <a:ext cx="265320" cy="297720"/>
-            </a:xfrm>
-            <a:custGeom>
-              <a:avLst/>
-              <a:gdLst/>
-              <a:ahLst/>
-              <a:cxnLst/>
-              <a:rect l="l" t="t" r="r" b="b"/>
-              <a:pathLst>
-                <a:path w="32672" h="36649">
-                  <a:moveTo>
-                    <a:pt x="23164" y="5360"/>
-                  </a:moveTo>
-                  <a:cubicBezTo>
-                    <a:pt x="8125" y="1"/>
-                    <a:pt x="0" y="22301"/>
-                    <a:pt x="14867" y="28005"/>
-                  </a:cubicBezTo>
-                  <a:lnTo>
-                    <a:pt x="15212" y="28005"/>
-                  </a:lnTo>
-                  <a:lnTo>
-                    <a:pt x="15212" y="36649"/>
-                  </a:lnTo>
-                  <a:lnTo>
-                    <a:pt x="22819" y="36649"/>
-                  </a:lnTo>
-                  <a:lnTo>
-                    <a:pt x="22819" y="28005"/>
-                  </a:lnTo>
-                  <a:cubicBezTo>
-                    <a:pt x="23164" y="28005"/>
-                    <a:pt x="23683" y="27832"/>
-                    <a:pt x="24029" y="27659"/>
-                  </a:cubicBezTo>
-                  <a:cubicBezTo>
-                    <a:pt x="26967" y="26277"/>
-                    <a:pt x="29215" y="23856"/>
-                    <a:pt x="30425" y="20745"/>
-                  </a:cubicBezTo>
-                  <a:cubicBezTo>
-                    <a:pt x="32672" y="14522"/>
-                    <a:pt x="29387" y="7607"/>
-                    <a:pt x="23164" y="5360"/>
-                  </a:cubicBezTo>
-                  <a:close/>
-                  <a:moveTo>
-                    <a:pt x="23337" y="18325"/>
-                  </a:moveTo>
-                  <a:cubicBezTo>
-                    <a:pt x="22991" y="19362"/>
-                    <a:pt x="22127" y="20399"/>
-                    <a:pt x="20917" y="20918"/>
-                  </a:cubicBezTo>
-                  <a:cubicBezTo>
-                    <a:pt x="19880" y="21436"/>
-                    <a:pt x="18497" y="21436"/>
-                    <a:pt x="17460" y="21091"/>
-                  </a:cubicBezTo>
-                  <a:cubicBezTo>
-                    <a:pt x="15039" y="20226"/>
-                    <a:pt x="13829" y="17460"/>
-                    <a:pt x="14694" y="15040"/>
-                  </a:cubicBezTo>
-                  <a:cubicBezTo>
-                    <a:pt x="15385" y="13311"/>
-                    <a:pt x="17114" y="12101"/>
-                    <a:pt x="19015" y="12101"/>
-                  </a:cubicBezTo>
-                  <a:cubicBezTo>
-                    <a:pt x="19534" y="12101"/>
-                    <a:pt x="20053" y="12101"/>
-                    <a:pt x="20571" y="12274"/>
-                  </a:cubicBezTo>
-                  <a:cubicBezTo>
-                    <a:pt x="22991" y="13311"/>
-                    <a:pt x="24201" y="15905"/>
-                    <a:pt x="23337" y="18325"/>
-                  </a:cubicBezTo>
-                  <a:close/>
-                </a:path>
-              </a:pathLst>
-            </a:custGeom>
-            <a:solidFill>
-              <a:schemeClr val="accent1"/>
-            </a:solidFill>
-            <a:ln>
-              <a:noFill/>
-            </a:ln>
-          </p:spPr>
-          <p:style>
-            <a:lnRef idx="0">
-              <a:scrgbClr r="0" g="0" b="0"/>
-            </a:lnRef>
-            <a:fillRef idx="0">
-              <a:scrgbClr r="0" g="0" b="0"/>
-            </a:fillRef>
-            <a:effectRef idx="0">
-              <a:scrgbClr r="0" g="0" b="0"/>
-            </a:effectRef>
-            <a:fontRef idx="minor"/>
-          </p:style>
-        </p:sp>
-      </p:grpSp>
       <p:sp>
         <p:nvSpPr>
           <p:cNvPr id="174" name="TextShape 7"/>
@@ -9829,8 +9157,8 @@
         </p:nvSpPr>
         <p:spPr>
           <a:xfrm>
-            <a:off x="117360" y="1894680"/>
-            <a:ext cx="4088880" cy="1854360"/>
+            <a:off x="161603" y="154362"/>
+            <a:ext cx="4720113" cy="1854360"/>
           </a:xfrm>
           <a:prstGeom prst="rect">
             <a:avLst/>
@@ -10284,6 +9612,36 @@
           </a:p>
         </p:txBody>
       </p:sp>
+      <p:pic>
+        <p:nvPicPr>
+          <p:cNvPr id="3" name="Picture 2"/>
+          <p:cNvPicPr>
+            <a:picLocks noChangeAspect="1"/>
+          </p:cNvPicPr>
+          <p:nvPr/>
+        </p:nvPicPr>
+        <p:blipFill>
+          <a:blip r:embed="rId3" cstate="print">
+            <a:extLst>
+              <a:ext uri="{28A0092B-C50C-407E-A947-70E740481C1C}">
+                <a14:useLocalDpi xmlns:a14="http://schemas.microsoft.com/office/drawing/2010/main" val="0"/>
+              </a:ext>
+            </a:extLst>
+          </a:blip>
+          <a:stretch>
+            <a:fillRect/>
+          </a:stretch>
+        </p:blipFill>
+        <p:spPr>
+          <a:xfrm>
+            <a:off x="44242" y="2467231"/>
+            <a:ext cx="4287350" cy="1834358"/>
+          </a:xfrm>
+          <a:prstGeom prst="rect">
+            <a:avLst/>
+          </a:prstGeom>
+        </p:spPr>
+      </p:pic>
     </p:spTree>
   </p:cSld>
   <p:clrMapOvr>
@@ -10295,12 +9653,19 @@
         <p:circle/>
       </p:transition>
     </mc:Choice>
-    <mc:Fallback xmlns="" xmlns:p15="http://schemas.microsoft.com/office/powerpoint/2012/main">
+    <mc:Fallback xmlns:p15="http://schemas.microsoft.com/office/powerpoint/2012/main" xmlns="">
       <p:transition spd="med">
         <p:circle/>
       </p:transition>
     </mc:Fallback>
   </mc:AlternateContent>
+  <p:timing>
+    <p:tnLst>
+      <p:par>
+        <p:cTn id="1" dur="indefinite" restart="never" nodeType="tmRoot"/>
+      </p:par>
+    </p:tnLst>
+  </p:timing>
 </p:sld>
 </file>
 
@@ -10891,12 +10256,19 @@
         <p:circle/>
       </p:transition>
     </mc:Choice>
-    <mc:Fallback xmlns="" xmlns:p15="http://schemas.microsoft.com/office/powerpoint/2012/main">
+    <mc:Fallback xmlns:p15="http://schemas.microsoft.com/office/powerpoint/2012/main" xmlns="">
       <p:transition spd="med">
         <p:circle/>
       </p:transition>
     </mc:Fallback>
   </mc:AlternateContent>
+  <p:timing>
+    <p:tnLst>
+      <p:par>
+        <p:cTn id="1" dur="indefinite" restart="never" nodeType="tmRoot"/>
+      </p:par>
+    </p:tnLst>
+  </p:timing>
 </p:sld>
 </file>
 
@@ -11383,12 +10755,19 @@
         <p:circle/>
       </p:transition>
     </mc:Choice>
-    <mc:Fallback xmlns="" xmlns:p15="http://schemas.microsoft.com/office/powerpoint/2012/main">
+    <mc:Fallback xmlns:p15="http://schemas.microsoft.com/office/powerpoint/2012/main" xmlns="">
       <p:transition spd="med">
         <p:circle/>
       </p:transition>
     </mc:Fallback>
   </mc:AlternateContent>
+  <p:timing>
+    <p:tnLst>
+      <p:par>
+        <p:cTn id="1" dur="indefinite" restart="never" nodeType="tmRoot"/>
+      </p:par>
+    </p:tnLst>
+  </p:timing>
 </p:sld>
 </file>
 
@@ -11891,12 +11270,19 @@
         <p:circle/>
       </p:transition>
     </mc:Choice>
-    <mc:Fallback xmlns="" xmlns:p15="http://schemas.microsoft.com/office/powerpoint/2012/main">
+    <mc:Fallback xmlns:p15="http://schemas.microsoft.com/office/powerpoint/2012/main" xmlns="">
       <p:transition spd="med">
         <p:circle/>
       </p:transition>
     </mc:Fallback>
   </mc:AlternateContent>
+  <p:timing>
+    <p:tnLst>
+      <p:par>
+        <p:cTn id="1" dur="indefinite" restart="never" nodeType="tmRoot"/>
+      </p:par>
+    </p:tnLst>
+  </p:timing>
 </p:sld>
 </file>
 
@@ -12329,12 +11715,19 @@
         <p:circle/>
       </p:transition>
     </mc:Choice>
-    <mc:Fallback xmlns="" xmlns:p15="http://schemas.microsoft.com/office/powerpoint/2012/main">
+    <mc:Fallback xmlns:p15="http://schemas.microsoft.com/office/powerpoint/2012/main" xmlns="">
       <p:transition spd="med">
         <p:circle/>
       </p:transition>
     </mc:Fallback>
   </mc:AlternateContent>
+  <p:timing>
+    <p:tnLst>
+      <p:par>
+        <p:cTn id="1" dur="indefinite" restart="never" nodeType="tmRoot"/>
+      </p:par>
+    </p:tnLst>
+  </p:timing>
 </p:sld>
 </file>
 
@@ -12455,28 +11848,214 @@
       </p:sp>
       <p:pic>
         <p:nvPicPr>
-          <p:cNvPr id="264" name="Picture 263"/>
-          <p:cNvPicPr/>
+          <p:cNvPr id="2" name="Picture 1"/>
+          <p:cNvPicPr>
+            <a:picLocks noChangeAspect="1"/>
+          </p:cNvPicPr>
           <p:nvPr/>
         </p:nvPicPr>
         <p:blipFill>
-          <a:blip r:embed="rId2"/>
-          <a:srcRect l="6735" t="16053" r="8262" b="5354"/>
-          <a:stretch/>
+          <a:blip r:embed="rId2">
+            <a:extLst>
+              <a:ext uri="{28A0092B-C50C-407E-A947-70E740481C1C}">
+                <a14:useLocalDpi xmlns:a14="http://schemas.microsoft.com/office/drawing/2010/main" val="0"/>
+              </a:ext>
+            </a:extLst>
+          </a:blip>
+          <a:stretch>
+            <a:fillRect/>
+          </a:stretch>
         </p:blipFill>
         <p:spPr>
           <a:xfrm>
-            <a:off x="988200" y="896040"/>
-            <a:ext cx="7075800" cy="3677400"/>
-          </a:xfrm>
-          <a:prstGeom prst="rect">
-            <a:avLst/>
-          </a:prstGeom>
-          <a:ln>
-            <a:noFill/>
-          </a:ln>
+            <a:off x="1492501" y="824438"/>
+            <a:ext cx="6251057" cy="4294039"/>
+          </a:xfrm>
+          <a:prstGeom prst="rect">
+            <a:avLst/>
+          </a:prstGeom>
         </p:spPr>
       </p:pic>
+      <p:pic>
+        <p:nvPicPr>
+          <p:cNvPr id="3" name="Picture 2"/>
+          <p:cNvPicPr>
+            <a:picLocks noChangeAspect="1"/>
+          </p:cNvPicPr>
+          <p:nvPr/>
+        </p:nvPicPr>
+        <p:blipFill>
+          <a:blip r:embed="rId3" cstate="print">
+            <a:extLst>
+              <a:ext uri="{28A0092B-C50C-407E-A947-70E740481C1C}">
+                <a14:useLocalDpi xmlns:a14="http://schemas.microsoft.com/office/drawing/2010/main" val="0"/>
+              </a:ext>
+            </a:extLst>
+          </a:blip>
+          <a:stretch>
+            <a:fillRect/>
+          </a:stretch>
+        </p:blipFill>
+        <p:spPr>
+          <a:xfrm>
+            <a:off x="2902800" y="2623008"/>
+            <a:ext cx="1186311" cy="614705"/>
+          </a:xfrm>
+          <a:prstGeom prst="rect">
+            <a:avLst/>
+          </a:prstGeom>
+        </p:spPr>
+      </p:pic>
+      <p:pic>
+        <p:nvPicPr>
+          <p:cNvPr id="7" name="Picture 6"/>
+          <p:cNvPicPr>
+            <a:picLocks noChangeAspect="1"/>
+          </p:cNvPicPr>
+          <p:nvPr/>
+        </p:nvPicPr>
+        <p:blipFill>
+          <a:blip r:embed="rId3" cstate="print">
+            <a:extLst>
+              <a:ext uri="{28A0092B-C50C-407E-A947-70E740481C1C}">
+                <a14:useLocalDpi xmlns:a14="http://schemas.microsoft.com/office/drawing/2010/main" val="0"/>
+              </a:ext>
+            </a:extLst>
+          </a:blip>
+          <a:stretch>
+            <a:fillRect/>
+          </a:stretch>
+        </p:blipFill>
+        <p:spPr>
+          <a:xfrm>
+            <a:off x="4771119" y="2623008"/>
+            <a:ext cx="1186311" cy="614705"/>
+          </a:xfrm>
+          <a:prstGeom prst="rect">
+            <a:avLst/>
+          </a:prstGeom>
+        </p:spPr>
+      </p:pic>
+      <p:pic>
+        <p:nvPicPr>
+          <p:cNvPr id="8" name="Picture 7"/>
+          <p:cNvPicPr>
+            <a:picLocks noChangeAspect="1"/>
+          </p:cNvPicPr>
+          <p:nvPr/>
+        </p:nvPicPr>
+        <p:blipFill>
+          <a:blip r:embed="rId3" cstate="print">
+            <a:extLst>
+              <a:ext uri="{28A0092B-C50C-407E-A947-70E740481C1C}">
+                <a14:useLocalDpi xmlns:a14="http://schemas.microsoft.com/office/drawing/2010/main" val="0"/>
+              </a:ext>
+            </a:extLst>
+          </a:blip>
+          <a:stretch>
+            <a:fillRect/>
+          </a:stretch>
+        </p:blipFill>
+        <p:spPr>
+          <a:xfrm>
+            <a:off x="3784662" y="3617889"/>
+            <a:ext cx="1186311" cy="614705"/>
+          </a:xfrm>
+          <a:prstGeom prst="rect">
+            <a:avLst/>
+          </a:prstGeom>
+        </p:spPr>
+      </p:pic>
+      <p:sp>
+        <p:nvSpPr>
+          <p:cNvPr id="4" name="TextBox 3"/>
+          <p:cNvSpPr txBox="1"/>
+          <p:nvPr/>
+        </p:nvSpPr>
+        <p:spPr>
+          <a:xfrm>
+            <a:off x="3168125" y="2721732"/>
+            <a:ext cx="864392" cy="369332"/>
+          </a:xfrm>
+          <a:prstGeom prst="rect">
+            <a:avLst/>
+          </a:prstGeom>
+          <a:noFill/>
+        </p:spPr>
+        <p:txBody>
+          <a:bodyPr wrap="square" rtlCol="0">
+            <a:spAutoFit/>
+          </a:bodyPr>
+          <a:lstStyle/>
+          <a:p>
+            <a:r>
+              <a:rPr lang="en-IN" dirty="0" smtClean="0"/>
+              <a:t>Text</a:t>
+            </a:r>
+            <a:endParaRPr lang="en-IN" dirty="0"/>
+          </a:p>
+        </p:txBody>
+      </p:sp>
+      <p:sp>
+        <p:nvSpPr>
+          <p:cNvPr id="10" name="TextBox 9"/>
+          <p:cNvSpPr txBox="1"/>
+          <p:nvPr/>
+        </p:nvSpPr>
+        <p:spPr>
+          <a:xfrm>
+            <a:off x="4950425" y="2711458"/>
+            <a:ext cx="864392" cy="369332"/>
+          </a:xfrm>
+          <a:prstGeom prst="rect">
+            <a:avLst/>
+          </a:prstGeom>
+          <a:noFill/>
+        </p:spPr>
+        <p:txBody>
+          <a:bodyPr wrap="square" rtlCol="0">
+            <a:spAutoFit/>
+          </a:bodyPr>
+          <a:lstStyle/>
+          <a:p>
+            <a:r>
+              <a:rPr lang="en-IN" dirty="0" smtClean="0"/>
+              <a:t>Image</a:t>
+            </a:r>
+            <a:endParaRPr lang="en-IN" dirty="0"/>
+          </a:p>
+        </p:txBody>
+      </p:sp>
+      <p:sp>
+        <p:nvSpPr>
+          <p:cNvPr id="11" name="TextBox 10"/>
+          <p:cNvSpPr txBox="1"/>
+          <p:nvPr/>
+        </p:nvSpPr>
+        <p:spPr>
+          <a:xfrm>
+            <a:off x="3986082" y="3699479"/>
+            <a:ext cx="864392" cy="369332"/>
+          </a:xfrm>
+          <a:prstGeom prst="rect">
+            <a:avLst/>
+          </a:prstGeom>
+          <a:noFill/>
+        </p:spPr>
+        <p:txBody>
+          <a:bodyPr wrap="square" rtlCol="0">
+            <a:spAutoFit/>
+          </a:bodyPr>
+          <a:lstStyle/>
+          <a:p>
+            <a:r>
+              <a:rPr lang="en-IN" dirty="0" smtClean="0"/>
+              <a:t>Other</a:t>
+            </a:r>
+            <a:endParaRPr lang="en-IN" dirty="0"/>
+          </a:p>
+        </p:txBody>
+      </p:sp>
     </p:spTree>
   </p:cSld>
   <p:clrMapOvr>
@@ -12488,12 +12067,19 @@
         <p:circle/>
       </p:transition>
     </mc:Choice>
-    <mc:Fallback xmlns="" xmlns:p15="http://schemas.microsoft.com/office/powerpoint/2012/main">
+    <mc:Fallback xmlns:p15="http://schemas.microsoft.com/office/powerpoint/2012/main" xmlns="">
       <p:transition spd="med">
         <p:circle/>
       </p:transition>
     </mc:Fallback>
   </mc:AlternateContent>
+  <p:timing>
+    <p:tnLst>
+      <p:par>
+        <p:cTn id="1" dur="indefinite" restart="never" nodeType="tmRoot"/>
+      </p:par>
+    </p:tnLst>
+  </p:timing>
 </p:sld>
 </file>
 
@@ -12516,7 +12102,7 @@
       </p:grpSpPr>
       <p:sp>
         <p:nvSpPr>
-          <p:cNvPr id="265" name="TextShape 1"/>
+          <p:cNvPr id="262" name="TextShape 1"/>
           <p:cNvSpPr txBox="1"/>
           <p:nvPr/>
         </p:nvSpPr>
@@ -12565,7 +12151,7 @@
       </p:sp>
       <p:sp>
         <p:nvSpPr>
-          <p:cNvPr id="266" name="CustomShape 2"/>
+          <p:cNvPr id="263" name="CustomShape 2"/>
           <p:cNvSpPr/>
           <p:nvPr/>
         </p:nvSpPr>
@@ -12614,7 +12200,7 @@
       </p:sp>
       <p:pic>
         <p:nvPicPr>
-          <p:cNvPr id="267" name="Picture 266"/>
+          <p:cNvPr id="264" name="Picture 263"/>
           <p:cNvPicPr/>
           <p:nvPr/>
         </p:nvPicPr>
@@ -12637,22 +12223,34 @@
         </p:spPr>
       </p:pic>
     </p:spTree>
+    <p:extLst>
+      <p:ext uri="{BB962C8B-B14F-4D97-AF65-F5344CB8AC3E}">
+        <p14:creationId xmlns:p14="http://schemas.microsoft.com/office/powerpoint/2010/main" val="3798246494"/>
+      </p:ext>
+    </p:extLst>
   </p:cSld>
   <p:clrMapOvr>
     <a:masterClrMapping/>
   </p:clrMapOvr>
-  <mc:AlternateContent xmlns:mc="http://schemas.openxmlformats.org/markup-compatibility/2006" xmlns:p14="http://schemas.microsoft.com/office/powerpoint/2010/main">
-    <mc:Choice Requires="p14">
+  <mc:AlternateContent xmlns:mc="http://schemas.openxmlformats.org/markup-compatibility/2006">
+    <mc:Choice xmlns:p14="http://schemas.microsoft.com/office/powerpoint/2010/main" Requires="p14">
       <p:transition spd="slow" p14:dur="800">
         <p:circle/>
       </p:transition>
     </mc:Choice>
-    <mc:Fallback xmlns="" xmlns:p15="http://schemas.microsoft.com/office/powerpoint/2012/main">
-      <p:transition spd="med">
+    <mc:Fallback>
+      <p:transition spd="slow">
         <p:circle/>
       </p:transition>
     </mc:Fallback>
   </mc:AlternateContent>
+  <p:timing>
+    <p:tnLst>
+      <p:par>
+        <p:cTn id="1" dur="indefinite" restart="never" nodeType="tmRoot"/>
+      </p:par>
+    </p:tnLst>
+  </p:timing>
 </p:sld>
 </file>
 
@@ -12675,7 +12273,7 @@
       </p:grpSpPr>
       <p:sp>
         <p:nvSpPr>
-          <p:cNvPr id="271" name="TextShape 1"/>
+          <p:cNvPr id="265" name="TextShape 1"/>
           <p:cNvSpPr txBox="1"/>
           <p:nvPr/>
         </p:nvSpPr>
@@ -12724,7 +12322,7 @@
       </p:sp>
       <p:sp>
         <p:nvSpPr>
-          <p:cNvPr id="272" name="CustomShape 2"/>
+          <p:cNvPr id="266" name="CustomShape 2"/>
           <p:cNvSpPr/>
           <p:nvPr/>
         </p:nvSpPr>
@@ -12773,7 +12371,7 @@
       </p:sp>
       <p:pic>
         <p:nvPicPr>
-          <p:cNvPr id="273" name="Picture 272"/>
+          <p:cNvPr id="267" name="Picture 266"/>
           <p:cNvPicPr/>
           <p:nvPr/>
         </p:nvPicPr>
@@ -12806,12 +12404,19 @@
         <p:circle/>
       </p:transition>
     </mc:Choice>
-    <mc:Fallback xmlns="" xmlns:p15="http://schemas.microsoft.com/office/powerpoint/2012/main">
+    <mc:Fallback xmlns:p15="http://schemas.microsoft.com/office/powerpoint/2012/main" xmlns="">
       <p:transition spd="med">
         <p:circle/>
       </p:transition>
     </mc:Fallback>
   </mc:AlternateContent>
+  <p:timing>
+    <p:tnLst>
+      <p:par>
+        <p:cTn id="1" dur="indefinite" restart="never" nodeType="tmRoot"/>
+      </p:par>
+    </p:tnLst>
+  </p:timing>
 </p:sld>
 </file>
 
@@ -12834,7 +12439,7 @@
       </p:grpSpPr>
       <p:sp>
         <p:nvSpPr>
-          <p:cNvPr id="268" name="TextShape 1"/>
+          <p:cNvPr id="271" name="TextShape 1"/>
           <p:cNvSpPr txBox="1"/>
           <p:nvPr/>
         </p:nvSpPr>
@@ -12883,7 +12488,7 @@
       </p:sp>
       <p:sp>
         <p:nvSpPr>
-          <p:cNvPr id="269" name="CustomShape 2"/>
+          <p:cNvPr id="272" name="CustomShape 2"/>
           <p:cNvSpPr/>
           <p:nvPr/>
         </p:nvSpPr>
@@ -12932,7 +12537,7 @@
       </p:sp>
       <p:pic>
         <p:nvPicPr>
-          <p:cNvPr id="270" name="Picture 269"/>
+          <p:cNvPr id="273" name="Picture 272"/>
           <p:cNvPicPr/>
           <p:nvPr/>
         </p:nvPicPr>
@@ -12965,12 +12570,19 @@
         <p:circle/>
       </p:transition>
     </mc:Choice>
-    <mc:Fallback xmlns="" xmlns:p15="http://schemas.microsoft.com/office/powerpoint/2012/main">
+    <mc:Fallback xmlns:p15="http://schemas.microsoft.com/office/powerpoint/2012/main" xmlns="">
       <p:transition spd="med">
         <p:circle/>
       </p:transition>
     </mc:Fallback>
   </mc:AlternateContent>
+  <p:timing>
+    <p:tnLst>
+      <p:par>
+        <p:cTn id="1" dur="indefinite" restart="never" nodeType="tmRoot"/>
+      </p:par>
+    </p:tnLst>
+  </p:timing>
 </p:sld>
 </file>
 
@@ -12993,7 +12605,7 @@
       </p:grpSpPr>
       <p:sp>
         <p:nvSpPr>
-          <p:cNvPr id="274" name="TextShape 1"/>
+          <p:cNvPr id="268" name="TextShape 1"/>
           <p:cNvSpPr txBox="1"/>
           <p:nvPr/>
         </p:nvSpPr>
@@ -13029,7 +12641,7 @@
                 <a:latin typeface="Roboto Black"/>
                 <a:ea typeface="Roboto Black"/>
               </a:rPr>
-              <a:t>CONCLUSION</a:t>
+              <a:t>Experimental Results / Examples</a:t>
             </a:r>
             <a:endParaRPr lang="en-US" sz="3000" b="0" strike="noStrike" spc="-1">
               <a:solidFill>
@@ -13042,56 +12654,7 @@
       </p:sp>
       <p:sp>
         <p:nvSpPr>
-          <p:cNvPr id="275" name="TextShape 2"/>
-          <p:cNvSpPr txBox="1"/>
-          <p:nvPr/>
-        </p:nvSpPr>
-        <p:spPr>
-          <a:xfrm>
-            <a:off x="2004120" y="1792440"/>
-            <a:ext cx="5331240" cy="2409480"/>
-          </a:xfrm>
-          <a:prstGeom prst="rect">
-            <a:avLst/>
-          </a:prstGeom>
-          <a:noFill/>
-          <a:ln>
-            <a:noFill/>
-          </a:ln>
-        </p:spPr>
-        <p:txBody>
-          <a:bodyPr tIns="91440" bIns="91440">
-            <a:noAutofit/>
-          </a:bodyPr>
-          <a:lstStyle/>
-          <a:p>
-            <a:pPr marL="114480" algn="just">
-              <a:lnSpc>
-                <a:spcPct val="100000"/>
-              </a:lnSpc>
-              <a:tabLst>
-                <a:tab pos="0" algn="l"/>
-              </a:tabLst>
-            </a:pPr>
-            <a:r>
-              <a:rPr lang="en-IN" sz="1400" b="0" strike="noStrike" spc="-1">
-                <a:solidFill>
-                  <a:srgbClr val="FFFFFF"/>
-                </a:solidFill>
-                <a:latin typeface="Roboto Light"/>
-                <a:ea typeface="Roboto Light"/>
-              </a:rPr>
-              <a:t>In this project, we have implemented AES algorithm in python and built a system to secure data for online transmission.  In our project we can encrypt text messages, images, voice messages, documents and any other types of files. And also decrypt text messages, images, voice messages, documents and any other types of files with proper keys. Without the right keys, no one can extract any information from the encrypted files. </a:t>
-            </a:r>
-            <a:endParaRPr lang="en-US" sz="1400" b="0" strike="noStrike" spc="-1">
-              <a:latin typeface="Arial"/>
-            </a:endParaRPr>
-          </a:p>
-        </p:txBody>
-      </p:sp>
-      <p:sp>
-        <p:nvSpPr>
-          <p:cNvPr id="276" name="CustomShape 3"/>
+          <p:cNvPr id="269" name="CustomShape 2"/>
           <p:cNvSpPr/>
           <p:nvPr/>
         </p:nvSpPr>
@@ -13138,6 +12701,30 @@
           <a:fontRef idx="minor"/>
         </p:style>
       </p:sp>
+      <p:pic>
+        <p:nvPicPr>
+          <p:cNvPr id="270" name="Picture 269"/>
+          <p:cNvPicPr/>
+          <p:nvPr/>
+        </p:nvPicPr>
+        <p:blipFill>
+          <a:blip r:embed="rId2"/>
+          <a:srcRect l="6735" t="16053" r="8262" b="5354"/>
+          <a:stretch/>
+        </p:blipFill>
+        <p:spPr>
+          <a:xfrm>
+            <a:off x="988200" y="896040"/>
+            <a:ext cx="7075800" cy="3677400"/>
+          </a:xfrm>
+          <a:prstGeom prst="rect">
+            <a:avLst/>
+          </a:prstGeom>
+          <a:ln>
+            <a:noFill/>
+          </a:ln>
+        </p:spPr>
+      </p:pic>
     </p:spTree>
   </p:cSld>
   <p:clrMapOvr>
@@ -13149,12 +12736,19 @@
         <p:circle/>
       </p:transition>
     </mc:Choice>
-    <mc:Fallback xmlns="" xmlns:p15="http://schemas.microsoft.com/office/powerpoint/2012/main">
+    <mc:Fallback xmlns:p15="http://schemas.microsoft.com/office/powerpoint/2012/main" xmlns="">
       <p:transition spd="med">
         <p:circle/>
       </p:transition>
     </mc:Fallback>
   </mc:AlternateContent>
+  <p:timing>
+    <p:tnLst>
+      <p:par>
+        <p:cTn id="1" dur="indefinite" restart="never" nodeType="tmRoot"/>
+      </p:par>
+    </p:tnLst>
+  </p:timing>
 </p:sld>
 </file>
 
@@ -13175,16 +12769,46 @@
           <a:chExt cx="0" cy="0"/>
         </a:xfrm>
       </p:grpSpPr>
-      <p:sp>
-        <p:nvSpPr>
-          <p:cNvPr id="277" name="TextShape 1"/>
+      <p:pic>
+        <p:nvPicPr>
+          <p:cNvPr id="2" name="Picture 1"/>
+          <p:cNvPicPr>
+            <a:picLocks noChangeAspect="1"/>
+          </p:cNvPicPr>
+          <p:nvPr/>
+        </p:nvPicPr>
+        <p:blipFill>
+          <a:blip r:embed="rId2">
+            <a:extLst>
+              <a:ext uri="{28A0092B-C50C-407E-A947-70E740481C1C}">
+                <a14:useLocalDpi xmlns:a14="http://schemas.microsoft.com/office/drawing/2010/main" val="0"/>
+              </a:ext>
+            </a:extLst>
+          </a:blip>
+          <a:stretch>
+            <a:fillRect/>
+          </a:stretch>
+        </p:blipFill>
+        <p:spPr>
+          <a:xfrm>
+            <a:off x="5127824" y="907800"/>
+            <a:ext cx="3942433" cy="3942433"/>
+          </a:xfrm>
+          <a:prstGeom prst="rect">
+            <a:avLst/>
+          </a:prstGeom>
+        </p:spPr>
+      </p:pic>
+      <p:sp>
+        <p:nvSpPr>
+          <p:cNvPr id="274" name="TextShape 1"/>
           <p:cNvSpPr txBox="1"/>
           <p:nvPr/>
         </p:nvSpPr>
         <p:spPr>
           <a:xfrm>
-            <a:off x="3986640" y="1429200"/>
-            <a:ext cx="3577680" cy="606240"/>
+            <a:off x="311760" y="108720"/>
+            <a:ext cx="8520120" cy="606240"/>
           </a:xfrm>
           <a:prstGeom prst="rect">
             <a:avLst/>
@@ -13200,7 +12824,56 @@
           </a:bodyPr>
           <a:lstStyle/>
           <a:p>
-            <a:pPr>
+            <a:pPr algn="ctr">
+              <a:lnSpc>
+                <a:spcPct val="100000"/>
+              </a:lnSpc>
+            </a:pPr>
+            <a:r>
+              <a:rPr lang="en-IN" sz="3000" b="1" strike="noStrike" spc="-1">
+                <a:solidFill>
+                  <a:srgbClr val="FFFFFF"/>
+                </a:solidFill>
+                <a:latin typeface="Roboto Black"/>
+                <a:ea typeface="Roboto Black"/>
+              </a:rPr>
+              <a:t>CONCLUSION</a:t>
+            </a:r>
+            <a:endParaRPr lang="en-US" sz="3000" b="0" strike="noStrike" spc="-1">
+              <a:solidFill>
+                <a:srgbClr val="000000"/>
+              </a:solidFill>
+              <a:latin typeface="Arial"/>
+            </a:endParaRPr>
+          </a:p>
+        </p:txBody>
+      </p:sp>
+      <p:sp>
+        <p:nvSpPr>
+          <p:cNvPr id="275" name="TextShape 2"/>
+          <p:cNvSpPr txBox="1"/>
+          <p:nvPr/>
+        </p:nvSpPr>
+        <p:spPr>
+          <a:xfrm>
+            <a:off x="263810" y="1718698"/>
+            <a:ext cx="4853879" cy="2409480"/>
+          </a:xfrm>
+          <a:prstGeom prst="rect">
+            <a:avLst/>
+          </a:prstGeom>
+          <a:noFill/>
+          <a:ln>
+            <a:noFill/>
+          </a:ln>
+        </p:spPr>
+        <p:txBody>
+          <a:bodyPr tIns="91440" bIns="91440">
+            <a:noAutofit/>
+          </a:bodyPr>
+          <a:lstStyle/>
+          <a:p>
+            <a:pPr marL="114480" algn="just">
               <a:lnSpc>
                 <a:spcPct val="100000"/>
               </a:lnSpc>
@@ -13209,847 +12882,31 @@
               </a:tabLst>
             </a:pPr>
             <a:r>
-              <a:rPr lang="es" sz="3000" b="0" strike="noStrike" spc="-1">
-                <a:solidFill>
-                  <a:srgbClr val="0E2A47"/>
-                </a:solidFill>
-                <a:latin typeface="Roboto Black"/>
-                <a:ea typeface="Roboto Black"/>
-              </a:rPr>
-              <a:t>THANKS!</a:t>
-            </a:r>
-            <a:endParaRPr lang="en-US" sz="3000" b="0" strike="noStrike" spc="-1">
-              <a:solidFill>
-                <a:srgbClr val="000000"/>
-              </a:solidFill>
-              <a:latin typeface="Arial"/>
-            </a:endParaRPr>
-          </a:p>
-        </p:txBody>
-      </p:sp>
-      <p:sp>
-        <p:nvSpPr>
-          <p:cNvPr id="278" name="TextShape 2"/>
-          <p:cNvSpPr txBox="1"/>
-          <p:nvPr/>
-        </p:nvSpPr>
-        <p:spPr>
-          <a:xfrm>
-            <a:off x="3986640" y="2421720"/>
-            <a:ext cx="4470480" cy="1877040"/>
-          </a:xfrm>
-          <a:prstGeom prst="rect">
-            <a:avLst/>
-          </a:prstGeom>
-          <a:noFill/>
-          <a:ln>
-            <a:noFill/>
-          </a:ln>
-        </p:spPr>
-        <p:txBody>
-          <a:bodyPr tIns="91440" bIns="91440">
-            <a:noAutofit/>
-          </a:bodyPr>
-          <a:lstStyle/>
-          <a:p>
-            <a:pPr>
-              <a:lnSpc>
-                <a:spcPct val="100000"/>
-              </a:lnSpc>
-              <a:tabLst>
-                <a:tab pos="0" algn="l"/>
-              </a:tabLst>
-            </a:pPr>
-            <a:r>
-              <a:rPr lang="es" sz="1000" b="0" strike="noStrike" spc="-1">
-                <a:solidFill>
-                  <a:srgbClr val="0E2A47"/>
+              <a:rPr lang="en-IN" sz="1600" b="0" strike="noStrike" spc="-1" dirty="0">
+                <a:solidFill>
+                  <a:srgbClr val="FFFFFF"/>
                 </a:solidFill>
                 <a:latin typeface="Roboto Light"/>
                 <a:ea typeface="Roboto Light"/>
               </a:rPr>
-              <a:t>Does anyone have any question?</a:t>
-            </a:r>
-            <a:endParaRPr lang="en-US" sz="1000" b="0" strike="noStrike" spc="-1">
-              <a:latin typeface="Arial"/>
-            </a:endParaRPr>
-          </a:p>
-          <a:p>
-            <a:pPr>
-              <a:lnSpc>
-                <a:spcPct val="100000"/>
-              </a:lnSpc>
-              <a:tabLst>
-                <a:tab pos="0" algn="l"/>
-              </a:tabLst>
-            </a:pPr>
-            <a:endParaRPr lang="en-US" sz="1000" b="0" strike="noStrike" spc="-1">
-              <a:latin typeface="Arial"/>
-            </a:endParaRPr>
-          </a:p>
-          <a:p>
-            <a:pPr>
-              <a:lnSpc>
-                <a:spcPct val="100000"/>
-              </a:lnSpc>
-              <a:tabLst>
-                <a:tab pos="0" algn="l"/>
-              </a:tabLst>
-            </a:pPr>
-            <a:endParaRPr lang="en-US" sz="1000" b="0" strike="noStrike" spc="-1">
-              <a:latin typeface="Arial"/>
-            </a:endParaRPr>
-          </a:p>
-          <a:p>
-            <a:pPr>
-              <a:lnSpc>
-                <a:spcPct val="100000"/>
-              </a:lnSpc>
-              <a:tabLst>
-                <a:tab pos="0" algn="l"/>
-              </a:tabLst>
-            </a:pPr>
-            <a:r>
-              <a:rPr lang="es" sz="1000" b="0" strike="noStrike" spc="-1">
-                <a:solidFill>
-                  <a:srgbClr val="0E2A47"/>
-                </a:solidFill>
-                <a:latin typeface="Roboto Light"/>
-                <a:ea typeface="Roboto Light"/>
-              </a:rPr>
-              <a:t>Contact:</a:t>
-            </a:r>
-            <a:r>
-              <a:rPr lang="es" sz="1000" b="0" u="sng" strike="noStrike" spc="-1">
-                <a:solidFill>
-                  <a:srgbClr val="48FFD5"/>
-                </a:solidFill>
-                <a:uFillTx/>
-                <a:latin typeface="Roboto Light"/>
-                <a:ea typeface="Roboto Light"/>
-                <a:hlinkClick r:id="rId2"/>
-              </a:rPr>
-              <a:t>dyou</a:t>
-            </a:r>
-            <a:endParaRPr lang="en-US" sz="1000" b="0" strike="noStrike" spc="-1">
-              <a:latin typeface="Arial"/>
-            </a:endParaRPr>
-          </a:p>
-          <a:p>
-            <a:pPr>
-              <a:lnSpc>
-                <a:spcPct val="100000"/>
-              </a:lnSpc>
-              <a:tabLst>
-                <a:tab pos="0" algn="l"/>
-              </a:tabLst>
-            </a:pPr>
-            <a:r>
-              <a:rPr lang="en-US" sz="1000" b="0" strike="noStrike" spc="-1">
-                <a:solidFill>
-                  <a:srgbClr val="0E2A47"/>
-                </a:solidFill>
-                <a:latin typeface="Roboto Light"/>
-                <a:ea typeface="Roboto Light"/>
-              </a:rPr>
-              <a:t>182001422e@eastdelta.edu.bd</a:t>
-            </a:r>
-            <a:r>
-              <a:rPr lang="es" sz="1000" b="0" u="sng" strike="noStrike" spc="-1">
-                <a:solidFill>
-                  <a:srgbClr val="48FFD5"/>
-                </a:solidFill>
-                <a:uFillTx/>
-                <a:latin typeface="Roboto Light"/>
-                <a:ea typeface="Roboto Light"/>
-                <a:hlinkClick r:id="rId2"/>
-              </a:rPr>
-              <a:t>freepik.com</a:t>
-            </a:r>
-            <a:endParaRPr lang="en-US" sz="1000" b="0" strike="noStrike" spc="-1">
-              <a:latin typeface="Arial"/>
-            </a:endParaRPr>
-          </a:p>
-          <a:p>
-            <a:pPr>
-              <a:lnSpc>
-                <a:spcPct val="100000"/>
-              </a:lnSpc>
-              <a:tabLst>
-                <a:tab pos="0" algn="l"/>
-              </a:tabLst>
-            </a:pPr>
-            <a:r>
-              <a:rPr lang="en-US" sz="1000" b="0" strike="noStrike" spc="-1">
-                <a:solidFill>
-                  <a:srgbClr val="0E2A47"/>
-                </a:solidFill>
-                <a:latin typeface="Roboto Light"/>
-                <a:ea typeface="Roboto Light"/>
-              </a:rPr>
-              <a:t>182000422e@eastdelta.edu.bd</a:t>
-            </a:r>
-            <a:endParaRPr lang="en-US" sz="1000" b="0" strike="noStrike" spc="-1">
-              <a:latin typeface="Arial"/>
-            </a:endParaRPr>
-          </a:p>
-        </p:txBody>
-      </p:sp>
-      <p:grpSp>
-        <p:nvGrpSpPr>
-          <p:cNvPr id="279" name="Group 3"/>
-          <p:cNvGrpSpPr/>
-          <p:nvPr/>
-        </p:nvGrpSpPr>
-        <p:grpSpPr>
-          <a:xfrm>
-            <a:off x="4077360" y="3526200"/>
-            <a:ext cx="137160" cy="137160"/>
-            <a:chOff x="4077360" y="3526200"/>
-            <a:chExt cx="137160" cy="137160"/>
-          </a:xfrm>
-        </p:grpSpPr>
-        <p:sp>
-          <p:nvSpPr>
-            <p:cNvPr id="280" name="CustomShape 4"/>
-            <p:cNvSpPr/>
-            <p:nvPr/>
-          </p:nvSpPr>
-          <p:spPr>
-            <a:xfrm>
-              <a:off x="4142160" y="3550320"/>
-              <a:ext cx="46800" cy="113040"/>
-            </a:xfrm>
-            <a:custGeom>
-              <a:avLst/>
-              <a:gdLst/>
-              <a:ahLst/>
-              <a:cxnLst/>
-              <a:rect l="l" t="t" r="r" b="b"/>
-              <a:pathLst>
-                <a:path w="6527" h="15727">
-                  <a:moveTo>
-                    <a:pt x="4957" y="1"/>
-                  </a:moveTo>
-                  <a:cubicBezTo>
-                    <a:pt x="4645" y="1"/>
-                    <a:pt x="4336" y="24"/>
-                    <a:pt x="4028" y="69"/>
-                  </a:cubicBezTo>
-                  <a:cubicBezTo>
-                    <a:pt x="2588" y="280"/>
-                    <a:pt x="1700" y="890"/>
-                    <a:pt x="1675" y="2250"/>
-                  </a:cubicBezTo>
-                  <a:lnTo>
-                    <a:pt x="1675" y="5040"/>
-                  </a:lnTo>
-                  <a:cubicBezTo>
-                    <a:pt x="1675" y="5348"/>
-                    <a:pt x="1426" y="5599"/>
-                    <a:pt x="1118" y="5599"/>
-                  </a:cubicBezTo>
-                  <a:lnTo>
-                    <a:pt x="0" y="5599"/>
-                  </a:lnTo>
-                  <a:lnTo>
-                    <a:pt x="0" y="6715"/>
-                  </a:lnTo>
-                  <a:lnTo>
-                    <a:pt x="1118" y="6715"/>
-                  </a:lnTo>
-                  <a:cubicBezTo>
-                    <a:pt x="1426" y="6715"/>
-                    <a:pt x="1675" y="6965"/>
-                    <a:pt x="1675" y="7274"/>
-                  </a:cubicBezTo>
-                  <a:lnTo>
-                    <a:pt x="1675" y="15727"/>
-                  </a:lnTo>
-                  <a:lnTo>
-                    <a:pt x="3352" y="15727"/>
-                  </a:lnTo>
-                  <a:lnTo>
-                    <a:pt x="3352" y="7274"/>
-                  </a:lnTo>
-                  <a:cubicBezTo>
-                    <a:pt x="3352" y="6965"/>
-                    <a:pt x="3602" y="6715"/>
-                    <a:pt x="3910" y="6715"/>
-                  </a:cubicBezTo>
-                  <a:lnTo>
-                    <a:pt x="5709" y="6715"/>
-                  </a:lnTo>
-                  <a:lnTo>
-                    <a:pt x="5987" y="5599"/>
-                  </a:lnTo>
-                  <a:lnTo>
-                    <a:pt x="3910" y="5599"/>
-                  </a:lnTo>
-                  <a:cubicBezTo>
-                    <a:pt x="3602" y="5599"/>
-                    <a:pt x="3352" y="5348"/>
-                    <a:pt x="3352" y="5040"/>
-                  </a:cubicBezTo>
-                  <a:lnTo>
-                    <a:pt x="3352" y="3253"/>
-                  </a:lnTo>
-                  <a:cubicBezTo>
-                    <a:pt x="3352" y="2316"/>
-                    <a:pt x="3942" y="1677"/>
-                    <a:pt x="4968" y="1504"/>
-                  </a:cubicBezTo>
-                  <a:cubicBezTo>
-                    <a:pt x="5157" y="1473"/>
-                    <a:pt x="5339" y="1460"/>
-                    <a:pt x="5511" y="1460"/>
-                  </a:cubicBezTo>
-                  <a:cubicBezTo>
-                    <a:pt x="5810" y="1460"/>
-                    <a:pt x="6082" y="1498"/>
-                    <a:pt x="6324" y="1546"/>
-                  </a:cubicBezTo>
-                  <a:lnTo>
-                    <a:pt x="6526" y="182"/>
-                  </a:lnTo>
-                  <a:cubicBezTo>
-                    <a:pt x="5988" y="62"/>
-                    <a:pt x="5468" y="1"/>
-                    <a:pt x="4957" y="1"/>
-                  </a:cubicBezTo>
-                  <a:close/>
-                </a:path>
-              </a:pathLst>
-            </a:custGeom>
-            <a:solidFill>
-              <a:srgbClr val="052643"/>
-            </a:solidFill>
-            <a:ln>
-              <a:noFill/>
-            </a:ln>
-          </p:spPr>
-          <p:style>
-            <a:lnRef idx="0">
-              <a:scrgbClr r="0" g="0" b="0"/>
-            </a:lnRef>
-            <a:fillRef idx="0">
-              <a:scrgbClr r="0" g="0" b="0"/>
-            </a:fillRef>
-            <a:effectRef idx="0">
-              <a:scrgbClr r="0" g="0" b="0"/>
-            </a:effectRef>
-            <a:fontRef idx="minor"/>
-          </p:style>
-        </p:sp>
-        <p:sp>
-          <p:nvSpPr>
-            <p:cNvPr id="281" name="CustomShape 5"/>
-            <p:cNvSpPr/>
-            <p:nvPr/>
-          </p:nvSpPr>
-          <p:spPr>
-            <a:xfrm>
-              <a:off x="4077360" y="3526200"/>
-              <a:ext cx="137160" cy="137160"/>
-            </a:xfrm>
-            <a:custGeom>
-              <a:avLst/>
-              <a:gdLst/>
-              <a:ahLst/>
-              <a:cxnLst/>
-              <a:rect l="l" t="t" r="r" b="b"/>
-              <a:pathLst>
-                <a:path w="19066" h="19065">
-                  <a:moveTo>
-                    <a:pt x="2794" y="0"/>
-                  </a:moveTo>
-                  <a:cubicBezTo>
-                    <a:pt x="1255" y="0"/>
-                    <a:pt x="1" y="1253"/>
-                    <a:pt x="1" y="2793"/>
-                  </a:cubicBezTo>
-                  <a:lnTo>
-                    <a:pt x="1" y="16271"/>
-                  </a:lnTo>
-                  <a:cubicBezTo>
-                    <a:pt x="1" y="17812"/>
-                    <a:pt x="1255" y="19065"/>
-                    <a:pt x="2794" y="19065"/>
-                  </a:cubicBezTo>
-                  <a:lnTo>
-                    <a:pt x="9571" y="19065"/>
-                  </a:lnTo>
-                  <a:lnTo>
-                    <a:pt x="9571" y="11171"/>
-                  </a:lnTo>
-                  <a:lnTo>
-                    <a:pt x="8453" y="11171"/>
-                  </a:lnTo>
-                  <a:cubicBezTo>
-                    <a:pt x="8145" y="11171"/>
-                    <a:pt x="7896" y="10920"/>
-                    <a:pt x="7896" y="10612"/>
-                  </a:cubicBezTo>
-                  <a:lnTo>
-                    <a:pt x="7896" y="8378"/>
-                  </a:lnTo>
-                  <a:cubicBezTo>
-                    <a:pt x="7896" y="8070"/>
-                    <a:pt x="8145" y="7819"/>
-                    <a:pt x="8453" y="7819"/>
-                  </a:cubicBezTo>
-                  <a:lnTo>
-                    <a:pt x="9571" y="7819"/>
-                  </a:lnTo>
-                  <a:lnTo>
-                    <a:pt x="9571" y="5836"/>
-                  </a:lnTo>
-                  <a:cubicBezTo>
-                    <a:pt x="9571" y="3710"/>
-                    <a:pt x="10741" y="2615"/>
-                    <a:pt x="12878" y="2302"/>
-                  </a:cubicBezTo>
-                  <a:cubicBezTo>
-                    <a:pt x="13231" y="2249"/>
-                    <a:pt x="13591" y="2223"/>
-                    <a:pt x="13956" y="2223"/>
-                  </a:cubicBezTo>
-                  <a:cubicBezTo>
-                    <a:pt x="14725" y="2223"/>
-                    <a:pt x="15517" y="2339"/>
-                    <a:pt x="16318" y="2567"/>
-                  </a:cubicBezTo>
-                  <a:cubicBezTo>
-                    <a:pt x="16589" y="2643"/>
-                    <a:pt x="16759" y="2908"/>
-                    <a:pt x="16718" y="3186"/>
-                  </a:cubicBezTo>
-                  <a:lnTo>
-                    <a:pt x="16352" y="5650"/>
-                  </a:lnTo>
-                  <a:cubicBezTo>
-                    <a:pt x="16329" y="5806"/>
-                    <a:pt x="16240" y="5944"/>
-                    <a:pt x="16111" y="6031"/>
-                  </a:cubicBezTo>
-                  <a:cubicBezTo>
-                    <a:pt x="16006" y="6102"/>
-                    <a:pt x="15912" y="6127"/>
-                    <a:pt x="15818" y="6127"/>
-                  </a:cubicBezTo>
-                  <a:cubicBezTo>
-                    <a:pt x="15717" y="6127"/>
-                    <a:pt x="15614" y="6098"/>
-                    <a:pt x="15494" y="6068"/>
-                  </a:cubicBezTo>
-                  <a:cubicBezTo>
-                    <a:pt x="15202" y="5995"/>
-                    <a:pt x="14879" y="5914"/>
-                    <a:pt x="14527" y="5914"/>
-                  </a:cubicBezTo>
-                  <a:cubicBezTo>
-                    <a:pt x="14409" y="5914"/>
-                    <a:pt x="14289" y="5923"/>
-                    <a:pt x="14165" y="5944"/>
-                  </a:cubicBezTo>
-                  <a:cubicBezTo>
-                    <a:pt x="13534" y="6050"/>
-                    <a:pt x="13481" y="6333"/>
-                    <a:pt x="13481" y="6590"/>
-                  </a:cubicBezTo>
-                  <a:lnTo>
-                    <a:pt x="13481" y="7819"/>
-                  </a:lnTo>
-                  <a:lnTo>
-                    <a:pt x="15715" y="7819"/>
-                  </a:lnTo>
-                  <a:cubicBezTo>
-                    <a:pt x="15887" y="7819"/>
-                    <a:pt x="16048" y="7899"/>
-                    <a:pt x="16154" y="8035"/>
-                  </a:cubicBezTo>
-                  <a:cubicBezTo>
-                    <a:pt x="16260" y="8169"/>
-                    <a:pt x="16297" y="8346"/>
-                    <a:pt x="16256" y="8513"/>
-                  </a:cubicBezTo>
-                  <a:lnTo>
-                    <a:pt x="15697" y="10747"/>
-                  </a:lnTo>
-                  <a:cubicBezTo>
-                    <a:pt x="15635" y="10996"/>
-                    <a:pt x="15412" y="11170"/>
-                    <a:pt x="15156" y="11170"/>
-                  </a:cubicBezTo>
-                  <a:lnTo>
-                    <a:pt x="13481" y="11170"/>
-                  </a:lnTo>
-                  <a:lnTo>
-                    <a:pt x="13481" y="19065"/>
-                  </a:lnTo>
-                  <a:lnTo>
-                    <a:pt x="16272" y="19065"/>
-                  </a:lnTo>
-                  <a:cubicBezTo>
-                    <a:pt x="17813" y="19065"/>
-                    <a:pt x="19066" y="17810"/>
-                    <a:pt x="19066" y="16271"/>
-                  </a:cubicBezTo>
-                  <a:lnTo>
-                    <a:pt x="19066" y="2793"/>
-                  </a:lnTo>
-                  <a:cubicBezTo>
-                    <a:pt x="19066" y="1253"/>
-                    <a:pt x="17813" y="0"/>
-                    <a:pt x="16274" y="0"/>
-                  </a:cubicBezTo>
-                  <a:close/>
-                </a:path>
-              </a:pathLst>
-            </a:custGeom>
-            <a:solidFill>
-              <a:srgbClr val="052643"/>
-            </a:solidFill>
-            <a:ln>
-              <a:noFill/>
-            </a:ln>
-          </p:spPr>
-          <p:style>
-            <a:lnRef idx="0">
-              <a:scrgbClr r="0" g="0" b="0"/>
-            </a:lnRef>
-            <a:fillRef idx="0">
-              <a:scrgbClr r="0" g="0" b="0"/>
-            </a:fillRef>
-            <a:effectRef idx="0">
-              <a:scrgbClr r="0" g="0" b="0"/>
-            </a:effectRef>
-            <a:fontRef idx="minor"/>
-          </p:style>
-        </p:sp>
-      </p:grpSp>
-      <p:grpSp>
-        <p:nvGrpSpPr>
-          <p:cNvPr id="282" name="Group 6"/>
-          <p:cNvGrpSpPr/>
-          <p:nvPr/>
-        </p:nvGrpSpPr>
-        <p:grpSpPr>
-          <a:xfrm>
-            <a:off x="4268880" y="3526200"/>
-            <a:ext cx="137160" cy="137160"/>
-            <a:chOff x="4268880" y="3526200"/>
-            <a:chExt cx="137160" cy="137160"/>
-          </a:xfrm>
-        </p:grpSpPr>
-        <p:sp>
-          <p:nvSpPr>
-            <p:cNvPr id="283" name="CustomShape 7"/>
-            <p:cNvSpPr/>
-            <p:nvPr/>
-          </p:nvSpPr>
-          <p:spPr>
-            <a:xfrm>
-              <a:off x="4293360" y="3550680"/>
-              <a:ext cx="88200" cy="88200"/>
-            </a:xfrm>
-            <a:custGeom>
-              <a:avLst/>
-              <a:gdLst/>
-              <a:ahLst/>
-              <a:cxnLst/>
-              <a:rect l="l" t="t" r="r" b="b"/>
-              <a:pathLst>
-                <a:path w="12288" h="12287">
-                  <a:moveTo>
-                    <a:pt x="10053" y="1117"/>
-                  </a:moveTo>
-                  <a:cubicBezTo>
-                    <a:pt x="10669" y="1117"/>
-                    <a:pt x="11171" y="1617"/>
-                    <a:pt x="11171" y="2233"/>
-                  </a:cubicBezTo>
-                  <a:cubicBezTo>
-                    <a:pt x="11170" y="2850"/>
-                    <a:pt x="10669" y="3351"/>
-                    <a:pt x="10053" y="3351"/>
-                  </a:cubicBezTo>
-                  <a:cubicBezTo>
-                    <a:pt x="9438" y="3351"/>
-                    <a:pt x="8937" y="2850"/>
-                    <a:pt x="8937" y="2233"/>
-                  </a:cubicBezTo>
-                  <a:cubicBezTo>
-                    <a:pt x="8937" y="1617"/>
-                    <a:pt x="9438" y="1117"/>
-                    <a:pt x="10053" y="1117"/>
-                  </a:cubicBezTo>
-                  <a:close/>
-                  <a:moveTo>
-                    <a:pt x="6144" y="2233"/>
-                  </a:moveTo>
-                  <a:cubicBezTo>
-                    <a:pt x="8300" y="2233"/>
-                    <a:pt x="10053" y="3988"/>
-                    <a:pt x="10053" y="6144"/>
-                  </a:cubicBezTo>
-                  <a:cubicBezTo>
-                    <a:pt x="10053" y="8299"/>
-                    <a:pt x="8300" y="10054"/>
-                    <a:pt x="6144" y="10054"/>
-                  </a:cubicBezTo>
-                  <a:cubicBezTo>
-                    <a:pt x="3989" y="10054"/>
-                    <a:pt x="2234" y="8299"/>
-                    <a:pt x="2234" y="6144"/>
-                  </a:cubicBezTo>
-                  <a:cubicBezTo>
-                    <a:pt x="2234" y="3988"/>
-                    <a:pt x="3987" y="2233"/>
-                    <a:pt x="6144" y="2233"/>
-                  </a:cubicBezTo>
-                  <a:close/>
-                  <a:moveTo>
-                    <a:pt x="1675" y="1"/>
-                  </a:moveTo>
-                  <a:cubicBezTo>
-                    <a:pt x="752" y="1"/>
-                    <a:pt x="0" y="751"/>
-                    <a:pt x="0" y="1676"/>
-                  </a:cubicBezTo>
-                  <a:lnTo>
-                    <a:pt x="0" y="10611"/>
-                  </a:lnTo>
-                  <a:cubicBezTo>
-                    <a:pt x="0" y="11536"/>
-                    <a:pt x="752" y="12286"/>
-                    <a:pt x="1675" y="12286"/>
-                  </a:cubicBezTo>
-                  <a:lnTo>
-                    <a:pt x="10612" y="12286"/>
-                  </a:lnTo>
-                  <a:cubicBezTo>
-                    <a:pt x="11536" y="12286"/>
-                    <a:pt x="12288" y="11536"/>
-                    <a:pt x="12288" y="10611"/>
-                  </a:cubicBezTo>
-                  <a:lnTo>
-                    <a:pt x="12288" y="1676"/>
-                  </a:lnTo>
-                  <a:cubicBezTo>
-                    <a:pt x="12288" y="752"/>
-                    <a:pt x="11536" y="1"/>
-                    <a:pt x="10612" y="1"/>
-                  </a:cubicBezTo>
-                  <a:close/>
-                </a:path>
-              </a:pathLst>
-            </a:custGeom>
-            <a:solidFill>
-              <a:srgbClr val="052643"/>
-            </a:solidFill>
-            <a:ln>
-              <a:noFill/>
-            </a:ln>
-          </p:spPr>
-          <p:style>
-            <a:lnRef idx="0">
-              <a:scrgbClr r="0" g="0" b="0"/>
-            </a:lnRef>
-            <a:fillRef idx="0">
-              <a:scrgbClr r="0" g="0" b="0"/>
-            </a:fillRef>
-            <a:effectRef idx="0">
-              <a:scrgbClr r="0" g="0" b="0"/>
-            </a:effectRef>
-            <a:fontRef idx="minor"/>
-          </p:style>
-        </p:sp>
-        <p:sp>
-          <p:nvSpPr>
-            <p:cNvPr id="284" name="CustomShape 8"/>
-            <p:cNvSpPr/>
-            <p:nvPr/>
-          </p:nvSpPr>
-          <p:spPr>
-            <a:xfrm>
-              <a:off x="4317480" y="3574800"/>
-              <a:ext cx="39960" cy="39960"/>
-            </a:xfrm>
-            <a:custGeom>
-              <a:avLst/>
-              <a:gdLst/>
-              <a:ahLst/>
-              <a:cxnLst/>
-              <a:rect l="l" t="t" r="r" b="b"/>
-              <a:pathLst>
-                <a:path w="5588" h="5585">
-                  <a:moveTo>
-                    <a:pt x="2794" y="0"/>
-                  </a:moveTo>
-                  <a:cubicBezTo>
-                    <a:pt x="1255" y="0"/>
-                    <a:pt x="1" y="1252"/>
-                    <a:pt x="1" y="2793"/>
-                  </a:cubicBezTo>
-                  <a:cubicBezTo>
-                    <a:pt x="1" y="4332"/>
-                    <a:pt x="1255" y="5585"/>
-                    <a:pt x="2794" y="5585"/>
-                  </a:cubicBezTo>
-                  <a:cubicBezTo>
-                    <a:pt x="4333" y="5585"/>
-                    <a:pt x="5587" y="4332"/>
-                    <a:pt x="5587" y="2793"/>
-                  </a:cubicBezTo>
-                  <a:cubicBezTo>
-                    <a:pt x="5587" y="1252"/>
-                    <a:pt x="4333" y="0"/>
-                    <a:pt x="2794" y="0"/>
-                  </a:cubicBezTo>
-                  <a:close/>
-                </a:path>
-              </a:pathLst>
-            </a:custGeom>
-            <a:solidFill>
-              <a:srgbClr val="052643"/>
-            </a:solidFill>
-            <a:ln>
-              <a:noFill/>
-            </a:ln>
-          </p:spPr>
-          <p:style>
-            <a:lnRef idx="0">
-              <a:scrgbClr r="0" g="0" b="0"/>
-            </a:lnRef>
-            <a:fillRef idx="0">
-              <a:scrgbClr r="0" g="0" b="0"/>
-            </a:fillRef>
-            <a:effectRef idx="0">
-              <a:scrgbClr r="0" g="0" b="0"/>
-            </a:effectRef>
-            <a:fontRef idx="minor"/>
-          </p:style>
-        </p:sp>
-        <p:sp>
-          <p:nvSpPr>
-            <p:cNvPr id="285" name="CustomShape 9"/>
-            <p:cNvSpPr/>
-            <p:nvPr/>
-          </p:nvSpPr>
-          <p:spPr>
-            <a:xfrm>
-              <a:off x="4268880" y="3526200"/>
-              <a:ext cx="137160" cy="137160"/>
-            </a:xfrm>
-            <a:custGeom>
-              <a:avLst/>
-              <a:gdLst/>
-              <a:ahLst/>
-              <a:cxnLst/>
-              <a:rect l="l" t="t" r="r" b="b"/>
-              <a:pathLst>
-                <a:path w="19064" h="19065">
-                  <a:moveTo>
-                    <a:pt x="14000" y="2271"/>
-                  </a:moveTo>
-                  <a:cubicBezTo>
-                    <a:pt x="15539" y="2271"/>
-                    <a:pt x="16794" y="3524"/>
-                    <a:pt x="16794" y="5065"/>
-                  </a:cubicBezTo>
-                  <a:lnTo>
-                    <a:pt x="16794" y="14000"/>
-                  </a:lnTo>
-                  <a:cubicBezTo>
-                    <a:pt x="16794" y="15541"/>
-                    <a:pt x="15539" y="16793"/>
-                    <a:pt x="14000" y="16793"/>
-                  </a:cubicBezTo>
-                  <a:lnTo>
-                    <a:pt x="5063" y="16793"/>
-                  </a:lnTo>
-                  <a:cubicBezTo>
-                    <a:pt x="3524" y="16793"/>
-                    <a:pt x="2272" y="15541"/>
-                    <a:pt x="2272" y="14000"/>
-                  </a:cubicBezTo>
-                  <a:lnTo>
-                    <a:pt x="2272" y="5065"/>
-                  </a:lnTo>
-                  <a:cubicBezTo>
-                    <a:pt x="2272" y="3524"/>
-                    <a:pt x="3524" y="2271"/>
-                    <a:pt x="5063" y="2271"/>
-                  </a:cubicBezTo>
-                  <a:close/>
-                  <a:moveTo>
-                    <a:pt x="2829" y="0"/>
-                  </a:moveTo>
-                  <a:cubicBezTo>
-                    <a:pt x="1290" y="0"/>
-                    <a:pt x="0" y="1290"/>
-                    <a:pt x="0" y="2831"/>
-                  </a:cubicBezTo>
-                  <a:lnTo>
-                    <a:pt x="0" y="16234"/>
-                  </a:lnTo>
-                  <a:cubicBezTo>
-                    <a:pt x="0" y="17775"/>
-                    <a:pt x="1290" y="19065"/>
-                    <a:pt x="2829" y="19065"/>
-                  </a:cubicBezTo>
-                  <a:lnTo>
-                    <a:pt x="16235" y="19065"/>
-                  </a:lnTo>
-                  <a:cubicBezTo>
-                    <a:pt x="17774" y="19065"/>
-                    <a:pt x="19063" y="17775"/>
-                    <a:pt x="19063" y="16234"/>
-                  </a:cubicBezTo>
-                  <a:lnTo>
-                    <a:pt x="19063" y="2831"/>
-                  </a:lnTo>
-                  <a:cubicBezTo>
-                    <a:pt x="19063" y="1290"/>
-                    <a:pt x="17774" y="0"/>
-                    <a:pt x="16235" y="0"/>
-                  </a:cubicBezTo>
-                  <a:close/>
-                </a:path>
-              </a:pathLst>
-            </a:custGeom>
-            <a:solidFill>
-              <a:srgbClr val="052643"/>
-            </a:solidFill>
-            <a:ln>
-              <a:noFill/>
-            </a:ln>
-          </p:spPr>
-          <p:style>
-            <a:lnRef idx="0">
-              <a:scrgbClr r="0" g="0" b="0"/>
-            </a:lnRef>
-            <a:fillRef idx="0">
-              <a:scrgbClr r="0" g="0" b="0"/>
-            </a:fillRef>
-            <a:effectRef idx="0">
-              <a:scrgbClr r="0" g="0" b="0"/>
-            </a:effectRef>
-            <a:fontRef idx="minor"/>
-          </p:style>
-        </p:sp>
-      </p:grpSp>
-      <p:sp>
-        <p:nvSpPr>
-          <p:cNvPr id="286" name="CustomShape 10"/>
+              <a:t>In this project, we have implemented AES algorithm in python and built a system to secure data for online transmission.  In our project we can encrypt text messages, images, voice messages, documents and any other types of files. And also decrypt text messages, images, voice messages, documents and any other types of files with proper keys. Without the right keys, no one can extract any information from the encrypted files. </a:t>
+            </a:r>
+            <a:endParaRPr lang="en-US" sz="1600" b="0" strike="noStrike" spc="-1" dirty="0">
+              <a:latin typeface="Arial"/>
+            </a:endParaRPr>
+          </a:p>
+        </p:txBody>
+      </p:sp>
+      <p:sp>
+        <p:nvSpPr>
+          <p:cNvPr id="276" name="CustomShape 3"/>
           <p:cNvSpPr/>
           <p:nvPr/>
         </p:nvSpPr>
         <p:spPr>
           <a:xfrm>
-            <a:off x="4460760" y="3526200"/>
-            <a:ext cx="168480" cy="137160"/>
+            <a:off x="311760" y="760320"/>
+            <a:ext cx="8520120" cy="360"/>
           </a:xfrm>
           <a:custGeom>
             <a:avLst/>
@@ -14058,174 +12915,22 @@
             <a:cxnLst/>
             <a:rect l="l" t="t" r="r" b="b"/>
             <a:pathLst>
-              <a:path w="19122" h="15596">
+              <a:path w="21600" h="21600">
                 <a:moveTo>
-                  <a:pt x="12981" y="0"/>
+                  <a:pt x="0" y="0"/>
                 </a:moveTo>
-                <a:cubicBezTo>
-                  <a:pt x="12091" y="0"/>
-                  <a:pt x="10821" y="352"/>
-                  <a:pt x="9915" y="1352"/>
-                </a:cubicBezTo>
-                <a:cubicBezTo>
-                  <a:pt x="9203" y="2141"/>
-                  <a:pt x="8847" y="3174"/>
-                  <a:pt x="8856" y="4430"/>
-                </a:cubicBezTo>
-                <a:cubicBezTo>
-                  <a:pt x="6243" y="4110"/>
-                  <a:pt x="4101" y="2933"/>
-                  <a:pt x="2323" y="846"/>
-                </a:cubicBezTo>
-                <a:cubicBezTo>
-                  <a:pt x="2216" y="723"/>
-                  <a:pt x="2064" y="650"/>
-                  <a:pt x="1902" y="650"/>
-                </a:cubicBezTo>
-                <a:cubicBezTo>
-                  <a:pt x="1875" y="650"/>
-                  <a:pt x="1848" y="652"/>
-                  <a:pt x="1820" y="656"/>
-                </a:cubicBezTo>
-                <a:cubicBezTo>
-                  <a:pt x="1631" y="683"/>
-                  <a:pt x="1468" y="805"/>
-                  <a:pt x="1391" y="977"/>
-                </a:cubicBezTo>
-                <a:cubicBezTo>
-                  <a:pt x="695" y="2512"/>
-                  <a:pt x="701" y="3895"/>
-                  <a:pt x="1403" y="5113"/>
-                </a:cubicBezTo>
-                <a:cubicBezTo>
-                  <a:pt x="1389" y="5111"/>
-                  <a:pt x="1374" y="5111"/>
-                  <a:pt x="1360" y="5111"/>
-                </a:cubicBezTo>
-                <a:cubicBezTo>
-                  <a:pt x="1076" y="5111"/>
-                  <a:pt x="803" y="5375"/>
-                  <a:pt x="824" y="5707"/>
-                </a:cubicBezTo>
-                <a:cubicBezTo>
-                  <a:pt x="916" y="7101"/>
-                  <a:pt x="1428" y="8182"/>
-                  <a:pt x="2351" y="8934"/>
-                </a:cubicBezTo>
-                <a:cubicBezTo>
-                  <a:pt x="2176" y="9073"/>
-                  <a:pt x="2102" y="9307"/>
-                  <a:pt x="2164" y="9524"/>
-                </a:cubicBezTo>
-                <a:cubicBezTo>
-                  <a:pt x="2456" y="10535"/>
-                  <a:pt x="3310" y="11633"/>
-                  <a:pt x="4615" y="12155"/>
-                </a:cubicBezTo>
-                <a:cubicBezTo>
-                  <a:pt x="3657" y="12655"/>
-                  <a:pt x="2516" y="12903"/>
-                  <a:pt x="1345" y="12903"/>
-                </a:cubicBezTo>
-                <a:cubicBezTo>
-                  <a:pt x="1111" y="12903"/>
-                  <a:pt x="876" y="12893"/>
-                  <a:pt x="641" y="12873"/>
-                </a:cubicBezTo>
-                <a:cubicBezTo>
-                  <a:pt x="628" y="12872"/>
-                  <a:pt x="615" y="12872"/>
-                  <a:pt x="603" y="12872"/>
-                </a:cubicBezTo>
-                <a:cubicBezTo>
-                  <a:pt x="362" y="12872"/>
-                  <a:pt x="155" y="13031"/>
-                  <a:pt x="78" y="13266"/>
-                </a:cubicBezTo>
-                <a:cubicBezTo>
-                  <a:pt x="0" y="13512"/>
-                  <a:pt x="113" y="13788"/>
-                  <a:pt x="334" y="13922"/>
-                </a:cubicBezTo>
-                <a:cubicBezTo>
-                  <a:pt x="1162" y="14423"/>
-                  <a:pt x="3243" y="15596"/>
-                  <a:pt x="6294" y="15596"/>
-                </a:cubicBezTo>
-                <a:cubicBezTo>
-                  <a:pt x="14568" y="15596"/>
-                  <a:pt x="17244" y="8279"/>
-                  <a:pt x="17244" y="4736"/>
-                </a:cubicBezTo>
-                <a:cubicBezTo>
-                  <a:pt x="17241" y="4515"/>
-                  <a:pt x="17243" y="4541"/>
-                  <a:pt x="17230" y="4426"/>
-                </a:cubicBezTo>
-                <a:cubicBezTo>
-                  <a:pt x="17250" y="4403"/>
-                  <a:pt x="17326" y="4347"/>
-                  <a:pt x="17386" y="4301"/>
-                </a:cubicBezTo>
-                <a:cubicBezTo>
-                  <a:pt x="17696" y="4067"/>
-                  <a:pt x="18237" y="3680"/>
-                  <a:pt x="18983" y="2590"/>
-                </a:cubicBezTo>
-                <a:cubicBezTo>
-                  <a:pt x="19121" y="2386"/>
-                  <a:pt x="19111" y="2118"/>
-                  <a:pt x="18957" y="1925"/>
-                </a:cubicBezTo>
-                <a:cubicBezTo>
-                  <a:pt x="18840" y="1779"/>
-                  <a:pt x="18708" y="1722"/>
-                  <a:pt x="18558" y="1722"/>
-                </a:cubicBezTo>
-                <a:cubicBezTo>
-                  <a:pt x="18451" y="1722"/>
-                  <a:pt x="18336" y="1751"/>
-                  <a:pt x="18212" y="1799"/>
-                </a:cubicBezTo>
-                <a:cubicBezTo>
-                  <a:pt x="18352" y="1553"/>
-                  <a:pt x="18467" y="1291"/>
-                  <a:pt x="18559" y="1014"/>
-                </a:cubicBezTo>
-                <a:cubicBezTo>
-                  <a:pt x="18631" y="800"/>
-                  <a:pt x="18553" y="614"/>
-                  <a:pt x="18382" y="465"/>
-                </a:cubicBezTo>
-                <a:cubicBezTo>
-                  <a:pt x="18282" y="379"/>
-                  <a:pt x="18151" y="335"/>
-                  <a:pt x="18020" y="335"/>
-                </a:cubicBezTo>
-                <a:cubicBezTo>
-                  <a:pt x="17928" y="335"/>
-                  <a:pt x="17837" y="356"/>
-                  <a:pt x="17754" y="398"/>
-                </a:cubicBezTo>
-                <a:cubicBezTo>
-                  <a:pt x="16848" y="856"/>
-                  <a:pt x="16172" y="1054"/>
-                  <a:pt x="15873" y="1113"/>
-                </a:cubicBezTo>
-                <a:cubicBezTo>
-                  <a:pt x="15090" y="395"/>
-                  <a:pt x="14251" y="0"/>
-                  <a:pt x="12981" y="0"/>
-                </a:cubicBezTo>
-                <a:close/>
+                <a:lnTo>
+                  <a:pt x="21600" y="21600"/>
+                </a:lnTo>
               </a:path>
             </a:pathLst>
           </a:custGeom>
-          <a:solidFill>
-            <a:srgbClr val="052643"/>
-          </a:solidFill>
-          <a:ln>
-            <a:noFill/>
+          <a:noFill/>
+          <a:ln w="9360">
+            <a:solidFill>
+              <a:schemeClr val="accent1"/>
+            </a:solidFill>
+            <a:round/>
           </a:ln>
         </p:spPr>
         <p:style>
@@ -14252,12 +12957,19 @@
         <p:circle/>
       </p:transition>
     </mc:Choice>
-    <mc:Fallback xmlns="" xmlns:p15="http://schemas.microsoft.com/office/powerpoint/2012/main">
+    <mc:Fallback xmlns:p15="http://schemas.microsoft.com/office/powerpoint/2012/main" xmlns="">
       <p:transition spd="med">
         <p:circle/>
       </p:transition>
     </mc:Fallback>
   </mc:AlternateContent>
+  <p:timing>
+    <p:tnLst>
+      <p:par>
+        <p:cTn id="1" dur="indefinite" restart="never" nodeType="tmRoot"/>
+      </p:par>
+    </p:tnLst>
+  </p:timing>
 </p:sld>
 </file>
 
@@ -15160,7 +13872,7 @@
         </p:nvGrpSpPr>
         <p:grpSpPr>
           <a:xfrm>
-            <a:off x="4959585" y="2105118"/>
+            <a:off x="4980133" y="2105118"/>
             <a:ext cx="428915" cy="426116"/>
             <a:chOff x="6226275" y="3911538"/>
             <a:chExt cx="900325" cy="894450"/>
@@ -16611,8 +15323,8 @@
         </p:nvSpPr>
         <p:spPr>
           <a:xfrm>
-            <a:off x="5008380" y="3678698"/>
-            <a:ext cx="418653" cy="447172"/>
+            <a:off x="5020957" y="3723111"/>
+            <a:ext cx="406076" cy="406215"/>
           </a:xfrm>
           <a:prstGeom prst="actionButtonReturn">
             <a:avLst/>
@@ -16694,12 +15406,1166 @@
         <p:circle/>
       </p:transition>
     </mc:Choice>
-    <mc:Fallback xmlns="" xmlns:p15="http://schemas.microsoft.com/office/powerpoint/2012/main">
+    <mc:Fallback xmlns:p15="http://schemas.microsoft.com/office/powerpoint/2012/main" xmlns="">
       <p:transition spd="med">
         <p:circle/>
       </p:transition>
     </mc:Fallback>
   </mc:AlternateContent>
+  <p:timing>
+    <p:tnLst>
+      <p:par>
+        <p:cTn id="1" dur="indefinite" restart="never" nodeType="tmRoot"/>
+      </p:par>
+    </p:tnLst>
+  </p:timing>
+</p:sld>
+</file>
+
+<file path=ppt/slides/slide20.xml><?xml version="1.0" encoding="utf-8"?>
+<p:sld xmlns:a="http://schemas.openxmlformats.org/drawingml/2006/main" xmlns:r="http://schemas.openxmlformats.org/officeDocument/2006/relationships" xmlns:p="http://schemas.openxmlformats.org/presentationml/2006/main">
+  <p:cSld>
+    <p:spTree>
+      <p:nvGrpSpPr>
+        <p:cNvPr id="1" name=""/>
+        <p:cNvGrpSpPr/>
+        <p:nvPr/>
+      </p:nvGrpSpPr>
+      <p:grpSpPr>
+        <a:xfrm>
+          <a:off x="0" y="0"/>
+          <a:ext cx="0" cy="0"/>
+          <a:chOff x="0" y="0"/>
+          <a:chExt cx="0" cy="0"/>
+        </a:xfrm>
+      </p:grpSpPr>
+      <p:sp>
+        <p:nvSpPr>
+          <p:cNvPr id="277" name="TextShape 1"/>
+          <p:cNvSpPr txBox="1"/>
+          <p:nvPr/>
+        </p:nvSpPr>
+        <p:spPr>
+          <a:xfrm>
+            <a:off x="3986640" y="1429200"/>
+            <a:ext cx="3577680" cy="606240"/>
+          </a:xfrm>
+          <a:prstGeom prst="rect">
+            <a:avLst/>
+          </a:prstGeom>
+          <a:noFill/>
+          <a:ln>
+            <a:noFill/>
+          </a:ln>
+        </p:spPr>
+        <p:txBody>
+          <a:bodyPr tIns="91440" bIns="91440" anchor="b">
+            <a:noAutofit/>
+          </a:bodyPr>
+          <a:lstStyle/>
+          <a:p>
+            <a:pPr>
+              <a:lnSpc>
+                <a:spcPct val="100000"/>
+              </a:lnSpc>
+              <a:tabLst>
+                <a:tab pos="0" algn="l"/>
+              </a:tabLst>
+            </a:pPr>
+            <a:r>
+              <a:rPr lang="es" sz="3000" b="0" strike="noStrike" spc="-1">
+                <a:solidFill>
+                  <a:srgbClr val="0E2A47"/>
+                </a:solidFill>
+                <a:latin typeface="Roboto Black"/>
+                <a:ea typeface="Roboto Black"/>
+              </a:rPr>
+              <a:t>THANKS!</a:t>
+            </a:r>
+            <a:endParaRPr lang="en-US" sz="3000" b="0" strike="noStrike" spc="-1">
+              <a:solidFill>
+                <a:srgbClr val="000000"/>
+              </a:solidFill>
+              <a:latin typeface="Arial"/>
+            </a:endParaRPr>
+          </a:p>
+        </p:txBody>
+      </p:sp>
+      <p:sp>
+        <p:nvSpPr>
+          <p:cNvPr id="278" name="TextShape 2"/>
+          <p:cNvSpPr txBox="1"/>
+          <p:nvPr/>
+        </p:nvSpPr>
+        <p:spPr>
+          <a:xfrm>
+            <a:off x="3986640" y="2510208"/>
+            <a:ext cx="4470480" cy="1877040"/>
+          </a:xfrm>
+          <a:prstGeom prst="rect">
+            <a:avLst/>
+          </a:prstGeom>
+          <a:noFill/>
+          <a:ln>
+            <a:noFill/>
+          </a:ln>
+        </p:spPr>
+        <p:txBody>
+          <a:bodyPr tIns="91440" bIns="91440">
+            <a:noAutofit/>
+          </a:bodyPr>
+          <a:lstStyle/>
+          <a:p>
+            <a:pPr>
+              <a:lnSpc>
+                <a:spcPct val="100000"/>
+              </a:lnSpc>
+              <a:tabLst>
+                <a:tab pos="0" algn="l"/>
+              </a:tabLst>
+            </a:pPr>
+            <a:r>
+              <a:rPr lang="es" sz="1050" b="0" strike="noStrike" spc="-1" dirty="0" smtClean="0">
+                <a:solidFill>
+                  <a:srgbClr val="0E2A47"/>
+                </a:solidFill>
+                <a:latin typeface="Roboto Light"/>
+                <a:ea typeface="Roboto Light"/>
+              </a:rPr>
+              <a:t>Do you have </a:t>
+            </a:r>
+            <a:r>
+              <a:rPr lang="es" sz="1050" b="0" strike="noStrike" spc="-1" dirty="0">
+                <a:solidFill>
+                  <a:srgbClr val="0E2A47"/>
+                </a:solidFill>
+                <a:latin typeface="Roboto Light"/>
+                <a:ea typeface="Roboto Light"/>
+              </a:rPr>
+              <a:t>any question</a:t>
+            </a:r>
+            <a:r>
+              <a:rPr lang="es" sz="1050" b="0" strike="noStrike" spc="-1" dirty="0" smtClean="0">
+                <a:solidFill>
+                  <a:srgbClr val="0E2A47"/>
+                </a:solidFill>
+                <a:latin typeface="Roboto Light"/>
+                <a:ea typeface="Roboto Light"/>
+              </a:rPr>
+              <a:t>?</a:t>
+            </a:r>
+            <a:endParaRPr lang="en-US" sz="1050" b="0" strike="noStrike" spc="-1" dirty="0">
+              <a:latin typeface="Arial"/>
+            </a:endParaRPr>
+          </a:p>
+          <a:p>
+            <a:pPr>
+              <a:lnSpc>
+                <a:spcPct val="100000"/>
+              </a:lnSpc>
+              <a:tabLst>
+                <a:tab pos="0" algn="l"/>
+              </a:tabLst>
+            </a:pPr>
+            <a:endParaRPr lang="en-US" sz="1050" b="0" strike="noStrike" spc="-1" dirty="0">
+              <a:latin typeface="Arial"/>
+            </a:endParaRPr>
+          </a:p>
+          <a:p>
+            <a:pPr>
+              <a:lnSpc>
+                <a:spcPct val="100000"/>
+              </a:lnSpc>
+              <a:tabLst>
+                <a:tab pos="0" algn="l"/>
+              </a:tabLst>
+            </a:pPr>
+            <a:r>
+              <a:rPr lang="es" sz="1050" b="0" strike="noStrike" spc="-1" dirty="0">
+                <a:solidFill>
+                  <a:srgbClr val="0E2A47"/>
+                </a:solidFill>
+                <a:latin typeface="Roboto Light"/>
+                <a:ea typeface="Roboto Light"/>
+              </a:rPr>
+              <a:t>Contact:</a:t>
+            </a:r>
+            <a:r>
+              <a:rPr lang="es" sz="1050" b="0" u="sng" strike="noStrike" spc="-1" dirty="0">
+                <a:solidFill>
+                  <a:srgbClr val="48FFD5"/>
+                </a:solidFill>
+                <a:uFillTx/>
+                <a:latin typeface="Roboto Light"/>
+                <a:ea typeface="Roboto Light"/>
+                <a:hlinkClick r:id="rId2"/>
+              </a:rPr>
+              <a:t>dyou</a:t>
+            </a:r>
+            <a:endParaRPr lang="en-US" sz="1050" b="0" strike="noStrike" spc="-1" dirty="0">
+              <a:latin typeface="Arial"/>
+            </a:endParaRPr>
+          </a:p>
+          <a:p>
+            <a:pPr>
+              <a:lnSpc>
+                <a:spcPct val="100000"/>
+              </a:lnSpc>
+              <a:tabLst>
+                <a:tab pos="0" algn="l"/>
+              </a:tabLst>
+            </a:pPr>
+            <a:r>
+              <a:rPr lang="en-US" sz="1050" b="0" strike="noStrike" spc="-1" dirty="0">
+                <a:solidFill>
+                  <a:srgbClr val="0E2A47"/>
+                </a:solidFill>
+                <a:latin typeface="Roboto Light"/>
+                <a:ea typeface="Roboto Light"/>
+              </a:rPr>
+              <a:t>182001422e@eastdelta.edu.bd</a:t>
+            </a:r>
+            <a:r>
+              <a:rPr lang="es" sz="1050" b="0" u="sng" strike="noStrike" spc="-1" dirty="0">
+                <a:solidFill>
+                  <a:srgbClr val="48FFD5"/>
+                </a:solidFill>
+                <a:uFillTx/>
+                <a:latin typeface="Roboto Light"/>
+                <a:ea typeface="Roboto Light"/>
+                <a:hlinkClick r:id="rId2"/>
+              </a:rPr>
+              <a:t>freepik.com</a:t>
+            </a:r>
+            <a:endParaRPr lang="en-US" sz="1050" b="0" strike="noStrike" spc="-1" dirty="0">
+              <a:latin typeface="Arial"/>
+            </a:endParaRPr>
+          </a:p>
+          <a:p>
+            <a:pPr>
+              <a:lnSpc>
+                <a:spcPct val="100000"/>
+              </a:lnSpc>
+              <a:tabLst>
+                <a:tab pos="0" algn="l"/>
+              </a:tabLst>
+            </a:pPr>
+            <a:r>
+              <a:rPr lang="en-US" sz="1050" b="0" strike="noStrike" spc="-1" dirty="0">
+                <a:solidFill>
+                  <a:srgbClr val="0E2A47"/>
+                </a:solidFill>
+                <a:latin typeface="Roboto Light"/>
+                <a:ea typeface="Roboto Light"/>
+              </a:rPr>
+              <a:t>182000422e@eastdelta.edu.bd</a:t>
+            </a:r>
+            <a:endParaRPr lang="en-US" sz="1050" b="0" strike="noStrike" spc="-1" dirty="0">
+              <a:latin typeface="Arial"/>
+            </a:endParaRPr>
+          </a:p>
+        </p:txBody>
+      </p:sp>
+      <p:grpSp>
+        <p:nvGrpSpPr>
+          <p:cNvPr id="279" name="Group 3"/>
+          <p:cNvGrpSpPr/>
+          <p:nvPr/>
+        </p:nvGrpSpPr>
+        <p:grpSpPr>
+          <a:xfrm>
+            <a:off x="4077360" y="3526200"/>
+            <a:ext cx="137160" cy="137160"/>
+            <a:chOff x="4077360" y="3526200"/>
+            <a:chExt cx="137160" cy="137160"/>
+          </a:xfrm>
+        </p:grpSpPr>
+        <p:sp>
+          <p:nvSpPr>
+            <p:cNvPr id="280" name="CustomShape 4"/>
+            <p:cNvSpPr/>
+            <p:nvPr/>
+          </p:nvSpPr>
+          <p:spPr>
+            <a:xfrm>
+              <a:off x="4142160" y="3550320"/>
+              <a:ext cx="46800" cy="113040"/>
+            </a:xfrm>
+            <a:custGeom>
+              <a:avLst/>
+              <a:gdLst/>
+              <a:ahLst/>
+              <a:cxnLst/>
+              <a:rect l="l" t="t" r="r" b="b"/>
+              <a:pathLst>
+                <a:path w="6527" h="15727">
+                  <a:moveTo>
+                    <a:pt x="4957" y="1"/>
+                  </a:moveTo>
+                  <a:cubicBezTo>
+                    <a:pt x="4645" y="1"/>
+                    <a:pt x="4336" y="24"/>
+                    <a:pt x="4028" y="69"/>
+                  </a:cubicBezTo>
+                  <a:cubicBezTo>
+                    <a:pt x="2588" y="280"/>
+                    <a:pt x="1700" y="890"/>
+                    <a:pt x="1675" y="2250"/>
+                  </a:cubicBezTo>
+                  <a:lnTo>
+                    <a:pt x="1675" y="5040"/>
+                  </a:lnTo>
+                  <a:cubicBezTo>
+                    <a:pt x="1675" y="5348"/>
+                    <a:pt x="1426" y="5599"/>
+                    <a:pt x="1118" y="5599"/>
+                  </a:cubicBezTo>
+                  <a:lnTo>
+                    <a:pt x="0" y="5599"/>
+                  </a:lnTo>
+                  <a:lnTo>
+                    <a:pt x="0" y="6715"/>
+                  </a:lnTo>
+                  <a:lnTo>
+                    <a:pt x="1118" y="6715"/>
+                  </a:lnTo>
+                  <a:cubicBezTo>
+                    <a:pt x="1426" y="6715"/>
+                    <a:pt x="1675" y="6965"/>
+                    <a:pt x="1675" y="7274"/>
+                  </a:cubicBezTo>
+                  <a:lnTo>
+                    <a:pt x="1675" y="15727"/>
+                  </a:lnTo>
+                  <a:lnTo>
+                    <a:pt x="3352" y="15727"/>
+                  </a:lnTo>
+                  <a:lnTo>
+                    <a:pt x="3352" y="7274"/>
+                  </a:lnTo>
+                  <a:cubicBezTo>
+                    <a:pt x="3352" y="6965"/>
+                    <a:pt x="3602" y="6715"/>
+                    <a:pt x="3910" y="6715"/>
+                  </a:cubicBezTo>
+                  <a:lnTo>
+                    <a:pt x="5709" y="6715"/>
+                  </a:lnTo>
+                  <a:lnTo>
+                    <a:pt x="5987" y="5599"/>
+                  </a:lnTo>
+                  <a:lnTo>
+                    <a:pt x="3910" y="5599"/>
+                  </a:lnTo>
+                  <a:cubicBezTo>
+                    <a:pt x="3602" y="5599"/>
+                    <a:pt x="3352" y="5348"/>
+                    <a:pt x="3352" y="5040"/>
+                  </a:cubicBezTo>
+                  <a:lnTo>
+                    <a:pt x="3352" y="3253"/>
+                  </a:lnTo>
+                  <a:cubicBezTo>
+                    <a:pt x="3352" y="2316"/>
+                    <a:pt x="3942" y="1677"/>
+                    <a:pt x="4968" y="1504"/>
+                  </a:cubicBezTo>
+                  <a:cubicBezTo>
+                    <a:pt x="5157" y="1473"/>
+                    <a:pt x="5339" y="1460"/>
+                    <a:pt x="5511" y="1460"/>
+                  </a:cubicBezTo>
+                  <a:cubicBezTo>
+                    <a:pt x="5810" y="1460"/>
+                    <a:pt x="6082" y="1498"/>
+                    <a:pt x="6324" y="1546"/>
+                  </a:cubicBezTo>
+                  <a:lnTo>
+                    <a:pt x="6526" y="182"/>
+                  </a:lnTo>
+                  <a:cubicBezTo>
+                    <a:pt x="5988" y="62"/>
+                    <a:pt x="5468" y="1"/>
+                    <a:pt x="4957" y="1"/>
+                  </a:cubicBezTo>
+                  <a:close/>
+                </a:path>
+              </a:pathLst>
+            </a:custGeom>
+            <a:solidFill>
+              <a:srgbClr val="052643"/>
+            </a:solidFill>
+            <a:ln>
+              <a:noFill/>
+            </a:ln>
+          </p:spPr>
+          <p:style>
+            <a:lnRef idx="0">
+              <a:scrgbClr r="0" g="0" b="0"/>
+            </a:lnRef>
+            <a:fillRef idx="0">
+              <a:scrgbClr r="0" g="0" b="0"/>
+            </a:fillRef>
+            <a:effectRef idx="0">
+              <a:scrgbClr r="0" g="0" b="0"/>
+            </a:effectRef>
+            <a:fontRef idx="minor"/>
+          </p:style>
+        </p:sp>
+        <p:sp>
+          <p:nvSpPr>
+            <p:cNvPr id="281" name="CustomShape 5"/>
+            <p:cNvSpPr/>
+            <p:nvPr/>
+          </p:nvSpPr>
+          <p:spPr>
+            <a:xfrm>
+              <a:off x="4077360" y="3526200"/>
+              <a:ext cx="137160" cy="137160"/>
+            </a:xfrm>
+            <a:custGeom>
+              <a:avLst/>
+              <a:gdLst/>
+              <a:ahLst/>
+              <a:cxnLst/>
+              <a:rect l="l" t="t" r="r" b="b"/>
+              <a:pathLst>
+                <a:path w="19066" h="19065">
+                  <a:moveTo>
+                    <a:pt x="2794" y="0"/>
+                  </a:moveTo>
+                  <a:cubicBezTo>
+                    <a:pt x="1255" y="0"/>
+                    <a:pt x="1" y="1253"/>
+                    <a:pt x="1" y="2793"/>
+                  </a:cubicBezTo>
+                  <a:lnTo>
+                    <a:pt x="1" y="16271"/>
+                  </a:lnTo>
+                  <a:cubicBezTo>
+                    <a:pt x="1" y="17812"/>
+                    <a:pt x="1255" y="19065"/>
+                    <a:pt x="2794" y="19065"/>
+                  </a:cubicBezTo>
+                  <a:lnTo>
+                    <a:pt x="9571" y="19065"/>
+                  </a:lnTo>
+                  <a:lnTo>
+                    <a:pt x="9571" y="11171"/>
+                  </a:lnTo>
+                  <a:lnTo>
+                    <a:pt x="8453" y="11171"/>
+                  </a:lnTo>
+                  <a:cubicBezTo>
+                    <a:pt x="8145" y="11171"/>
+                    <a:pt x="7896" y="10920"/>
+                    <a:pt x="7896" y="10612"/>
+                  </a:cubicBezTo>
+                  <a:lnTo>
+                    <a:pt x="7896" y="8378"/>
+                  </a:lnTo>
+                  <a:cubicBezTo>
+                    <a:pt x="7896" y="8070"/>
+                    <a:pt x="8145" y="7819"/>
+                    <a:pt x="8453" y="7819"/>
+                  </a:cubicBezTo>
+                  <a:lnTo>
+                    <a:pt x="9571" y="7819"/>
+                  </a:lnTo>
+                  <a:lnTo>
+                    <a:pt x="9571" y="5836"/>
+                  </a:lnTo>
+                  <a:cubicBezTo>
+                    <a:pt x="9571" y="3710"/>
+                    <a:pt x="10741" y="2615"/>
+                    <a:pt x="12878" y="2302"/>
+                  </a:cubicBezTo>
+                  <a:cubicBezTo>
+                    <a:pt x="13231" y="2249"/>
+                    <a:pt x="13591" y="2223"/>
+                    <a:pt x="13956" y="2223"/>
+                  </a:cubicBezTo>
+                  <a:cubicBezTo>
+                    <a:pt x="14725" y="2223"/>
+                    <a:pt x="15517" y="2339"/>
+                    <a:pt x="16318" y="2567"/>
+                  </a:cubicBezTo>
+                  <a:cubicBezTo>
+                    <a:pt x="16589" y="2643"/>
+                    <a:pt x="16759" y="2908"/>
+                    <a:pt x="16718" y="3186"/>
+                  </a:cubicBezTo>
+                  <a:lnTo>
+                    <a:pt x="16352" y="5650"/>
+                  </a:lnTo>
+                  <a:cubicBezTo>
+                    <a:pt x="16329" y="5806"/>
+                    <a:pt x="16240" y="5944"/>
+                    <a:pt x="16111" y="6031"/>
+                  </a:cubicBezTo>
+                  <a:cubicBezTo>
+                    <a:pt x="16006" y="6102"/>
+                    <a:pt x="15912" y="6127"/>
+                    <a:pt x="15818" y="6127"/>
+                  </a:cubicBezTo>
+                  <a:cubicBezTo>
+                    <a:pt x="15717" y="6127"/>
+                    <a:pt x="15614" y="6098"/>
+                    <a:pt x="15494" y="6068"/>
+                  </a:cubicBezTo>
+                  <a:cubicBezTo>
+                    <a:pt x="15202" y="5995"/>
+                    <a:pt x="14879" y="5914"/>
+                    <a:pt x="14527" y="5914"/>
+                  </a:cubicBezTo>
+                  <a:cubicBezTo>
+                    <a:pt x="14409" y="5914"/>
+                    <a:pt x="14289" y="5923"/>
+                    <a:pt x="14165" y="5944"/>
+                  </a:cubicBezTo>
+                  <a:cubicBezTo>
+                    <a:pt x="13534" y="6050"/>
+                    <a:pt x="13481" y="6333"/>
+                    <a:pt x="13481" y="6590"/>
+                  </a:cubicBezTo>
+                  <a:lnTo>
+                    <a:pt x="13481" y="7819"/>
+                  </a:lnTo>
+                  <a:lnTo>
+                    <a:pt x="15715" y="7819"/>
+                  </a:lnTo>
+                  <a:cubicBezTo>
+                    <a:pt x="15887" y="7819"/>
+                    <a:pt x="16048" y="7899"/>
+                    <a:pt x="16154" y="8035"/>
+                  </a:cubicBezTo>
+                  <a:cubicBezTo>
+                    <a:pt x="16260" y="8169"/>
+                    <a:pt x="16297" y="8346"/>
+                    <a:pt x="16256" y="8513"/>
+                  </a:cubicBezTo>
+                  <a:lnTo>
+                    <a:pt x="15697" y="10747"/>
+                  </a:lnTo>
+                  <a:cubicBezTo>
+                    <a:pt x="15635" y="10996"/>
+                    <a:pt x="15412" y="11170"/>
+                    <a:pt x="15156" y="11170"/>
+                  </a:cubicBezTo>
+                  <a:lnTo>
+                    <a:pt x="13481" y="11170"/>
+                  </a:lnTo>
+                  <a:lnTo>
+                    <a:pt x="13481" y="19065"/>
+                  </a:lnTo>
+                  <a:lnTo>
+                    <a:pt x="16272" y="19065"/>
+                  </a:lnTo>
+                  <a:cubicBezTo>
+                    <a:pt x="17813" y="19065"/>
+                    <a:pt x="19066" y="17810"/>
+                    <a:pt x="19066" y="16271"/>
+                  </a:cubicBezTo>
+                  <a:lnTo>
+                    <a:pt x="19066" y="2793"/>
+                  </a:lnTo>
+                  <a:cubicBezTo>
+                    <a:pt x="19066" y="1253"/>
+                    <a:pt x="17813" y="0"/>
+                    <a:pt x="16274" y="0"/>
+                  </a:cubicBezTo>
+                  <a:close/>
+                </a:path>
+              </a:pathLst>
+            </a:custGeom>
+            <a:solidFill>
+              <a:srgbClr val="052643"/>
+            </a:solidFill>
+            <a:ln>
+              <a:noFill/>
+            </a:ln>
+          </p:spPr>
+          <p:style>
+            <a:lnRef idx="0">
+              <a:scrgbClr r="0" g="0" b="0"/>
+            </a:lnRef>
+            <a:fillRef idx="0">
+              <a:scrgbClr r="0" g="0" b="0"/>
+            </a:fillRef>
+            <a:effectRef idx="0">
+              <a:scrgbClr r="0" g="0" b="0"/>
+            </a:effectRef>
+            <a:fontRef idx="minor"/>
+          </p:style>
+        </p:sp>
+      </p:grpSp>
+      <p:grpSp>
+        <p:nvGrpSpPr>
+          <p:cNvPr id="282" name="Group 6"/>
+          <p:cNvGrpSpPr/>
+          <p:nvPr/>
+        </p:nvGrpSpPr>
+        <p:grpSpPr>
+          <a:xfrm>
+            <a:off x="4268880" y="3526200"/>
+            <a:ext cx="137160" cy="137160"/>
+            <a:chOff x="4268880" y="3526200"/>
+            <a:chExt cx="137160" cy="137160"/>
+          </a:xfrm>
+        </p:grpSpPr>
+        <p:sp>
+          <p:nvSpPr>
+            <p:cNvPr id="283" name="CustomShape 7"/>
+            <p:cNvSpPr/>
+            <p:nvPr/>
+          </p:nvSpPr>
+          <p:spPr>
+            <a:xfrm>
+              <a:off x="4293360" y="3550680"/>
+              <a:ext cx="88200" cy="88200"/>
+            </a:xfrm>
+            <a:custGeom>
+              <a:avLst/>
+              <a:gdLst/>
+              <a:ahLst/>
+              <a:cxnLst/>
+              <a:rect l="l" t="t" r="r" b="b"/>
+              <a:pathLst>
+                <a:path w="12288" h="12287">
+                  <a:moveTo>
+                    <a:pt x="10053" y="1117"/>
+                  </a:moveTo>
+                  <a:cubicBezTo>
+                    <a:pt x="10669" y="1117"/>
+                    <a:pt x="11171" y="1617"/>
+                    <a:pt x="11171" y="2233"/>
+                  </a:cubicBezTo>
+                  <a:cubicBezTo>
+                    <a:pt x="11170" y="2850"/>
+                    <a:pt x="10669" y="3351"/>
+                    <a:pt x="10053" y="3351"/>
+                  </a:cubicBezTo>
+                  <a:cubicBezTo>
+                    <a:pt x="9438" y="3351"/>
+                    <a:pt x="8937" y="2850"/>
+                    <a:pt x="8937" y="2233"/>
+                  </a:cubicBezTo>
+                  <a:cubicBezTo>
+                    <a:pt x="8937" y="1617"/>
+                    <a:pt x="9438" y="1117"/>
+                    <a:pt x="10053" y="1117"/>
+                  </a:cubicBezTo>
+                  <a:close/>
+                  <a:moveTo>
+                    <a:pt x="6144" y="2233"/>
+                  </a:moveTo>
+                  <a:cubicBezTo>
+                    <a:pt x="8300" y="2233"/>
+                    <a:pt x="10053" y="3988"/>
+                    <a:pt x="10053" y="6144"/>
+                  </a:cubicBezTo>
+                  <a:cubicBezTo>
+                    <a:pt x="10053" y="8299"/>
+                    <a:pt x="8300" y="10054"/>
+                    <a:pt x="6144" y="10054"/>
+                  </a:cubicBezTo>
+                  <a:cubicBezTo>
+                    <a:pt x="3989" y="10054"/>
+                    <a:pt x="2234" y="8299"/>
+                    <a:pt x="2234" y="6144"/>
+                  </a:cubicBezTo>
+                  <a:cubicBezTo>
+                    <a:pt x="2234" y="3988"/>
+                    <a:pt x="3987" y="2233"/>
+                    <a:pt x="6144" y="2233"/>
+                  </a:cubicBezTo>
+                  <a:close/>
+                  <a:moveTo>
+                    <a:pt x="1675" y="1"/>
+                  </a:moveTo>
+                  <a:cubicBezTo>
+                    <a:pt x="752" y="1"/>
+                    <a:pt x="0" y="751"/>
+                    <a:pt x="0" y="1676"/>
+                  </a:cubicBezTo>
+                  <a:lnTo>
+                    <a:pt x="0" y="10611"/>
+                  </a:lnTo>
+                  <a:cubicBezTo>
+                    <a:pt x="0" y="11536"/>
+                    <a:pt x="752" y="12286"/>
+                    <a:pt x="1675" y="12286"/>
+                  </a:cubicBezTo>
+                  <a:lnTo>
+                    <a:pt x="10612" y="12286"/>
+                  </a:lnTo>
+                  <a:cubicBezTo>
+                    <a:pt x="11536" y="12286"/>
+                    <a:pt x="12288" y="11536"/>
+                    <a:pt x="12288" y="10611"/>
+                  </a:cubicBezTo>
+                  <a:lnTo>
+                    <a:pt x="12288" y="1676"/>
+                  </a:lnTo>
+                  <a:cubicBezTo>
+                    <a:pt x="12288" y="752"/>
+                    <a:pt x="11536" y="1"/>
+                    <a:pt x="10612" y="1"/>
+                  </a:cubicBezTo>
+                  <a:close/>
+                </a:path>
+              </a:pathLst>
+            </a:custGeom>
+            <a:solidFill>
+              <a:srgbClr val="052643"/>
+            </a:solidFill>
+            <a:ln>
+              <a:noFill/>
+            </a:ln>
+          </p:spPr>
+          <p:style>
+            <a:lnRef idx="0">
+              <a:scrgbClr r="0" g="0" b="0"/>
+            </a:lnRef>
+            <a:fillRef idx="0">
+              <a:scrgbClr r="0" g="0" b="0"/>
+            </a:fillRef>
+            <a:effectRef idx="0">
+              <a:scrgbClr r="0" g="0" b="0"/>
+            </a:effectRef>
+            <a:fontRef idx="minor"/>
+          </p:style>
+        </p:sp>
+        <p:sp>
+          <p:nvSpPr>
+            <p:cNvPr id="284" name="CustomShape 8"/>
+            <p:cNvSpPr/>
+            <p:nvPr/>
+          </p:nvSpPr>
+          <p:spPr>
+            <a:xfrm>
+              <a:off x="4317480" y="3574800"/>
+              <a:ext cx="39960" cy="39960"/>
+            </a:xfrm>
+            <a:custGeom>
+              <a:avLst/>
+              <a:gdLst/>
+              <a:ahLst/>
+              <a:cxnLst/>
+              <a:rect l="l" t="t" r="r" b="b"/>
+              <a:pathLst>
+                <a:path w="5588" h="5585">
+                  <a:moveTo>
+                    <a:pt x="2794" y="0"/>
+                  </a:moveTo>
+                  <a:cubicBezTo>
+                    <a:pt x="1255" y="0"/>
+                    <a:pt x="1" y="1252"/>
+                    <a:pt x="1" y="2793"/>
+                  </a:cubicBezTo>
+                  <a:cubicBezTo>
+                    <a:pt x="1" y="4332"/>
+                    <a:pt x="1255" y="5585"/>
+                    <a:pt x="2794" y="5585"/>
+                  </a:cubicBezTo>
+                  <a:cubicBezTo>
+                    <a:pt x="4333" y="5585"/>
+                    <a:pt x="5587" y="4332"/>
+                    <a:pt x="5587" y="2793"/>
+                  </a:cubicBezTo>
+                  <a:cubicBezTo>
+                    <a:pt x="5587" y="1252"/>
+                    <a:pt x="4333" y="0"/>
+                    <a:pt x="2794" y="0"/>
+                  </a:cubicBezTo>
+                  <a:close/>
+                </a:path>
+              </a:pathLst>
+            </a:custGeom>
+            <a:solidFill>
+              <a:srgbClr val="052643"/>
+            </a:solidFill>
+            <a:ln>
+              <a:noFill/>
+            </a:ln>
+          </p:spPr>
+          <p:style>
+            <a:lnRef idx="0">
+              <a:scrgbClr r="0" g="0" b="0"/>
+            </a:lnRef>
+            <a:fillRef idx="0">
+              <a:scrgbClr r="0" g="0" b="0"/>
+            </a:fillRef>
+            <a:effectRef idx="0">
+              <a:scrgbClr r="0" g="0" b="0"/>
+            </a:effectRef>
+            <a:fontRef idx="minor"/>
+          </p:style>
+        </p:sp>
+        <p:sp>
+          <p:nvSpPr>
+            <p:cNvPr id="285" name="CustomShape 9"/>
+            <p:cNvSpPr/>
+            <p:nvPr/>
+          </p:nvSpPr>
+          <p:spPr>
+            <a:xfrm>
+              <a:off x="4268880" y="3526200"/>
+              <a:ext cx="137160" cy="137160"/>
+            </a:xfrm>
+            <a:custGeom>
+              <a:avLst/>
+              <a:gdLst/>
+              <a:ahLst/>
+              <a:cxnLst/>
+              <a:rect l="l" t="t" r="r" b="b"/>
+              <a:pathLst>
+                <a:path w="19064" h="19065">
+                  <a:moveTo>
+                    <a:pt x="14000" y="2271"/>
+                  </a:moveTo>
+                  <a:cubicBezTo>
+                    <a:pt x="15539" y="2271"/>
+                    <a:pt x="16794" y="3524"/>
+                    <a:pt x="16794" y="5065"/>
+                  </a:cubicBezTo>
+                  <a:lnTo>
+                    <a:pt x="16794" y="14000"/>
+                  </a:lnTo>
+                  <a:cubicBezTo>
+                    <a:pt x="16794" y="15541"/>
+                    <a:pt x="15539" y="16793"/>
+                    <a:pt x="14000" y="16793"/>
+                  </a:cubicBezTo>
+                  <a:lnTo>
+                    <a:pt x="5063" y="16793"/>
+                  </a:lnTo>
+                  <a:cubicBezTo>
+                    <a:pt x="3524" y="16793"/>
+                    <a:pt x="2272" y="15541"/>
+                    <a:pt x="2272" y="14000"/>
+                  </a:cubicBezTo>
+                  <a:lnTo>
+                    <a:pt x="2272" y="5065"/>
+                  </a:lnTo>
+                  <a:cubicBezTo>
+                    <a:pt x="2272" y="3524"/>
+                    <a:pt x="3524" y="2271"/>
+                    <a:pt x="5063" y="2271"/>
+                  </a:cubicBezTo>
+                  <a:close/>
+                  <a:moveTo>
+                    <a:pt x="2829" y="0"/>
+                  </a:moveTo>
+                  <a:cubicBezTo>
+                    <a:pt x="1290" y="0"/>
+                    <a:pt x="0" y="1290"/>
+                    <a:pt x="0" y="2831"/>
+                  </a:cubicBezTo>
+                  <a:lnTo>
+                    <a:pt x="0" y="16234"/>
+                  </a:lnTo>
+                  <a:cubicBezTo>
+                    <a:pt x="0" y="17775"/>
+                    <a:pt x="1290" y="19065"/>
+                    <a:pt x="2829" y="19065"/>
+                  </a:cubicBezTo>
+                  <a:lnTo>
+                    <a:pt x="16235" y="19065"/>
+                  </a:lnTo>
+                  <a:cubicBezTo>
+                    <a:pt x="17774" y="19065"/>
+                    <a:pt x="19063" y="17775"/>
+                    <a:pt x="19063" y="16234"/>
+                  </a:cubicBezTo>
+                  <a:lnTo>
+                    <a:pt x="19063" y="2831"/>
+                  </a:lnTo>
+                  <a:cubicBezTo>
+                    <a:pt x="19063" y="1290"/>
+                    <a:pt x="17774" y="0"/>
+                    <a:pt x="16235" y="0"/>
+                  </a:cubicBezTo>
+                  <a:close/>
+                </a:path>
+              </a:pathLst>
+            </a:custGeom>
+            <a:solidFill>
+              <a:srgbClr val="052643"/>
+            </a:solidFill>
+            <a:ln>
+              <a:noFill/>
+            </a:ln>
+          </p:spPr>
+          <p:style>
+            <a:lnRef idx="0">
+              <a:scrgbClr r="0" g="0" b="0"/>
+            </a:lnRef>
+            <a:fillRef idx="0">
+              <a:scrgbClr r="0" g="0" b="0"/>
+            </a:fillRef>
+            <a:effectRef idx="0">
+              <a:scrgbClr r="0" g="0" b="0"/>
+            </a:effectRef>
+            <a:fontRef idx="minor"/>
+          </p:style>
+        </p:sp>
+      </p:grpSp>
+      <p:sp>
+        <p:nvSpPr>
+          <p:cNvPr id="286" name="CustomShape 10"/>
+          <p:cNvSpPr/>
+          <p:nvPr/>
+        </p:nvSpPr>
+        <p:spPr>
+          <a:xfrm>
+            <a:off x="4460760" y="3526200"/>
+            <a:ext cx="168480" cy="137160"/>
+          </a:xfrm>
+          <a:custGeom>
+            <a:avLst/>
+            <a:gdLst/>
+            <a:ahLst/>
+            <a:cxnLst/>
+            <a:rect l="l" t="t" r="r" b="b"/>
+            <a:pathLst>
+              <a:path w="19122" h="15596">
+                <a:moveTo>
+                  <a:pt x="12981" y="0"/>
+                </a:moveTo>
+                <a:cubicBezTo>
+                  <a:pt x="12091" y="0"/>
+                  <a:pt x="10821" y="352"/>
+                  <a:pt x="9915" y="1352"/>
+                </a:cubicBezTo>
+                <a:cubicBezTo>
+                  <a:pt x="9203" y="2141"/>
+                  <a:pt x="8847" y="3174"/>
+                  <a:pt x="8856" y="4430"/>
+                </a:cubicBezTo>
+                <a:cubicBezTo>
+                  <a:pt x="6243" y="4110"/>
+                  <a:pt x="4101" y="2933"/>
+                  <a:pt x="2323" y="846"/>
+                </a:cubicBezTo>
+                <a:cubicBezTo>
+                  <a:pt x="2216" y="723"/>
+                  <a:pt x="2064" y="650"/>
+                  <a:pt x="1902" y="650"/>
+                </a:cubicBezTo>
+                <a:cubicBezTo>
+                  <a:pt x="1875" y="650"/>
+                  <a:pt x="1848" y="652"/>
+                  <a:pt x="1820" y="656"/>
+                </a:cubicBezTo>
+                <a:cubicBezTo>
+                  <a:pt x="1631" y="683"/>
+                  <a:pt x="1468" y="805"/>
+                  <a:pt x="1391" y="977"/>
+                </a:cubicBezTo>
+                <a:cubicBezTo>
+                  <a:pt x="695" y="2512"/>
+                  <a:pt x="701" y="3895"/>
+                  <a:pt x="1403" y="5113"/>
+                </a:cubicBezTo>
+                <a:cubicBezTo>
+                  <a:pt x="1389" y="5111"/>
+                  <a:pt x="1374" y="5111"/>
+                  <a:pt x="1360" y="5111"/>
+                </a:cubicBezTo>
+                <a:cubicBezTo>
+                  <a:pt x="1076" y="5111"/>
+                  <a:pt x="803" y="5375"/>
+                  <a:pt x="824" y="5707"/>
+                </a:cubicBezTo>
+                <a:cubicBezTo>
+                  <a:pt x="916" y="7101"/>
+                  <a:pt x="1428" y="8182"/>
+                  <a:pt x="2351" y="8934"/>
+                </a:cubicBezTo>
+                <a:cubicBezTo>
+                  <a:pt x="2176" y="9073"/>
+                  <a:pt x="2102" y="9307"/>
+                  <a:pt x="2164" y="9524"/>
+                </a:cubicBezTo>
+                <a:cubicBezTo>
+                  <a:pt x="2456" y="10535"/>
+                  <a:pt x="3310" y="11633"/>
+                  <a:pt x="4615" y="12155"/>
+                </a:cubicBezTo>
+                <a:cubicBezTo>
+                  <a:pt x="3657" y="12655"/>
+                  <a:pt x="2516" y="12903"/>
+                  <a:pt x="1345" y="12903"/>
+                </a:cubicBezTo>
+                <a:cubicBezTo>
+                  <a:pt x="1111" y="12903"/>
+                  <a:pt x="876" y="12893"/>
+                  <a:pt x="641" y="12873"/>
+                </a:cubicBezTo>
+                <a:cubicBezTo>
+                  <a:pt x="628" y="12872"/>
+                  <a:pt x="615" y="12872"/>
+                  <a:pt x="603" y="12872"/>
+                </a:cubicBezTo>
+                <a:cubicBezTo>
+                  <a:pt x="362" y="12872"/>
+                  <a:pt x="155" y="13031"/>
+                  <a:pt x="78" y="13266"/>
+                </a:cubicBezTo>
+                <a:cubicBezTo>
+                  <a:pt x="0" y="13512"/>
+                  <a:pt x="113" y="13788"/>
+                  <a:pt x="334" y="13922"/>
+                </a:cubicBezTo>
+                <a:cubicBezTo>
+                  <a:pt x="1162" y="14423"/>
+                  <a:pt x="3243" y="15596"/>
+                  <a:pt x="6294" y="15596"/>
+                </a:cubicBezTo>
+                <a:cubicBezTo>
+                  <a:pt x="14568" y="15596"/>
+                  <a:pt x="17244" y="8279"/>
+                  <a:pt x="17244" y="4736"/>
+                </a:cubicBezTo>
+                <a:cubicBezTo>
+                  <a:pt x="17241" y="4515"/>
+                  <a:pt x="17243" y="4541"/>
+                  <a:pt x="17230" y="4426"/>
+                </a:cubicBezTo>
+                <a:cubicBezTo>
+                  <a:pt x="17250" y="4403"/>
+                  <a:pt x="17326" y="4347"/>
+                  <a:pt x="17386" y="4301"/>
+                </a:cubicBezTo>
+                <a:cubicBezTo>
+                  <a:pt x="17696" y="4067"/>
+                  <a:pt x="18237" y="3680"/>
+                  <a:pt x="18983" y="2590"/>
+                </a:cubicBezTo>
+                <a:cubicBezTo>
+                  <a:pt x="19121" y="2386"/>
+                  <a:pt x="19111" y="2118"/>
+                  <a:pt x="18957" y="1925"/>
+                </a:cubicBezTo>
+                <a:cubicBezTo>
+                  <a:pt x="18840" y="1779"/>
+                  <a:pt x="18708" y="1722"/>
+                  <a:pt x="18558" y="1722"/>
+                </a:cubicBezTo>
+                <a:cubicBezTo>
+                  <a:pt x="18451" y="1722"/>
+                  <a:pt x="18336" y="1751"/>
+                  <a:pt x="18212" y="1799"/>
+                </a:cubicBezTo>
+                <a:cubicBezTo>
+                  <a:pt x="18352" y="1553"/>
+                  <a:pt x="18467" y="1291"/>
+                  <a:pt x="18559" y="1014"/>
+                </a:cubicBezTo>
+                <a:cubicBezTo>
+                  <a:pt x="18631" y="800"/>
+                  <a:pt x="18553" y="614"/>
+                  <a:pt x="18382" y="465"/>
+                </a:cubicBezTo>
+                <a:cubicBezTo>
+                  <a:pt x="18282" y="379"/>
+                  <a:pt x="18151" y="335"/>
+                  <a:pt x="18020" y="335"/>
+                </a:cubicBezTo>
+                <a:cubicBezTo>
+                  <a:pt x="17928" y="335"/>
+                  <a:pt x="17837" y="356"/>
+                  <a:pt x="17754" y="398"/>
+                </a:cubicBezTo>
+                <a:cubicBezTo>
+                  <a:pt x="16848" y="856"/>
+                  <a:pt x="16172" y="1054"/>
+                  <a:pt x="15873" y="1113"/>
+                </a:cubicBezTo>
+                <a:cubicBezTo>
+                  <a:pt x="15090" y="395"/>
+                  <a:pt x="14251" y="0"/>
+                  <a:pt x="12981" y="0"/>
+                </a:cubicBezTo>
+                <a:close/>
+              </a:path>
+            </a:pathLst>
+          </a:custGeom>
+          <a:solidFill>
+            <a:srgbClr val="052643"/>
+          </a:solidFill>
+          <a:ln>
+            <a:noFill/>
+          </a:ln>
+        </p:spPr>
+        <p:style>
+          <a:lnRef idx="0">
+            <a:scrgbClr r="0" g="0" b="0"/>
+          </a:lnRef>
+          <a:fillRef idx="0">
+            <a:scrgbClr r="0" g="0" b="0"/>
+          </a:fillRef>
+          <a:effectRef idx="0">
+            <a:scrgbClr r="0" g="0" b="0"/>
+          </a:effectRef>
+          <a:fontRef idx="minor"/>
+        </p:style>
+      </p:sp>
+      <p:pic>
+        <p:nvPicPr>
+          <p:cNvPr id="2" name="Picture 1"/>
+          <p:cNvPicPr>
+            <a:picLocks noChangeAspect="1"/>
+          </p:cNvPicPr>
+          <p:nvPr/>
+        </p:nvPicPr>
+        <p:blipFill>
+          <a:blip r:embed="rId3">
+            <a:extLst>
+              <a:ext uri="{28A0092B-C50C-407E-A947-70E740481C1C}">
+                <a14:useLocalDpi xmlns:a14="http://schemas.microsoft.com/office/drawing/2010/main" val="0"/>
+              </a:ext>
+            </a:extLst>
+          </a:blip>
+          <a:stretch>
+            <a:fillRect/>
+          </a:stretch>
+        </p:blipFill>
+        <p:spPr>
+          <a:xfrm>
+            <a:off x="-70197" y="2034046"/>
+            <a:ext cx="3905510" cy="1952755"/>
+          </a:xfrm>
+          <a:prstGeom prst="rect">
+            <a:avLst/>
+          </a:prstGeom>
+        </p:spPr>
+      </p:pic>
+    </p:spTree>
+  </p:cSld>
+  <p:clrMapOvr>
+    <a:masterClrMapping/>
+  </p:clrMapOvr>
+  <mc:AlternateContent xmlns:mc="http://schemas.openxmlformats.org/markup-compatibility/2006" xmlns:p14="http://schemas.microsoft.com/office/powerpoint/2010/main">
+    <mc:Choice Requires="p14">
+      <p:transition spd="slow" p14:dur="800">
+        <p:circle/>
+      </p:transition>
+    </mc:Choice>
+    <mc:Fallback xmlns:p15="http://schemas.microsoft.com/office/powerpoint/2012/main" xmlns="">
+      <p:transition spd="med">
+        <p:circle/>
+      </p:transition>
+    </mc:Fallback>
+  </mc:AlternateContent>
+  <p:timing>
+    <p:tnLst>
+      <p:par>
+        <p:cTn id="1" dur="indefinite" restart="never" nodeType="tmRoot"/>
+      </p:par>
+    </p:tnLst>
+  </p:timing>
 </p:sld>
 </file>
 
@@ -17057,6 +16923,388 @@
           <a:fontRef idx="minor"/>
         </p:style>
       </p:sp>
+      <p:pic>
+        <p:nvPicPr>
+          <p:cNvPr id="3" name="Picture 2"/>
+          <p:cNvPicPr>
+            <a:picLocks noChangeAspect="1"/>
+          </p:cNvPicPr>
+          <p:nvPr/>
+        </p:nvPicPr>
+        <p:blipFill>
+          <a:blip r:embed="rId2">
+            <a:extLst>
+              <a:ext uri="{28A0092B-C50C-407E-A947-70E740481C1C}">
+                <a14:useLocalDpi xmlns:a14="http://schemas.microsoft.com/office/drawing/2010/main" val="0"/>
+              </a:ext>
+            </a:extLst>
+          </a:blip>
+          <a:stretch>
+            <a:fillRect/>
+          </a:stretch>
+        </p:blipFill>
+        <p:spPr>
+          <a:xfrm>
+            <a:off x="5505812" y="1761203"/>
+            <a:ext cx="2857500" cy="2476500"/>
+          </a:xfrm>
+          <a:prstGeom prst="rect">
+            <a:avLst/>
+          </a:prstGeom>
+        </p:spPr>
+      </p:pic>
+      <p:sp>
+        <p:nvSpPr>
+          <p:cNvPr id="4" name="Donut 3"/>
+          <p:cNvSpPr/>
+          <p:nvPr/>
+        </p:nvSpPr>
+        <p:spPr>
+          <a:xfrm>
+            <a:off x="756070" y="1160142"/>
+            <a:ext cx="250719" cy="280220"/>
+          </a:xfrm>
+          <a:prstGeom prst="donut">
+            <a:avLst/>
+          </a:prstGeom>
+        </p:spPr>
+        <p:style>
+          <a:lnRef idx="2">
+            <a:schemeClr val="accent1">
+              <a:shade val="50000"/>
+            </a:schemeClr>
+          </a:lnRef>
+          <a:fillRef idx="1">
+            <a:schemeClr val="accent1"/>
+          </a:fillRef>
+          <a:effectRef idx="0">
+            <a:schemeClr val="accent1"/>
+          </a:effectRef>
+          <a:fontRef idx="minor">
+            <a:schemeClr val="lt1"/>
+          </a:fontRef>
+        </p:style>
+        <p:txBody>
+          <a:bodyPr rtlCol="0" anchor="ctr"/>
+          <a:lstStyle/>
+          <a:p>
+            <a:pPr algn="ctr"/>
+            <a:endParaRPr lang="en-IN">
+              <a:solidFill>
+                <a:schemeClr val="tx1"/>
+              </a:solidFill>
+            </a:endParaRPr>
+          </a:p>
+        </p:txBody>
+      </p:sp>
+      <p:sp>
+        <p:nvSpPr>
+          <p:cNvPr id="10" name="Donut 9"/>
+          <p:cNvSpPr/>
+          <p:nvPr/>
+        </p:nvSpPr>
+        <p:spPr>
+          <a:xfrm>
+            <a:off x="756070" y="1573611"/>
+            <a:ext cx="250719" cy="280220"/>
+          </a:xfrm>
+          <a:prstGeom prst="donut">
+            <a:avLst/>
+          </a:prstGeom>
+        </p:spPr>
+        <p:style>
+          <a:lnRef idx="2">
+            <a:schemeClr val="accent1">
+              <a:shade val="50000"/>
+            </a:schemeClr>
+          </a:lnRef>
+          <a:fillRef idx="1">
+            <a:schemeClr val="accent1"/>
+          </a:fillRef>
+          <a:effectRef idx="0">
+            <a:schemeClr val="accent1"/>
+          </a:effectRef>
+          <a:fontRef idx="minor">
+            <a:schemeClr val="lt1"/>
+          </a:fontRef>
+        </p:style>
+        <p:txBody>
+          <a:bodyPr rtlCol="0" anchor="ctr"/>
+          <a:lstStyle/>
+          <a:p>
+            <a:pPr algn="ctr"/>
+            <a:endParaRPr lang="en-IN">
+              <a:solidFill>
+                <a:schemeClr val="tx1"/>
+              </a:solidFill>
+            </a:endParaRPr>
+          </a:p>
+        </p:txBody>
+      </p:sp>
+      <p:sp>
+        <p:nvSpPr>
+          <p:cNvPr id="11" name="Donut 10"/>
+          <p:cNvSpPr/>
+          <p:nvPr/>
+        </p:nvSpPr>
+        <p:spPr>
+          <a:xfrm>
+            <a:off x="756069" y="1984781"/>
+            <a:ext cx="250719" cy="280220"/>
+          </a:xfrm>
+          <a:prstGeom prst="donut">
+            <a:avLst/>
+          </a:prstGeom>
+        </p:spPr>
+        <p:style>
+          <a:lnRef idx="2">
+            <a:schemeClr val="accent1">
+              <a:shade val="50000"/>
+            </a:schemeClr>
+          </a:lnRef>
+          <a:fillRef idx="1">
+            <a:schemeClr val="accent1"/>
+          </a:fillRef>
+          <a:effectRef idx="0">
+            <a:schemeClr val="accent1"/>
+          </a:effectRef>
+          <a:fontRef idx="minor">
+            <a:schemeClr val="lt1"/>
+          </a:fontRef>
+        </p:style>
+        <p:txBody>
+          <a:bodyPr rtlCol="0" anchor="ctr"/>
+          <a:lstStyle/>
+          <a:p>
+            <a:pPr algn="ctr"/>
+            <a:endParaRPr lang="en-IN">
+              <a:solidFill>
+                <a:schemeClr val="tx1"/>
+              </a:solidFill>
+            </a:endParaRPr>
+          </a:p>
+        </p:txBody>
+      </p:sp>
+      <p:sp>
+        <p:nvSpPr>
+          <p:cNvPr id="12" name="Donut 11"/>
+          <p:cNvSpPr/>
+          <p:nvPr/>
+        </p:nvSpPr>
+        <p:spPr>
+          <a:xfrm>
+            <a:off x="756068" y="2424457"/>
+            <a:ext cx="250719" cy="280220"/>
+          </a:xfrm>
+          <a:prstGeom prst="donut">
+            <a:avLst/>
+          </a:prstGeom>
+        </p:spPr>
+        <p:style>
+          <a:lnRef idx="2">
+            <a:schemeClr val="accent1">
+              <a:shade val="50000"/>
+            </a:schemeClr>
+          </a:lnRef>
+          <a:fillRef idx="1">
+            <a:schemeClr val="accent1"/>
+          </a:fillRef>
+          <a:effectRef idx="0">
+            <a:schemeClr val="accent1"/>
+          </a:effectRef>
+          <a:fontRef idx="minor">
+            <a:schemeClr val="lt1"/>
+          </a:fontRef>
+        </p:style>
+        <p:txBody>
+          <a:bodyPr rtlCol="0" anchor="ctr"/>
+          <a:lstStyle/>
+          <a:p>
+            <a:pPr algn="ctr"/>
+            <a:endParaRPr lang="en-IN">
+              <a:solidFill>
+                <a:schemeClr val="tx1"/>
+              </a:solidFill>
+            </a:endParaRPr>
+          </a:p>
+        </p:txBody>
+      </p:sp>
+      <p:sp>
+        <p:nvSpPr>
+          <p:cNvPr id="13" name="Donut 12"/>
+          <p:cNvSpPr/>
+          <p:nvPr/>
+        </p:nvSpPr>
+        <p:spPr>
+          <a:xfrm>
+            <a:off x="756068" y="2843043"/>
+            <a:ext cx="250719" cy="280220"/>
+          </a:xfrm>
+          <a:prstGeom prst="donut">
+            <a:avLst/>
+          </a:prstGeom>
+        </p:spPr>
+        <p:style>
+          <a:lnRef idx="2">
+            <a:schemeClr val="accent1">
+              <a:shade val="50000"/>
+            </a:schemeClr>
+          </a:lnRef>
+          <a:fillRef idx="1">
+            <a:schemeClr val="accent1"/>
+          </a:fillRef>
+          <a:effectRef idx="0">
+            <a:schemeClr val="accent1"/>
+          </a:effectRef>
+          <a:fontRef idx="minor">
+            <a:schemeClr val="lt1"/>
+          </a:fontRef>
+        </p:style>
+        <p:txBody>
+          <a:bodyPr rtlCol="0" anchor="ctr"/>
+          <a:lstStyle/>
+          <a:p>
+            <a:pPr algn="ctr"/>
+            <a:endParaRPr lang="en-IN">
+              <a:solidFill>
+                <a:schemeClr val="tx1"/>
+              </a:solidFill>
+            </a:endParaRPr>
+          </a:p>
+        </p:txBody>
+      </p:sp>
+      <p:sp>
+        <p:nvSpPr>
+          <p:cNvPr id="14" name="Donut 13"/>
+          <p:cNvSpPr/>
+          <p:nvPr/>
+        </p:nvSpPr>
+        <p:spPr>
+          <a:xfrm>
+            <a:off x="756068" y="3274422"/>
+            <a:ext cx="250719" cy="280220"/>
+          </a:xfrm>
+          <a:prstGeom prst="donut">
+            <a:avLst/>
+          </a:prstGeom>
+        </p:spPr>
+        <p:style>
+          <a:lnRef idx="2">
+            <a:schemeClr val="accent1">
+              <a:shade val="50000"/>
+            </a:schemeClr>
+          </a:lnRef>
+          <a:fillRef idx="1">
+            <a:schemeClr val="accent1"/>
+          </a:fillRef>
+          <a:effectRef idx="0">
+            <a:schemeClr val="accent1"/>
+          </a:effectRef>
+          <a:fontRef idx="minor">
+            <a:schemeClr val="lt1"/>
+          </a:fontRef>
+        </p:style>
+        <p:txBody>
+          <a:bodyPr rtlCol="0" anchor="ctr"/>
+          <a:lstStyle/>
+          <a:p>
+            <a:pPr algn="ctr"/>
+            <a:endParaRPr lang="en-IN">
+              <a:solidFill>
+                <a:schemeClr val="tx1"/>
+              </a:solidFill>
+            </a:endParaRPr>
+          </a:p>
+        </p:txBody>
+      </p:sp>
+      <p:sp>
+        <p:nvSpPr>
+          <p:cNvPr id="15" name="Donut 14"/>
+          <p:cNvSpPr/>
+          <p:nvPr/>
+        </p:nvSpPr>
+        <p:spPr>
+          <a:xfrm>
+            <a:off x="756067" y="3707702"/>
+            <a:ext cx="250719" cy="280220"/>
+          </a:xfrm>
+          <a:prstGeom prst="donut">
+            <a:avLst/>
+          </a:prstGeom>
+        </p:spPr>
+        <p:style>
+          <a:lnRef idx="2">
+            <a:schemeClr val="accent1">
+              <a:shade val="50000"/>
+            </a:schemeClr>
+          </a:lnRef>
+          <a:fillRef idx="1">
+            <a:schemeClr val="accent1"/>
+          </a:fillRef>
+          <a:effectRef idx="0">
+            <a:schemeClr val="accent1"/>
+          </a:effectRef>
+          <a:fontRef idx="minor">
+            <a:schemeClr val="lt1"/>
+          </a:fontRef>
+        </p:style>
+        <p:txBody>
+          <a:bodyPr rtlCol="0" anchor="ctr"/>
+          <a:lstStyle/>
+          <a:p>
+            <a:pPr algn="ctr"/>
+            <a:endParaRPr lang="en-IN">
+              <a:solidFill>
+                <a:schemeClr val="tx1"/>
+              </a:solidFill>
+            </a:endParaRPr>
+          </a:p>
+        </p:txBody>
+      </p:sp>
+      <p:sp>
+        <p:nvSpPr>
+          <p:cNvPr id="16" name="Donut 15"/>
+          <p:cNvSpPr/>
+          <p:nvPr/>
+        </p:nvSpPr>
+        <p:spPr>
+          <a:xfrm>
+            <a:off x="756067" y="4139081"/>
+            <a:ext cx="250719" cy="280220"/>
+          </a:xfrm>
+          <a:prstGeom prst="donut">
+            <a:avLst/>
+          </a:prstGeom>
+        </p:spPr>
+        <p:style>
+          <a:lnRef idx="2">
+            <a:schemeClr val="accent1">
+              <a:shade val="50000"/>
+            </a:schemeClr>
+          </a:lnRef>
+          <a:fillRef idx="1">
+            <a:schemeClr val="accent1"/>
+          </a:fillRef>
+          <a:effectRef idx="0">
+            <a:schemeClr val="accent1"/>
+          </a:effectRef>
+          <a:fontRef idx="minor">
+            <a:schemeClr val="lt1"/>
+          </a:fontRef>
+        </p:style>
+        <p:txBody>
+          <a:bodyPr rtlCol="0" anchor="ctr"/>
+          <a:lstStyle/>
+          <a:p>
+            <a:pPr algn="ctr"/>
+            <a:endParaRPr lang="en-IN">
+              <a:solidFill>
+                <a:schemeClr val="tx1"/>
+              </a:solidFill>
+            </a:endParaRPr>
+          </a:p>
+        </p:txBody>
+      </p:sp>
     </p:spTree>
   </p:cSld>
   <p:clrMapOvr>
@@ -17068,12 +17316,19 @@
         <p:circle/>
       </p:transition>
     </mc:Choice>
-    <mc:Fallback xmlns="" xmlns:p15="http://schemas.microsoft.com/office/powerpoint/2012/main">
+    <mc:Fallback xmlns:p15="http://schemas.microsoft.com/office/powerpoint/2012/main" xmlns="">
       <p:transition spd="med">
         <p:circle/>
       </p:transition>
     </mc:Fallback>
   </mc:AlternateContent>
+  <p:timing>
+    <p:tnLst>
+      <p:par>
+        <p:cTn id="1" dur="indefinite" restart="never" nodeType="tmRoot"/>
+      </p:par>
+    </p:tnLst>
+  </p:timing>
 </p:sld>
 </file>
 
@@ -17252,6 +17507,36 @@
           <a:fontRef idx="minor"/>
         </p:style>
       </p:sp>
+      <p:pic>
+        <p:nvPicPr>
+          <p:cNvPr id="2" name="Picture 1"/>
+          <p:cNvPicPr>
+            <a:picLocks noChangeAspect="1"/>
+          </p:cNvPicPr>
+          <p:nvPr/>
+        </p:nvPicPr>
+        <p:blipFill>
+          <a:blip r:embed="rId2">
+            <a:extLst>
+              <a:ext uri="{28A0092B-C50C-407E-A947-70E740481C1C}">
+                <a14:useLocalDpi xmlns:a14="http://schemas.microsoft.com/office/drawing/2010/main" val="0"/>
+              </a:ext>
+            </a:extLst>
+          </a:blip>
+          <a:stretch>
+            <a:fillRect/>
+          </a:stretch>
+        </p:blipFill>
+        <p:spPr>
+          <a:xfrm>
+            <a:off x="5850469" y="1511710"/>
+            <a:ext cx="2857500" cy="2857500"/>
+          </a:xfrm>
+          <a:prstGeom prst="rect">
+            <a:avLst/>
+          </a:prstGeom>
+        </p:spPr>
+      </p:pic>
     </p:spTree>
   </p:cSld>
   <p:clrMapOvr>
@@ -17263,12 +17548,19 @@
         <p:circle/>
       </p:transition>
     </mc:Choice>
-    <mc:Fallback xmlns="" xmlns:p15="http://schemas.microsoft.com/office/powerpoint/2012/main">
+    <mc:Fallback xmlns:p15="http://schemas.microsoft.com/office/powerpoint/2012/main" xmlns="">
       <p:transition spd="med">
         <p:circle/>
       </p:transition>
     </mc:Fallback>
   </mc:AlternateContent>
+  <p:timing>
+    <p:tnLst>
+      <p:par>
+        <p:cTn id="1" dur="indefinite" restart="never" nodeType="tmRoot"/>
+      </p:par>
+    </p:tnLst>
+  </p:timing>
 </p:sld>
 </file>
 
@@ -17600,12 +17892,19 @@
         <p:circle/>
       </p:transition>
     </mc:Choice>
-    <mc:Fallback xmlns="" xmlns:p15="http://schemas.microsoft.com/office/powerpoint/2012/main">
+    <mc:Fallback xmlns:p15="http://schemas.microsoft.com/office/powerpoint/2012/main" xmlns="">
       <p:transition spd="med">
         <p:circle/>
       </p:transition>
     </mc:Fallback>
   </mc:AlternateContent>
+  <p:timing>
+    <p:tnLst>
+      <p:par>
+        <p:cTn id="1" dur="indefinite" restart="never" nodeType="tmRoot"/>
+      </p:par>
+    </p:tnLst>
+  </p:timing>
 </p:sld>
 </file>
 
@@ -18189,12 +18488,19 @@
         <p:circle/>
       </p:transition>
     </mc:Choice>
-    <mc:Fallback xmlns="" xmlns:p15="http://schemas.microsoft.com/office/powerpoint/2012/main">
+    <mc:Fallback xmlns:p15="http://schemas.microsoft.com/office/powerpoint/2012/main" xmlns="">
       <p:transition spd="med">
         <p:circle/>
       </p:transition>
     </mc:Fallback>
   </mc:AlternateContent>
+  <p:timing>
+    <p:tnLst>
+      <p:par>
+        <p:cTn id="1" dur="indefinite" restart="never" nodeType="tmRoot"/>
+      </p:par>
+    </p:tnLst>
+  </p:timing>
 </p:sld>
 </file>
 
@@ -18822,12 +19128,19 @@
         <p:circle/>
       </p:transition>
     </mc:Choice>
-    <mc:Fallback xmlns="" xmlns:p15="http://schemas.microsoft.com/office/powerpoint/2012/main">
+    <mc:Fallback xmlns:p15="http://schemas.microsoft.com/office/powerpoint/2012/main" xmlns="">
       <p:transition spd="med">
         <p:circle/>
       </p:transition>
     </mc:Fallback>
   </mc:AlternateContent>
+  <p:timing>
+    <p:tnLst>
+      <p:par>
+        <p:cTn id="1" dur="indefinite" restart="never" nodeType="tmRoot"/>
+      </p:par>
+    </p:tnLst>
+  </p:timing>
 </p:sld>
 </file>
 
@@ -19265,12 +19578,19 @@
         <p:circle/>
       </p:transition>
     </mc:Choice>
-    <mc:Fallback xmlns="" xmlns:p15="http://schemas.microsoft.com/office/powerpoint/2012/main">
+    <mc:Fallback xmlns:p15="http://schemas.microsoft.com/office/powerpoint/2012/main" xmlns="">
       <p:transition spd="med">
         <p:circle/>
       </p:transition>
     </mc:Fallback>
   </mc:AlternateContent>
+  <p:timing>
+    <p:tnLst>
+      <p:par>
+        <p:cTn id="1" dur="indefinite" restart="never" nodeType="tmRoot"/>
+      </p:par>
+    </p:tnLst>
+  </p:timing>
 </p:sld>
 </file>
 
@@ -19714,12 +20034,19 @@
         <p:circle/>
       </p:transition>
     </mc:Choice>
-    <mc:Fallback xmlns="" xmlns:p15="http://schemas.microsoft.com/office/powerpoint/2012/main">
+    <mc:Fallback xmlns:p15="http://schemas.microsoft.com/office/powerpoint/2012/main" xmlns="">
       <p:transition spd="med">
         <p:circle/>
       </p:transition>
     </mc:Fallback>
   </mc:AlternateContent>
+  <p:timing>
+    <p:tnLst>
+      <p:par>
+        <p:cTn id="1" dur="indefinite" restart="never" nodeType="tmRoot"/>
+      </p:par>
+    </p:tnLst>
+  </p:timing>
 </p:sld>
 </file>
 

--- a/AES Project Presentation.pptx
+++ b/AES Project Presentation.pptx
@@ -9245,7 +9245,7 @@
         <p:spPr>
           <a:xfrm>
             <a:off x="4411246" y="2789170"/>
-            <a:ext cx="2616120" cy="1582200"/>
+            <a:ext cx="2616120" cy="1598984"/>
           </a:xfrm>
           <a:prstGeom prst="rect">
             <a:avLst/>
@@ -9416,7 +9416,17 @@
                 <a:latin typeface="Arial"/>
                 <a:ea typeface="Arial"/>
               </a:rPr>
-              <a:t>ID: 182001422E</a:t>
+              <a:t>ID: </a:t>
+            </a:r>
+            <a:r>
+              <a:rPr lang="en-US" sz="1400" b="0" strike="noStrike" spc="-1" dirty="0" smtClean="0">
+                <a:solidFill>
+                  <a:srgbClr val="EEEEEE"/>
+                </a:solidFill>
+                <a:latin typeface="Arial"/>
+                <a:ea typeface="Arial"/>
+              </a:rPr>
+              <a:t>182000422E</a:t>
             </a:r>
             <a:endParaRPr lang="en-US" sz="1400" b="0" strike="noStrike" spc="-1" dirty="0">
               <a:latin typeface="Arial"/>
@@ -9653,7 +9663,7 @@
         <p:circle/>
       </p:transition>
     </mc:Choice>
-    <mc:Fallback xmlns:p15="http://schemas.microsoft.com/office/powerpoint/2012/main" xmlns="">
+    <mc:Fallback xmlns="" xmlns:p15="http://schemas.microsoft.com/office/powerpoint/2012/main">
       <p:transition spd="med">
         <p:circle/>
       </p:transition>
@@ -10256,7 +10266,7 @@
         <p:circle/>
       </p:transition>
     </mc:Choice>
-    <mc:Fallback xmlns:p15="http://schemas.microsoft.com/office/powerpoint/2012/main" xmlns="">
+    <mc:Fallback xmlns="" xmlns:p15="http://schemas.microsoft.com/office/powerpoint/2012/main">
       <p:transition spd="med">
         <p:circle/>
       </p:transition>
@@ -10755,7 +10765,7 @@
         <p:circle/>
       </p:transition>
     </mc:Choice>
-    <mc:Fallback xmlns:p15="http://schemas.microsoft.com/office/powerpoint/2012/main" xmlns="">
+    <mc:Fallback xmlns="" xmlns:p15="http://schemas.microsoft.com/office/powerpoint/2012/main">
       <p:transition spd="med">
         <p:circle/>
       </p:transition>
@@ -11270,7 +11280,7 @@
         <p:circle/>
       </p:transition>
     </mc:Choice>
-    <mc:Fallback xmlns:p15="http://schemas.microsoft.com/office/powerpoint/2012/main" xmlns="">
+    <mc:Fallback xmlns="" xmlns:p15="http://schemas.microsoft.com/office/powerpoint/2012/main">
       <p:transition spd="med">
         <p:circle/>
       </p:transition>
@@ -11715,7 +11725,7 @@
         <p:circle/>
       </p:transition>
     </mc:Choice>
-    <mc:Fallback xmlns:p15="http://schemas.microsoft.com/office/powerpoint/2012/main" xmlns="">
+    <mc:Fallback xmlns="" xmlns:p15="http://schemas.microsoft.com/office/powerpoint/2012/main">
       <p:transition spd="med">
         <p:circle/>
       </p:transition>
@@ -12067,7 +12077,7 @@
         <p:circle/>
       </p:transition>
     </mc:Choice>
-    <mc:Fallback xmlns:p15="http://schemas.microsoft.com/office/powerpoint/2012/main" xmlns="">
+    <mc:Fallback xmlns="" xmlns:p15="http://schemas.microsoft.com/office/powerpoint/2012/main">
       <p:transition spd="med">
         <p:circle/>
       </p:transition>
@@ -12232,13 +12242,13 @@
   <p:clrMapOvr>
     <a:masterClrMapping/>
   </p:clrMapOvr>
-  <mc:AlternateContent xmlns:mc="http://schemas.openxmlformats.org/markup-compatibility/2006">
-    <mc:Choice xmlns:p14="http://schemas.microsoft.com/office/powerpoint/2010/main" Requires="p14">
+  <mc:AlternateContent xmlns:mc="http://schemas.openxmlformats.org/markup-compatibility/2006" xmlns:p14="http://schemas.microsoft.com/office/powerpoint/2010/main">
+    <mc:Choice Requires="p14">
       <p:transition spd="slow" p14:dur="800">
         <p:circle/>
       </p:transition>
     </mc:Choice>
-    <mc:Fallback>
+    <mc:Fallback xmlns="">
       <p:transition spd="slow">
         <p:circle/>
       </p:transition>
@@ -12404,7 +12414,7 @@
         <p:circle/>
       </p:transition>
     </mc:Choice>
-    <mc:Fallback xmlns:p15="http://schemas.microsoft.com/office/powerpoint/2012/main" xmlns="">
+    <mc:Fallback xmlns="" xmlns:p15="http://schemas.microsoft.com/office/powerpoint/2012/main">
       <p:transition spd="med">
         <p:circle/>
       </p:transition>
@@ -12570,7 +12580,7 @@
         <p:circle/>
       </p:transition>
     </mc:Choice>
-    <mc:Fallback xmlns:p15="http://schemas.microsoft.com/office/powerpoint/2012/main" xmlns="">
+    <mc:Fallback xmlns="" xmlns:p15="http://schemas.microsoft.com/office/powerpoint/2012/main">
       <p:transition spd="med">
         <p:circle/>
       </p:transition>
@@ -12736,7 +12746,7 @@
         <p:circle/>
       </p:transition>
     </mc:Choice>
-    <mc:Fallback xmlns:p15="http://schemas.microsoft.com/office/powerpoint/2012/main" xmlns="">
+    <mc:Fallback xmlns="" xmlns:p15="http://schemas.microsoft.com/office/powerpoint/2012/main">
       <p:transition spd="med">
         <p:circle/>
       </p:transition>
@@ -12957,7 +12967,7 @@
         <p:circle/>
       </p:transition>
     </mc:Choice>
-    <mc:Fallback xmlns:p15="http://schemas.microsoft.com/office/powerpoint/2012/main" xmlns="">
+    <mc:Fallback xmlns="" xmlns:p15="http://schemas.microsoft.com/office/powerpoint/2012/main">
       <p:transition spd="med">
         <p:circle/>
       </p:transition>
@@ -15406,7 +15416,7 @@
         <p:circle/>
       </p:transition>
     </mc:Choice>
-    <mc:Fallback xmlns:p15="http://schemas.microsoft.com/office/powerpoint/2012/main" xmlns="">
+    <mc:Fallback xmlns="" xmlns:p15="http://schemas.microsoft.com/office/powerpoint/2012/main">
       <p:transition spd="med">
         <p:circle/>
       </p:transition>
@@ -16553,7 +16563,7 @@
         <p:circle/>
       </p:transition>
     </mc:Choice>
-    <mc:Fallback xmlns:p15="http://schemas.microsoft.com/office/powerpoint/2012/main" xmlns="">
+    <mc:Fallback xmlns="" xmlns:p15="http://schemas.microsoft.com/office/powerpoint/2012/main">
       <p:transition spd="med">
         <p:circle/>
       </p:transition>
@@ -17316,7 +17326,7 @@
         <p:circle/>
       </p:transition>
     </mc:Choice>
-    <mc:Fallback xmlns:p15="http://schemas.microsoft.com/office/powerpoint/2012/main" xmlns="">
+    <mc:Fallback xmlns="" xmlns:p15="http://schemas.microsoft.com/office/powerpoint/2012/main">
       <p:transition spd="med">
         <p:circle/>
       </p:transition>
@@ -17437,7 +17447,39 @@
                   <a:schemeClr val="bg1"/>
                 </a:solidFill>
               </a:rPr>
-              <a:t>Data is a most important part of our lives. It’s the root of knowledge. But some data in wrong hand can be very dangerous for us. That’s why data security is compulsory. Sometime we need to transfer confidential data through the internet. But internet in full of hackers and eavesdropper.  In That case, the best way to secure data in Cryptography. Cryptography is the way to hide information by encryption and decoding it by decryption. The Advanced Encryption Standard (AES) algorithm, also known as the </a:t>
+              <a:t>Data is a most important part of our lives. It’s the root of knowledge. But some data in wrong hand can be very dangerous for us. That’s why data security is compulsory. Sometime we need to transfer confidential data through the internet. But internet in full of hackers and eavesdropper.  In </a:t>
+            </a:r>
+            <a:r>
+              <a:rPr lang="en-IN" sz="1200" dirty="0" smtClean="0">
+                <a:solidFill>
+                  <a:schemeClr val="bg1"/>
+                </a:solidFill>
+              </a:rPr>
+              <a:t>that </a:t>
+            </a:r>
+            <a:r>
+              <a:rPr lang="en-IN" sz="1200" dirty="0" smtClean="0">
+                <a:solidFill>
+                  <a:schemeClr val="bg1"/>
+                </a:solidFill>
+              </a:rPr>
+              <a:t>case, the best way to secure data </a:t>
+            </a:r>
+            <a:r>
+              <a:rPr lang="en-IN" sz="1200" dirty="0" smtClean="0">
+                <a:solidFill>
+                  <a:schemeClr val="bg1"/>
+                </a:solidFill>
+              </a:rPr>
+              <a:t>is </a:t>
+            </a:r>
+            <a:r>
+              <a:rPr lang="en-IN" sz="1200" dirty="0" smtClean="0">
+                <a:solidFill>
+                  <a:schemeClr val="bg1"/>
+                </a:solidFill>
+              </a:rPr>
+              <a:t>Cryptography. Cryptography is the way to hide information by encryption and decoding it by decryption. The Advanced Encryption Standard (AES) algorithm, also known as the </a:t>
             </a:r>
             <a:r>
               <a:rPr lang="en-IN" sz="1200" dirty="0" err="1" smtClean="0">
@@ -17548,7 +17590,7 @@
         <p:circle/>
       </p:transition>
     </mc:Choice>
-    <mc:Fallback xmlns:p15="http://schemas.microsoft.com/office/powerpoint/2012/main" xmlns="">
+    <mc:Fallback xmlns="" xmlns:p15="http://schemas.microsoft.com/office/powerpoint/2012/main">
       <p:transition spd="med">
         <p:circle/>
       </p:transition>
@@ -17892,7 +17934,7 @@
         <p:circle/>
       </p:transition>
     </mc:Choice>
-    <mc:Fallback xmlns:p15="http://schemas.microsoft.com/office/powerpoint/2012/main" xmlns="">
+    <mc:Fallback xmlns="" xmlns:p15="http://schemas.microsoft.com/office/powerpoint/2012/main">
       <p:transition spd="med">
         <p:circle/>
       </p:transition>
@@ -18488,7 +18530,7 @@
         <p:circle/>
       </p:transition>
     </mc:Choice>
-    <mc:Fallback xmlns:p15="http://schemas.microsoft.com/office/powerpoint/2012/main" xmlns="">
+    <mc:Fallback xmlns="" xmlns:p15="http://schemas.microsoft.com/office/powerpoint/2012/main">
       <p:transition spd="med">
         <p:circle/>
       </p:transition>
@@ -19128,7 +19170,7 @@
         <p:circle/>
       </p:transition>
     </mc:Choice>
-    <mc:Fallback xmlns:p15="http://schemas.microsoft.com/office/powerpoint/2012/main" xmlns="">
+    <mc:Fallback xmlns="" xmlns:p15="http://schemas.microsoft.com/office/powerpoint/2012/main">
       <p:transition spd="med">
         <p:circle/>
       </p:transition>
@@ -19578,7 +19620,7 @@
         <p:circle/>
       </p:transition>
     </mc:Choice>
-    <mc:Fallback xmlns:p15="http://schemas.microsoft.com/office/powerpoint/2012/main" xmlns="">
+    <mc:Fallback xmlns="" xmlns:p15="http://schemas.microsoft.com/office/powerpoint/2012/main">
       <p:transition spd="med">
         <p:circle/>
       </p:transition>
@@ -20034,7 +20076,7 @@
         <p:circle/>
       </p:transition>
     </mc:Choice>
-    <mc:Fallback xmlns:p15="http://schemas.microsoft.com/office/powerpoint/2012/main" xmlns="">
+    <mc:Fallback xmlns="" xmlns:p15="http://schemas.microsoft.com/office/powerpoint/2012/main">
       <p:transition spd="med">
         <p:circle/>
       </p:transition>

--- a/AES Project Presentation.pptx
+++ b/AES Project Presentation.pptx
@@ -26,8 +26,10 @@
     <p:sldId id="270" r:id="rId20"/>
     <p:sldId id="272" r:id="rId21"/>
     <p:sldId id="271" r:id="rId22"/>
-    <p:sldId id="273" r:id="rId23"/>
-    <p:sldId id="274" r:id="rId24"/>
+    <p:sldId id="277" r:id="rId23"/>
+    <p:sldId id="276" r:id="rId24"/>
+    <p:sldId id="273" r:id="rId25"/>
+    <p:sldId id="274" r:id="rId26"/>
   </p:sldIdLst>
   <p:sldSz cx="9144000" cy="5143500" type="screen16x9"/>
   <p:notesSz cx="6858000" cy="9144000"/>
@@ -9663,7 +9665,7 @@
         <p:circle/>
       </p:transition>
     </mc:Choice>
-    <mc:Fallback xmlns="" xmlns:p15="http://schemas.microsoft.com/office/powerpoint/2012/main">
+    <mc:Fallback xmlns:p15="http://schemas.microsoft.com/office/powerpoint/2012/main" xmlns="">
       <p:transition spd="med">
         <p:circle/>
       </p:transition>
@@ -10266,7 +10268,7 @@
         <p:circle/>
       </p:transition>
     </mc:Choice>
-    <mc:Fallback xmlns="" xmlns:p15="http://schemas.microsoft.com/office/powerpoint/2012/main">
+    <mc:Fallback xmlns:p15="http://schemas.microsoft.com/office/powerpoint/2012/main" xmlns="">
       <p:transition spd="med">
         <p:circle/>
       </p:transition>
@@ -10765,7 +10767,7 @@
         <p:circle/>
       </p:transition>
     </mc:Choice>
-    <mc:Fallback xmlns="" xmlns:p15="http://schemas.microsoft.com/office/powerpoint/2012/main">
+    <mc:Fallback xmlns:p15="http://schemas.microsoft.com/office/powerpoint/2012/main" xmlns="">
       <p:transition spd="med">
         <p:circle/>
       </p:transition>
@@ -11280,7 +11282,7 @@
         <p:circle/>
       </p:transition>
     </mc:Choice>
-    <mc:Fallback xmlns="" xmlns:p15="http://schemas.microsoft.com/office/powerpoint/2012/main">
+    <mc:Fallback xmlns:p15="http://schemas.microsoft.com/office/powerpoint/2012/main" xmlns="">
       <p:transition spd="med">
         <p:circle/>
       </p:transition>
@@ -11725,7 +11727,7 @@
         <p:circle/>
       </p:transition>
     </mc:Choice>
-    <mc:Fallback xmlns="" xmlns:p15="http://schemas.microsoft.com/office/powerpoint/2012/main">
+    <mc:Fallback xmlns:p15="http://schemas.microsoft.com/office/powerpoint/2012/main" xmlns="">
       <p:transition spd="med">
         <p:circle/>
       </p:transition>
@@ -12077,7 +12079,7 @@
         <p:circle/>
       </p:transition>
     </mc:Choice>
-    <mc:Fallback xmlns="" xmlns:p15="http://schemas.microsoft.com/office/powerpoint/2012/main">
+    <mc:Fallback xmlns:p15="http://schemas.microsoft.com/office/powerpoint/2012/main" xmlns="">
       <p:transition spd="med">
         <p:circle/>
       </p:transition>
@@ -12414,7 +12416,7 @@
         <p:circle/>
       </p:transition>
     </mc:Choice>
-    <mc:Fallback xmlns="" xmlns:p15="http://schemas.microsoft.com/office/powerpoint/2012/main">
+    <mc:Fallback xmlns:p15="http://schemas.microsoft.com/office/powerpoint/2012/main" xmlns="">
       <p:transition spd="med">
         <p:circle/>
       </p:transition>
@@ -12580,7 +12582,7 @@
         <p:circle/>
       </p:transition>
     </mc:Choice>
-    <mc:Fallback xmlns="" xmlns:p15="http://schemas.microsoft.com/office/powerpoint/2012/main">
+    <mc:Fallback xmlns:p15="http://schemas.microsoft.com/office/powerpoint/2012/main" xmlns="">
       <p:transition spd="med">
         <p:circle/>
       </p:transition>
@@ -12746,7 +12748,7 @@
         <p:circle/>
       </p:transition>
     </mc:Choice>
-    <mc:Fallback xmlns="" xmlns:p15="http://schemas.microsoft.com/office/powerpoint/2012/main">
+    <mc:Fallback xmlns:p15="http://schemas.microsoft.com/office/powerpoint/2012/main" xmlns="">
       <p:transition spd="med">
         <p:circle/>
       </p:transition>
@@ -12779,39 +12781,9 @@
           <a:chExt cx="0" cy="0"/>
         </a:xfrm>
       </p:grpSpPr>
-      <p:pic>
-        <p:nvPicPr>
-          <p:cNvPr id="2" name="Picture 1"/>
-          <p:cNvPicPr>
-            <a:picLocks noChangeAspect="1"/>
-          </p:cNvPicPr>
-          <p:nvPr/>
-        </p:nvPicPr>
-        <p:blipFill>
-          <a:blip r:embed="rId2">
-            <a:extLst>
-              <a:ext uri="{28A0092B-C50C-407E-A947-70E740481C1C}">
-                <a14:useLocalDpi xmlns:a14="http://schemas.microsoft.com/office/drawing/2010/main" val="0"/>
-              </a:ext>
-            </a:extLst>
-          </a:blip>
-          <a:stretch>
-            <a:fillRect/>
-          </a:stretch>
-        </p:blipFill>
-        <p:spPr>
-          <a:xfrm>
-            <a:off x="5127824" y="907800"/>
-            <a:ext cx="3942433" cy="3942433"/>
-          </a:xfrm>
-          <a:prstGeom prst="rect">
-            <a:avLst/>
-          </a:prstGeom>
-        </p:spPr>
-      </p:pic>
-      <p:sp>
-        <p:nvSpPr>
-          <p:cNvPr id="274" name="TextShape 1"/>
+      <p:sp>
+        <p:nvSpPr>
+          <p:cNvPr id="268" name="TextShape 1"/>
           <p:cNvSpPr txBox="1"/>
           <p:nvPr/>
         </p:nvSpPr>
@@ -12847,7 +12819,7 @@
                 <a:latin typeface="Roboto Black"/>
                 <a:ea typeface="Roboto Black"/>
               </a:rPr>
-              <a:t>CONCLUSION</a:t>
+              <a:t>Experimental Results / Examples</a:t>
             </a:r>
             <a:endParaRPr lang="en-US" sz="3000" b="0" strike="noStrike" spc="-1">
               <a:solidFill>
@@ -12860,56 +12832,7 @@
       </p:sp>
       <p:sp>
         <p:nvSpPr>
-          <p:cNvPr id="275" name="TextShape 2"/>
-          <p:cNvSpPr txBox="1"/>
-          <p:nvPr/>
-        </p:nvSpPr>
-        <p:spPr>
-          <a:xfrm>
-            <a:off x="263810" y="1718698"/>
-            <a:ext cx="4853879" cy="2409480"/>
-          </a:xfrm>
-          <a:prstGeom prst="rect">
-            <a:avLst/>
-          </a:prstGeom>
-          <a:noFill/>
-          <a:ln>
-            <a:noFill/>
-          </a:ln>
-        </p:spPr>
-        <p:txBody>
-          <a:bodyPr tIns="91440" bIns="91440">
-            <a:noAutofit/>
-          </a:bodyPr>
-          <a:lstStyle/>
-          <a:p>
-            <a:pPr marL="114480" algn="just">
-              <a:lnSpc>
-                <a:spcPct val="100000"/>
-              </a:lnSpc>
-              <a:tabLst>
-                <a:tab pos="0" algn="l"/>
-              </a:tabLst>
-            </a:pPr>
-            <a:r>
-              <a:rPr lang="en-IN" sz="1600" b="0" strike="noStrike" spc="-1" dirty="0">
-                <a:solidFill>
-                  <a:srgbClr val="FFFFFF"/>
-                </a:solidFill>
-                <a:latin typeface="Roboto Light"/>
-                <a:ea typeface="Roboto Light"/>
-              </a:rPr>
-              <a:t>In this project, we have implemented AES algorithm in python and built a system to secure data for online transmission.  In our project we can encrypt text messages, images, voice messages, documents and any other types of files. And also decrypt text messages, images, voice messages, documents and any other types of files with proper keys. Without the right keys, no one can extract any information from the encrypted files. </a:t>
-            </a:r>
-            <a:endParaRPr lang="en-US" sz="1600" b="0" strike="noStrike" spc="-1" dirty="0">
-              <a:latin typeface="Arial"/>
-            </a:endParaRPr>
-          </a:p>
-        </p:txBody>
-      </p:sp>
-      <p:sp>
-        <p:nvSpPr>
-          <p:cNvPr id="276" name="CustomShape 3"/>
+          <p:cNvPr id="269" name="CustomShape 2"/>
           <p:cNvSpPr/>
           <p:nvPr/>
         </p:nvSpPr>
@@ -12956,19 +12879,54 @@
           <a:fontRef idx="minor"/>
         </p:style>
       </p:sp>
+      <p:pic>
+        <p:nvPicPr>
+          <p:cNvPr id="2" name="Picture 1"/>
+          <p:cNvPicPr>
+            <a:picLocks noChangeAspect="1"/>
+          </p:cNvPicPr>
+          <p:nvPr/>
+        </p:nvPicPr>
+        <p:blipFill>
+          <a:blip r:embed="rId2">
+            <a:extLst>
+              <a:ext uri="{28A0092B-C50C-407E-A947-70E740481C1C}">
+                <a14:useLocalDpi xmlns:a14="http://schemas.microsoft.com/office/drawing/2010/main" val="0"/>
+              </a:ext>
+            </a:extLst>
+          </a:blip>
+          <a:stretch>
+            <a:fillRect/>
+          </a:stretch>
+        </p:blipFill>
+        <p:spPr>
+          <a:xfrm>
+            <a:off x="811659" y="870068"/>
+            <a:ext cx="7541232" cy="3669466"/>
+          </a:xfrm>
+          <a:prstGeom prst="rect">
+            <a:avLst/>
+          </a:prstGeom>
+        </p:spPr>
+      </p:pic>
     </p:spTree>
+    <p:extLst>
+      <p:ext uri="{BB962C8B-B14F-4D97-AF65-F5344CB8AC3E}">
+        <p14:creationId xmlns:p14="http://schemas.microsoft.com/office/powerpoint/2010/main" val="3219748949"/>
+      </p:ext>
+    </p:extLst>
   </p:cSld>
   <p:clrMapOvr>
     <a:masterClrMapping/>
   </p:clrMapOvr>
-  <mc:AlternateContent xmlns:mc="http://schemas.openxmlformats.org/markup-compatibility/2006" xmlns:p14="http://schemas.microsoft.com/office/powerpoint/2010/main">
-    <mc:Choice Requires="p14">
+  <mc:AlternateContent xmlns:mc="http://schemas.openxmlformats.org/markup-compatibility/2006">
+    <mc:Choice xmlns:p14="http://schemas.microsoft.com/office/powerpoint/2010/main" Requires="p14">
       <p:transition spd="slow" p14:dur="800">
         <p:circle/>
       </p:transition>
     </mc:Choice>
-    <mc:Fallback xmlns="" xmlns:p15="http://schemas.microsoft.com/office/powerpoint/2012/main">
-      <p:transition spd="med">
+    <mc:Fallback>
+      <p:transition spd="slow">
         <p:circle/>
       </p:transition>
     </mc:Fallback>
@@ -15416,7 +15374,7 @@
         <p:circle/>
       </p:transition>
     </mc:Choice>
-    <mc:Fallback xmlns="" xmlns:p15="http://schemas.microsoft.com/office/powerpoint/2012/main">
+    <mc:Fallback xmlns:p15="http://schemas.microsoft.com/office/powerpoint/2012/main" xmlns="">
       <p:transition spd="med">
         <p:circle/>
       </p:transition>
@@ -15433,6 +15391,404 @@
 </file>
 
 <file path=ppt/slides/slide20.xml><?xml version="1.0" encoding="utf-8"?>
+<p:sld xmlns:a="http://schemas.openxmlformats.org/drawingml/2006/main" xmlns:r="http://schemas.openxmlformats.org/officeDocument/2006/relationships" xmlns:p="http://schemas.openxmlformats.org/presentationml/2006/main">
+  <p:cSld>
+    <p:spTree>
+      <p:nvGrpSpPr>
+        <p:cNvPr id="1" name=""/>
+        <p:cNvGrpSpPr/>
+        <p:nvPr/>
+      </p:nvGrpSpPr>
+      <p:grpSpPr>
+        <a:xfrm>
+          <a:off x="0" y="0"/>
+          <a:ext cx="0" cy="0"/>
+          <a:chOff x="0" y="0"/>
+          <a:chExt cx="0" cy="0"/>
+        </a:xfrm>
+      </p:grpSpPr>
+      <p:sp>
+        <p:nvSpPr>
+          <p:cNvPr id="268" name="TextShape 1"/>
+          <p:cNvSpPr txBox="1"/>
+          <p:nvPr/>
+        </p:nvSpPr>
+        <p:spPr>
+          <a:xfrm>
+            <a:off x="311760" y="108720"/>
+            <a:ext cx="8520120" cy="606240"/>
+          </a:xfrm>
+          <a:prstGeom prst="rect">
+            <a:avLst/>
+          </a:prstGeom>
+          <a:noFill/>
+          <a:ln>
+            <a:noFill/>
+          </a:ln>
+        </p:spPr>
+        <p:txBody>
+          <a:bodyPr tIns="91440" bIns="91440" anchor="b">
+            <a:noAutofit/>
+          </a:bodyPr>
+          <a:lstStyle/>
+          <a:p>
+            <a:pPr algn="ctr">
+              <a:lnSpc>
+                <a:spcPct val="100000"/>
+              </a:lnSpc>
+            </a:pPr>
+            <a:r>
+              <a:rPr lang="en-IN" sz="3000" b="1" strike="noStrike" spc="-1">
+                <a:solidFill>
+                  <a:srgbClr val="FFFFFF"/>
+                </a:solidFill>
+                <a:latin typeface="Roboto Black"/>
+                <a:ea typeface="Roboto Black"/>
+              </a:rPr>
+              <a:t>Experimental Results / Examples</a:t>
+            </a:r>
+            <a:endParaRPr lang="en-US" sz="3000" b="0" strike="noStrike" spc="-1">
+              <a:solidFill>
+                <a:srgbClr val="000000"/>
+              </a:solidFill>
+              <a:latin typeface="Arial"/>
+            </a:endParaRPr>
+          </a:p>
+        </p:txBody>
+      </p:sp>
+      <p:sp>
+        <p:nvSpPr>
+          <p:cNvPr id="269" name="CustomShape 2"/>
+          <p:cNvSpPr/>
+          <p:nvPr/>
+        </p:nvSpPr>
+        <p:spPr>
+          <a:xfrm>
+            <a:off x="311760" y="760320"/>
+            <a:ext cx="8520120" cy="360"/>
+          </a:xfrm>
+          <a:custGeom>
+            <a:avLst/>
+            <a:gdLst/>
+            <a:ahLst/>
+            <a:cxnLst/>
+            <a:rect l="l" t="t" r="r" b="b"/>
+            <a:pathLst>
+              <a:path w="21600" h="21600">
+                <a:moveTo>
+                  <a:pt x="0" y="0"/>
+                </a:moveTo>
+                <a:lnTo>
+                  <a:pt x="21600" y="21600"/>
+                </a:lnTo>
+              </a:path>
+            </a:pathLst>
+          </a:custGeom>
+          <a:noFill/>
+          <a:ln w="9360">
+            <a:solidFill>
+              <a:schemeClr val="accent1"/>
+            </a:solidFill>
+            <a:round/>
+          </a:ln>
+        </p:spPr>
+        <p:style>
+          <a:lnRef idx="0">
+            <a:scrgbClr r="0" g="0" b="0"/>
+          </a:lnRef>
+          <a:fillRef idx="0">
+            <a:scrgbClr r="0" g="0" b="0"/>
+          </a:fillRef>
+          <a:effectRef idx="0">
+            <a:scrgbClr r="0" g="0" b="0"/>
+          </a:effectRef>
+          <a:fontRef idx="minor"/>
+        </p:style>
+      </p:sp>
+      <p:pic>
+        <p:nvPicPr>
+          <p:cNvPr id="2" name="Picture 1"/>
+          <p:cNvPicPr>
+            <a:picLocks noChangeAspect="1"/>
+          </p:cNvPicPr>
+          <p:nvPr/>
+        </p:nvPicPr>
+        <p:blipFill>
+          <a:blip r:embed="rId2">
+            <a:extLst>
+              <a:ext uri="{28A0092B-C50C-407E-A947-70E740481C1C}">
+                <a14:useLocalDpi xmlns:a14="http://schemas.microsoft.com/office/drawing/2010/main" val="0"/>
+              </a:ext>
+            </a:extLst>
+          </a:blip>
+          <a:stretch>
+            <a:fillRect/>
+          </a:stretch>
+        </p:blipFill>
+        <p:spPr>
+          <a:xfrm>
+            <a:off x="792744" y="870668"/>
+            <a:ext cx="7582723" cy="3670510"/>
+          </a:xfrm>
+          <a:prstGeom prst="rect">
+            <a:avLst/>
+          </a:prstGeom>
+        </p:spPr>
+      </p:pic>
+    </p:spTree>
+    <p:extLst>
+      <p:ext uri="{BB962C8B-B14F-4D97-AF65-F5344CB8AC3E}">
+        <p14:creationId xmlns:p14="http://schemas.microsoft.com/office/powerpoint/2010/main" val="464809911"/>
+      </p:ext>
+    </p:extLst>
+  </p:cSld>
+  <p:clrMapOvr>
+    <a:masterClrMapping/>
+  </p:clrMapOvr>
+  <mc:AlternateContent xmlns:mc="http://schemas.openxmlformats.org/markup-compatibility/2006">
+    <mc:Choice xmlns:p14="http://schemas.microsoft.com/office/powerpoint/2010/main" Requires="p14">
+      <p:transition spd="slow" p14:dur="800">
+        <p:circle/>
+      </p:transition>
+    </mc:Choice>
+    <mc:Fallback>
+      <p:transition spd="slow">
+        <p:circle/>
+      </p:transition>
+    </mc:Fallback>
+  </mc:AlternateContent>
+  <p:timing>
+    <p:tnLst>
+      <p:par>
+        <p:cTn id="1" dur="indefinite" restart="never" nodeType="tmRoot"/>
+      </p:par>
+    </p:tnLst>
+  </p:timing>
+</p:sld>
+</file>
+
+<file path=ppt/slides/slide21.xml><?xml version="1.0" encoding="utf-8"?>
+<p:sld xmlns:a="http://schemas.openxmlformats.org/drawingml/2006/main" xmlns:r="http://schemas.openxmlformats.org/officeDocument/2006/relationships" xmlns:p="http://schemas.openxmlformats.org/presentationml/2006/main">
+  <p:cSld>
+    <p:spTree>
+      <p:nvGrpSpPr>
+        <p:cNvPr id="1" name=""/>
+        <p:cNvGrpSpPr/>
+        <p:nvPr/>
+      </p:nvGrpSpPr>
+      <p:grpSpPr>
+        <a:xfrm>
+          <a:off x="0" y="0"/>
+          <a:ext cx="0" cy="0"/>
+          <a:chOff x="0" y="0"/>
+          <a:chExt cx="0" cy="0"/>
+        </a:xfrm>
+      </p:grpSpPr>
+      <p:pic>
+        <p:nvPicPr>
+          <p:cNvPr id="2" name="Picture 1"/>
+          <p:cNvPicPr>
+            <a:picLocks noChangeAspect="1"/>
+          </p:cNvPicPr>
+          <p:nvPr/>
+        </p:nvPicPr>
+        <p:blipFill>
+          <a:blip r:embed="rId2">
+            <a:extLst>
+              <a:ext uri="{28A0092B-C50C-407E-A947-70E740481C1C}">
+                <a14:useLocalDpi xmlns:a14="http://schemas.microsoft.com/office/drawing/2010/main" val="0"/>
+              </a:ext>
+            </a:extLst>
+          </a:blip>
+          <a:stretch>
+            <a:fillRect/>
+          </a:stretch>
+        </p:blipFill>
+        <p:spPr>
+          <a:xfrm>
+            <a:off x="5127824" y="907800"/>
+            <a:ext cx="3942433" cy="3942433"/>
+          </a:xfrm>
+          <a:prstGeom prst="rect">
+            <a:avLst/>
+          </a:prstGeom>
+        </p:spPr>
+      </p:pic>
+      <p:sp>
+        <p:nvSpPr>
+          <p:cNvPr id="274" name="TextShape 1"/>
+          <p:cNvSpPr txBox="1"/>
+          <p:nvPr/>
+        </p:nvSpPr>
+        <p:spPr>
+          <a:xfrm>
+            <a:off x="311760" y="108720"/>
+            <a:ext cx="8520120" cy="606240"/>
+          </a:xfrm>
+          <a:prstGeom prst="rect">
+            <a:avLst/>
+          </a:prstGeom>
+          <a:noFill/>
+          <a:ln>
+            <a:noFill/>
+          </a:ln>
+        </p:spPr>
+        <p:txBody>
+          <a:bodyPr tIns="91440" bIns="91440" anchor="b">
+            <a:noAutofit/>
+          </a:bodyPr>
+          <a:lstStyle/>
+          <a:p>
+            <a:pPr algn="ctr">
+              <a:lnSpc>
+                <a:spcPct val="100000"/>
+              </a:lnSpc>
+            </a:pPr>
+            <a:r>
+              <a:rPr lang="en-IN" sz="3000" b="1" strike="noStrike" spc="-1">
+                <a:solidFill>
+                  <a:srgbClr val="FFFFFF"/>
+                </a:solidFill>
+                <a:latin typeface="Roboto Black"/>
+                <a:ea typeface="Roboto Black"/>
+              </a:rPr>
+              <a:t>CONCLUSION</a:t>
+            </a:r>
+            <a:endParaRPr lang="en-US" sz="3000" b="0" strike="noStrike" spc="-1">
+              <a:solidFill>
+                <a:srgbClr val="000000"/>
+              </a:solidFill>
+              <a:latin typeface="Arial"/>
+            </a:endParaRPr>
+          </a:p>
+        </p:txBody>
+      </p:sp>
+      <p:sp>
+        <p:nvSpPr>
+          <p:cNvPr id="275" name="TextShape 2"/>
+          <p:cNvSpPr txBox="1"/>
+          <p:nvPr/>
+        </p:nvSpPr>
+        <p:spPr>
+          <a:xfrm>
+            <a:off x="263810" y="1718698"/>
+            <a:ext cx="4853879" cy="2409480"/>
+          </a:xfrm>
+          <a:prstGeom prst="rect">
+            <a:avLst/>
+          </a:prstGeom>
+          <a:noFill/>
+          <a:ln>
+            <a:noFill/>
+          </a:ln>
+        </p:spPr>
+        <p:txBody>
+          <a:bodyPr tIns="91440" bIns="91440">
+            <a:noAutofit/>
+          </a:bodyPr>
+          <a:lstStyle/>
+          <a:p>
+            <a:pPr marL="114480" algn="just">
+              <a:lnSpc>
+                <a:spcPct val="100000"/>
+              </a:lnSpc>
+              <a:tabLst>
+                <a:tab pos="0" algn="l"/>
+              </a:tabLst>
+            </a:pPr>
+            <a:r>
+              <a:rPr lang="en-IN" sz="1600" b="0" strike="noStrike" spc="-1" dirty="0">
+                <a:solidFill>
+                  <a:srgbClr val="FFFFFF"/>
+                </a:solidFill>
+                <a:latin typeface="Roboto Light"/>
+                <a:ea typeface="Roboto Light"/>
+              </a:rPr>
+              <a:t>In this project, we have implemented AES algorithm in python and built a system to secure data for online transmission.  In our project we can encrypt text messages, images, voice messages, documents and any other types of files. And also decrypt text messages, images, voice messages, documents and any other types of files with proper keys. Without the right keys, no one can extract any information from the encrypted files. </a:t>
+            </a:r>
+            <a:endParaRPr lang="en-US" sz="1600" b="0" strike="noStrike" spc="-1" dirty="0">
+              <a:latin typeface="Arial"/>
+            </a:endParaRPr>
+          </a:p>
+        </p:txBody>
+      </p:sp>
+      <p:sp>
+        <p:nvSpPr>
+          <p:cNvPr id="276" name="CustomShape 3"/>
+          <p:cNvSpPr/>
+          <p:nvPr/>
+        </p:nvSpPr>
+        <p:spPr>
+          <a:xfrm>
+            <a:off x="311760" y="760320"/>
+            <a:ext cx="8520120" cy="360"/>
+          </a:xfrm>
+          <a:custGeom>
+            <a:avLst/>
+            <a:gdLst/>
+            <a:ahLst/>
+            <a:cxnLst/>
+            <a:rect l="l" t="t" r="r" b="b"/>
+            <a:pathLst>
+              <a:path w="21600" h="21600">
+                <a:moveTo>
+                  <a:pt x="0" y="0"/>
+                </a:moveTo>
+                <a:lnTo>
+                  <a:pt x="21600" y="21600"/>
+                </a:lnTo>
+              </a:path>
+            </a:pathLst>
+          </a:custGeom>
+          <a:noFill/>
+          <a:ln w="9360">
+            <a:solidFill>
+              <a:schemeClr val="accent1"/>
+            </a:solidFill>
+            <a:round/>
+          </a:ln>
+        </p:spPr>
+        <p:style>
+          <a:lnRef idx="0">
+            <a:scrgbClr r="0" g="0" b="0"/>
+          </a:lnRef>
+          <a:fillRef idx="0">
+            <a:scrgbClr r="0" g="0" b="0"/>
+          </a:fillRef>
+          <a:effectRef idx="0">
+            <a:scrgbClr r="0" g="0" b="0"/>
+          </a:effectRef>
+          <a:fontRef idx="minor"/>
+        </p:style>
+      </p:sp>
+    </p:spTree>
+  </p:cSld>
+  <p:clrMapOvr>
+    <a:masterClrMapping/>
+  </p:clrMapOvr>
+  <mc:AlternateContent xmlns:mc="http://schemas.openxmlformats.org/markup-compatibility/2006" xmlns:p14="http://schemas.microsoft.com/office/powerpoint/2010/main">
+    <mc:Choice Requires="p14">
+      <p:transition spd="slow" p14:dur="800">
+        <p:circle/>
+      </p:transition>
+    </mc:Choice>
+    <mc:Fallback xmlns:p15="http://schemas.microsoft.com/office/powerpoint/2012/main" xmlns="">
+      <p:transition spd="med">
+        <p:circle/>
+      </p:transition>
+    </mc:Fallback>
+  </mc:AlternateContent>
+  <p:timing>
+    <p:tnLst>
+      <p:par>
+        <p:cTn id="1" dur="indefinite" restart="never" nodeType="tmRoot"/>
+      </p:par>
+    </p:tnLst>
+  </p:timing>
+</p:sld>
+</file>
+
+<file path=ppt/slides/slide22.xml><?xml version="1.0" encoding="utf-8"?>
 <p:sld xmlns:a="http://schemas.openxmlformats.org/drawingml/2006/main" xmlns:r="http://schemas.openxmlformats.org/officeDocument/2006/relationships" xmlns:p="http://schemas.openxmlformats.org/presentationml/2006/main">
   <p:cSld>
     <p:spTree>
@@ -16563,7 +16919,7 @@
         <p:circle/>
       </p:transition>
     </mc:Choice>
-    <mc:Fallback xmlns="" xmlns:p15="http://schemas.microsoft.com/office/powerpoint/2012/main">
+    <mc:Fallback xmlns:p15="http://schemas.microsoft.com/office/powerpoint/2012/main" xmlns="">
       <p:transition spd="med">
         <p:circle/>
       </p:transition>
@@ -17326,7 +17682,7 @@
         <p:circle/>
       </p:transition>
     </mc:Choice>
-    <mc:Fallback xmlns="" xmlns:p15="http://schemas.microsoft.com/office/powerpoint/2012/main">
+    <mc:Fallback xmlns:p15="http://schemas.microsoft.com/office/powerpoint/2012/main" xmlns="">
       <p:transition spd="med">
         <p:circle/>
       </p:transition>
@@ -17447,39 +17803,7 @@
                   <a:schemeClr val="bg1"/>
                 </a:solidFill>
               </a:rPr>
-              <a:t>Data is a most important part of our lives. It’s the root of knowledge. But some data in wrong hand can be very dangerous for us. That’s why data security is compulsory. Sometime we need to transfer confidential data through the internet. But internet in full of hackers and eavesdropper.  In </a:t>
-            </a:r>
-            <a:r>
-              <a:rPr lang="en-IN" sz="1200" dirty="0" smtClean="0">
-                <a:solidFill>
-                  <a:schemeClr val="bg1"/>
-                </a:solidFill>
-              </a:rPr>
-              <a:t>that </a:t>
-            </a:r>
-            <a:r>
-              <a:rPr lang="en-IN" sz="1200" dirty="0" smtClean="0">
-                <a:solidFill>
-                  <a:schemeClr val="bg1"/>
-                </a:solidFill>
-              </a:rPr>
-              <a:t>case, the best way to secure data </a:t>
-            </a:r>
-            <a:r>
-              <a:rPr lang="en-IN" sz="1200" dirty="0" smtClean="0">
-                <a:solidFill>
-                  <a:schemeClr val="bg1"/>
-                </a:solidFill>
-              </a:rPr>
-              <a:t>is </a:t>
-            </a:r>
-            <a:r>
-              <a:rPr lang="en-IN" sz="1200" dirty="0" smtClean="0">
-                <a:solidFill>
-                  <a:schemeClr val="bg1"/>
-                </a:solidFill>
-              </a:rPr>
-              <a:t>Cryptography. Cryptography is the way to hide information by encryption and decoding it by decryption. The Advanced Encryption Standard (AES) algorithm, also known as the </a:t>
+              <a:t>Data is a most important part of our lives. It’s the root of knowledge. But some data in wrong hand can be very dangerous for us. That’s why data security is compulsory. Sometime we need to transfer confidential data through the internet. But internet in full of hackers and eavesdropper.  In that case, the best way to secure data is Cryptography. Cryptography is the way to hide information by encryption and decoding it by decryption. The Advanced Encryption Standard (AES) algorithm, also known as the </a:t>
             </a:r>
             <a:r>
               <a:rPr lang="en-IN" sz="1200" dirty="0" err="1" smtClean="0">
@@ -17590,7 +17914,7 @@
         <p:circle/>
       </p:transition>
     </mc:Choice>
-    <mc:Fallback xmlns="" xmlns:p15="http://schemas.microsoft.com/office/powerpoint/2012/main">
+    <mc:Fallback xmlns:p15="http://schemas.microsoft.com/office/powerpoint/2012/main" xmlns="">
       <p:transition spd="med">
         <p:circle/>
       </p:transition>
@@ -17934,7 +18258,7 @@
         <p:circle/>
       </p:transition>
     </mc:Choice>
-    <mc:Fallback xmlns="" xmlns:p15="http://schemas.microsoft.com/office/powerpoint/2012/main">
+    <mc:Fallback xmlns:p15="http://schemas.microsoft.com/office/powerpoint/2012/main" xmlns="">
       <p:transition spd="med">
         <p:circle/>
       </p:transition>
@@ -18530,7 +18854,7 @@
         <p:circle/>
       </p:transition>
     </mc:Choice>
-    <mc:Fallback xmlns="" xmlns:p15="http://schemas.microsoft.com/office/powerpoint/2012/main">
+    <mc:Fallback xmlns:p15="http://schemas.microsoft.com/office/powerpoint/2012/main" xmlns="">
       <p:transition spd="med">
         <p:circle/>
       </p:transition>
@@ -19170,7 +19494,7 @@
         <p:circle/>
       </p:transition>
     </mc:Choice>
-    <mc:Fallback xmlns="" xmlns:p15="http://schemas.microsoft.com/office/powerpoint/2012/main">
+    <mc:Fallback xmlns:p15="http://schemas.microsoft.com/office/powerpoint/2012/main" xmlns="">
       <p:transition spd="med">
         <p:circle/>
       </p:transition>
@@ -19620,7 +19944,7 @@
         <p:circle/>
       </p:transition>
     </mc:Choice>
-    <mc:Fallback xmlns="" xmlns:p15="http://schemas.microsoft.com/office/powerpoint/2012/main">
+    <mc:Fallback xmlns:p15="http://schemas.microsoft.com/office/powerpoint/2012/main" xmlns="">
       <p:transition spd="med">
         <p:circle/>
       </p:transition>
@@ -20076,7 +20400,7 @@
         <p:circle/>
       </p:transition>
     </mc:Choice>
-    <mc:Fallback xmlns="" xmlns:p15="http://schemas.microsoft.com/office/powerpoint/2012/main">
+    <mc:Fallback xmlns:p15="http://schemas.microsoft.com/office/powerpoint/2012/main" xmlns="">
       <p:transition spd="med">
         <p:circle/>
       </p:transition>

--- a/AES Project Presentation.pptx
+++ b/AES Project Presentation.pptx
@@ -11447,16 +11447,36 @@
               </a:lnSpc>
             </a:pPr>
             <a:r>
-              <a:rPr lang="en-IN" sz="2000" b="0" strike="noStrike" spc="-1">
+              <a:rPr lang="en-IN" sz="2000" b="0" strike="noStrike" spc="-1" dirty="0">
                 <a:solidFill>
                   <a:srgbClr val="FFFFFF"/>
                 </a:solidFill>
                 <a:latin typeface="Roboto Black"/>
                 <a:ea typeface="Roboto Black"/>
               </a:rPr>
-              <a:t>Inverse Cypher / Decryption Algorithm</a:t>
-            </a:r>
-            <a:endParaRPr lang="en-US" sz="2000" b="0" strike="noStrike" spc="-1">
+              <a:t>Inverse </a:t>
+            </a:r>
+            <a:r>
+              <a:rPr lang="en-IN" sz="2000" b="0" strike="noStrike" spc="-1" dirty="0" smtClean="0">
+                <a:solidFill>
+                  <a:srgbClr val="FFFFFF"/>
+                </a:solidFill>
+                <a:latin typeface="Roboto Black"/>
+                <a:ea typeface="Roboto Black"/>
+              </a:rPr>
+              <a:t>Cipher </a:t>
+            </a:r>
+            <a:r>
+              <a:rPr lang="en-IN" sz="2000" b="0" strike="noStrike" spc="-1" dirty="0">
+                <a:solidFill>
+                  <a:srgbClr val="FFFFFF"/>
+                </a:solidFill>
+                <a:latin typeface="Roboto Black"/>
+                <a:ea typeface="Roboto Black"/>
+              </a:rPr>
+              <a:t>/ Decryption Algorithm</a:t>
+            </a:r>
+            <a:endParaRPr lang="en-US" sz="2000" b="0" strike="noStrike" spc="-1" dirty="0">
               <a:solidFill>
                 <a:srgbClr val="000000"/>
               </a:solidFill>
@@ -12919,13 +12939,13 @@
   <p:clrMapOvr>
     <a:masterClrMapping/>
   </p:clrMapOvr>
-  <mc:AlternateContent xmlns:mc="http://schemas.openxmlformats.org/markup-compatibility/2006">
-    <mc:Choice xmlns:p14="http://schemas.microsoft.com/office/powerpoint/2010/main" Requires="p14">
+  <mc:AlternateContent xmlns:mc="http://schemas.openxmlformats.org/markup-compatibility/2006" xmlns:p14="http://schemas.microsoft.com/office/powerpoint/2010/main">
+    <mc:Choice Requires="p14">
       <p:transition spd="slow" p14:dur="800">
         <p:circle/>
       </p:transition>
     </mc:Choice>
-    <mc:Fallback>
+    <mc:Fallback xmlns="">
       <p:transition spd="slow">
         <p:circle/>
       </p:transition>
@@ -15545,13 +15565,13 @@
   <p:clrMapOvr>
     <a:masterClrMapping/>
   </p:clrMapOvr>
-  <mc:AlternateContent xmlns:mc="http://schemas.openxmlformats.org/markup-compatibility/2006">
-    <mc:Choice xmlns:p14="http://schemas.microsoft.com/office/powerpoint/2010/main" Requires="p14">
+  <mc:AlternateContent xmlns:mc="http://schemas.openxmlformats.org/markup-compatibility/2006" xmlns:p14="http://schemas.microsoft.com/office/powerpoint/2010/main">
+    <mc:Choice Requires="p14">
       <p:transition spd="slow" p14:dur="800">
         <p:circle/>
       </p:transition>
     </mc:Choice>
-    <mc:Fallback>
+    <mc:Fallback xmlns="">
       <p:transition spd="slow">
         <p:circle/>
       </p:transition>
@@ -19019,16 +19039,26 @@
               </a:lnSpc>
             </a:pPr>
             <a:r>
-              <a:rPr lang="en-IN" sz="2000" b="0" strike="noStrike" spc="-1">
+              <a:rPr lang="en-IN" sz="2000" b="0" strike="noStrike" spc="-1" dirty="0" smtClean="0">
                 <a:solidFill>
                   <a:srgbClr val="FFFFFF"/>
                 </a:solidFill>
                 <a:latin typeface="Roboto Black"/>
                 <a:ea typeface="Roboto Black"/>
               </a:rPr>
-              <a:t>Cypher / Encryption Algorithm</a:t>
-            </a:r>
-            <a:endParaRPr lang="en-US" sz="2000" b="0" strike="noStrike" spc="-1">
+              <a:t>Cipher </a:t>
+            </a:r>
+            <a:r>
+              <a:rPr lang="en-IN" sz="2000" b="0" strike="noStrike" spc="-1" dirty="0">
+                <a:solidFill>
+                  <a:srgbClr val="FFFFFF"/>
+                </a:solidFill>
+                <a:latin typeface="Roboto Black"/>
+                <a:ea typeface="Roboto Black"/>
+              </a:rPr>
+              <a:t>/ Encryption Algorithm</a:t>
+            </a:r>
+            <a:endParaRPr lang="en-US" sz="2000" b="0" strike="noStrike" spc="-1" dirty="0">
               <a:solidFill>
                 <a:srgbClr val="000000"/>
               </a:solidFill>
@@ -19535,7 +19565,7 @@
         </p:nvSpPr>
         <p:spPr>
           <a:xfrm>
-            <a:off x="311760" y="108720"/>
+            <a:off x="311760" y="98445"/>
             <a:ext cx="8520120" cy="606240"/>
           </a:xfrm>
           <a:prstGeom prst="rect">
@@ -19636,7 +19666,7 @@
         </p:nvSpPr>
         <p:spPr>
           <a:xfrm>
-            <a:off x="1121040" y="760320"/>
+            <a:off x="1121040" y="719224"/>
             <a:ext cx="6901560" cy="551520"/>
           </a:xfrm>
           <a:prstGeom prst="rect">
@@ -19659,7 +19689,7 @@
               </a:lnSpc>
             </a:pPr>
             <a:r>
-              <a:rPr lang="en-IN" sz="2000" b="0" strike="noStrike" spc="-1">
+              <a:rPr lang="en-IN" sz="2000" b="0" strike="noStrike" spc="-1" dirty="0">
                 <a:solidFill>
                   <a:srgbClr val="FFFFFF"/>
                 </a:solidFill>
@@ -19668,7 +19698,7 @@
               </a:rPr>
               <a:t>Byte Substitution</a:t>
             </a:r>
-            <a:endParaRPr lang="en-US" sz="2000" b="0" strike="noStrike" spc="-1">
+            <a:endParaRPr lang="en-US" sz="2000" b="0" strike="noStrike" spc="-1" dirty="0">
               <a:solidFill>
                 <a:srgbClr val="000000"/>
               </a:solidFill>
@@ -19711,16 +19741,56 @@
               </a:tabLst>
             </a:pPr>
             <a:r>
-              <a:rPr lang="en-IN" sz="1200" b="0" strike="noStrike" spc="-1">
+              <a:rPr lang="en-IN" sz="1200" b="0" strike="noStrike" spc="-1" dirty="0">
                 <a:solidFill>
                   <a:srgbClr val="FFFFFF"/>
                 </a:solidFill>
                 <a:latin typeface="Roboto Light"/>
                 <a:ea typeface="Roboto Light"/>
               </a:rPr>
-              <a:t>The SubBytes() transformation is a non-linear byte substitution that operates independently on each byte of the State using a substitution table. This S-box which is invertible, is constructed by composing two transformations: </a:t>
-            </a:r>
-            <a:endParaRPr lang="en-US" sz="1200" b="0" strike="noStrike" spc="-1">
+              <a:t>The </a:t>
+            </a:r>
+            <a:r>
+              <a:rPr lang="en-IN" sz="1200" b="0" strike="noStrike" spc="-1" dirty="0" err="1">
+                <a:solidFill>
+                  <a:srgbClr val="FFFFFF"/>
+                </a:solidFill>
+                <a:latin typeface="Roboto Light"/>
+                <a:ea typeface="Roboto Light"/>
+              </a:rPr>
+              <a:t>SubBytes</a:t>
+            </a:r>
+            <a:r>
+              <a:rPr lang="en-IN" sz="1200" b="0" strike="noStrike" spc="-1" dirty="0">
+                <a:solidFill>
+                  <a:srgbClr val="FFFFFF"/>
+                </a:solidFill>
+                <a:latin typeface="Roboto Light"/>
+                <a:ea typeface="Roboto Light"/>
+              </a:rPr>
+              <a:t>() transformation is a non-linear byte substitution that operates independently on each byte of the State using a substitution </a:t>
+            </a:r>
+            <a:r>
+              <a:rPr lang="en-IN" sz="1200" b="0" strike="noStrike" spc="-1" dirty="0" smtClean="0">
+                <a:solidFill>
+                  <a:srgbClr val="FFFFFF"/>
+                </a:solidFill>
+                <a:latin typeface="Roboto Light"/>
+                <a:ea typeface="Roboto Light"/>
+              </a:rPr>
+              <a:t>table (S-Box). </a:t>
+            </a:r>
+            <a:r>
+              <a:rPr lang="en-IN" sz="1200" b="0" strike="noStrike" spc="-1" dirty="0">
+                <a:solidFill>
+                  <a:srgbClr val="FFFFFF"/>
+                </a:solidFill>
+                <a:latin typeface="Roboto Light"/>
+                <a:ea typeface="Roboto Light"/>
+              </a:rPr>
+              <a:t>This S-box which is invertible, is constructed by composing two transformations: </a:t>
+            </a:r>
+            <a:endParaRPr lang="en-US" sz="1200" b="0" strike="noStrike" spc="-1" dirty="0">
               <a:latin typeface="Arial"/>
             </a:endParaRPr>
           </a:p>
@@ -19733,7 +19803,7 @@
                 <a:tab pos="0" algn="l"/>
               </a:tabLst>
             </a:pPr>
-            <a:endParaRPr lang="en-US" sz="1200" b="0" strike="noStrike" spc="-1">
+            <a:endParaRPr lang="en-US" sz="1200" b="0" strike="noStrike" spc="-1" dirty="0">
               <a:latin typeface="Arial"/>
             </a:endParaRPr>
           </a:p>
@@ -19752,36 +19822,56 @@
               </a:tabLst>
             </a:pPr>
             <a:r>
-              <a:rPr lang="en-IN" sz="1200" b="0" strike="noStrike" spc="-1">
+              <a:rPr lang="en-IN" sz="1200" b="0" strike="noStrike" spc="-1" dirty="0">
                 <a:solidFill>
                   <a:srgbClr val="FFFFFF"/>
                 </a:solidFill>
                 <a:latin typeface="Roboto Light"/>
                 <a:ea typeface="Roboto Light"/>
               </a:rPr>
-              <a:t>Take the multiplicative inverse in the finite field (Galoi’s Field) GF(2</a:t>
-            </a:r>
-            <a:r>
-              <a:rPr lang="en-IN" sz="1200" b="0" strike="noStrike" spc="-1" baseline="30000">
+              <a:t>Take the multiplicative inverse in the finite field (</a:t>
+            </a:r>
+            <a:r>
+              <a:rPr lang="en-IN" sz="1200" b="0" strike="noStrike" spc="-1" dirty="0" err="1">
                 <a:solidFill>
                   <a:srgbClr val="FFFFFF"/>
                 </a:solidFill>
                 <a:latin typeface="Roboto Light"/>
                 <a:ea typeface="Roboto Light"/>
               </a:rPr>
-              <a:t>8</a:t>
-            </a:r>
-            <a:r>
-              <a:rPr lang="en-IN" sz="1200" b="0" strike="noStrike" spc="-1">
+              <a:t>Galoi’s</a:t>
+            </a:r>
+            <a:r>
+              <a:rPr lang="en-IN" sz="1200" b="0" strike="noStrike" spc="-1" dirty="0">
                 <a:solidFill>
                   <a:srgbClr val="FFFFFF"/>
                 </a:solidFill>
                 <a:latin typeface="Roboto Light"/>
                 <a:ea typeface="Roboto Light"/>
               </a:rPr>
+              <a:t> Field) GF(2</a:t>
+            </a:r>
+            <a:r>
+              <a:rPr lang="en-IN" sz="1200" b="0" strike="noStrike" spc="-1" baseline="30000" dirty="0">
+                <a:solidFill>
+                  <a:srgbClr val="FFFFFF"/>
+                </a:solidFill>
+                <a:latin typeface="Roboto Light"/>
+                <a:ea typeface="Roboto Light"/>
+              </a:rPr>
+              <a:t>8</a:t>
+            </a:r>
+            <a:r>
+              <a:rPr lang="en-IN" sz="1200" b="0" strike="noStrike" spc="-1" dirty="0">
+                <a:solidFill>
+                  <a:srgbClr val="FFFFFF"/>
+                </a:solidFill>
+                <a:latin typeface="Roboto Light"/>
+                <a:ea typeface="Roboto Light"/>
+              </a:rPr>
               <a:t>), </a:t>
             </a:r>
-            <a:endParaRPr lang="en-US" sz="1200" b="0" strike="noStrike" spc="-1">
+            <a:endParaRPr lang="en-US" sz="1200" b="0" strike="noStrike" spc="-1" dirty="0">
               <a:latin typeface="Arial"/>
             </a:endParaRPr>
           </a:p>
@@ -19794,7 +19884,7 @@
                 <a:tab pos="0" algn="l"/>
               </a:tabLst>
             </a:pPr>
-            <a:endParaRPr lang="en-US" sz="1200" b="0" strike="noStrike" spc="-1">
+            <a:endParaRPr lang="en-US" sz="1200" b="0" strike="noStrike" spc="-1" dirty="0">
               <a:latin typeface="Arial"/>
             </a:endParaRPr>
           </a:p>
@@ -19808,7 +19898,7 @@
               </a:tabLst>
             </a:pPr>
             <a:r>
-              <a:rPr lang="en-IN" sz="1200" b="0" strike="noStrike" spc="-1">
+              <a:rPr lang="en-IN" sz="1200" b="0" strike="noStrike" spc="-1" dirty="0">
                 <a:solidFill>
                   <a:srgbClr val="FFFFFF"/>
                 </a:solidFill>
@@ -19817,7 +19907,7 @@
               </a:rPr>
               <a:t>2.  Apply the following affine transformation (over GF(2)):</a:t>
             </a:r>
-            <a:endParaRPr lang="en-US" sz="1200" b="0" strike="noStrike" spc="-1">
+            <a:endParaRPr lang="en-US" sz="1200" b="0" strike="noStrike" spc="-1" dirty="0">
               <a:latin typeface="Arial"/>
             </a:endParaRPr>
           </a:p>
@@ -19830,7 +19920,7 @@
                 <a:tab pos="0" algn="l"/>
               </a:tabLst>
             </a:pPr>
-            <a:endParaRPr lang="en-US" sz="1200" b="0" strike="noStrike" spc="-1">
+            <a:endParaRPr lang="en-US" sz="1200" b="0" strike="noStrike" spc="-1" dirty="0">
               <a:latin typeface="Arial"/>
             </a:endParaRPr>
           </a:p>
@@ -19873,8 +19963,8 @@
         </p:blipFill>
         <p:spPr>
           <a:xfrm>
-            <a:off x="4952160" y="1855080"/>
-            <a:ext cx="3879720" cy="2202840"/>
+            <a:off x="5160813" y="3467267"/>
+            <a:ext cx="3349377" cy="1366195"/>
           </a:xfrm>
           <a:prstGeom prst="rect">
             <a:avLst/>
@@ -19892,7 +19982,7 @@
         </p:nvSpPr>
         <p:spPr>
           <a:xfrm>
-            <a:off x="2313940" y="1333180"/>
+            <a:off x="2313940" y="1261262"/>
             <a:ext cx="4448160" cy="360"/>
           </a:xfrm>
           <a:custGeom>
@@ -19933,6 +20023,35 @@
           <a:fontRef idx="minor"/>
         </p:style>
       </p:sp>
+      <p:pic>
+        <p:nvPicPr>
+          <p:cNvPr id="2" name="Picture 1"/>
+          <p:cNvPicPr>
+            <a:picLocks noChangeAspect="1"/>
+          </p:cNvPicPr>
+          <p:nvPr/>
+        </p:nvPicPr>
+        <p:blipFill rotWithShape="1">
+          <a:blip r:embed="rId4">
+            <a:extLst>
+              <a:ext uri="{28A0092B-C50C-407E-A947-70E740481C1C}">
+                <a14:useLocalDpi xmlns:a14="http://schemas.microsoft.com/office/drawing/2010/main" val="0"/>
+              </a:ext>
+            </a:extLst>
+          </a:blip>
+          <a:srcRect l="2368" t="1526" r="4457" b="3636"/>
+          <a:stretch/>
+        </p:blipFill>
+        <p:spPr>
+          <a:xfrm>
+            <a:off x="4962416" y="1489752"/>
+            <a:ext cx="3746173" cy="1849349"/>
+          </a:xfrm>
+          <a:prstGeom prst="rect">
+            <a:avLst/>
+          </a:prstGeom>
+        </p:spPr>
+      </p:pic>
     </p:spTree>
   </p:cSld>
   <p:clrMapOvr>
